--- a/topic02-primitive-arrays/unit-02a-lectures/talk-2-loop-recap/b-iteration-while.pptx
+++ b/topic02-primitive-arrays/unit-02a-lectures/talk-2-loop-recap/b-iteration-while.pptx
@@ -5,27 +5,30 @@
     <p:sldMasterId id="2147483648" r:id="rId1"/>
   </p:sldMasterIdLst>
   <p:notesMasterIdLst>
-    <p:notesMasterId r:id="rId20"/>
+    <p:notesMasterId r:id="rId23"/>
   </p:notesMasterIdLst>
   <p:sldIdLst>
     <p:sldId id="256" r:id="rId2"/>
     <p:sldId id="257" r:id="rId3"/>
-    <p:sldId id="363" r:id="rId4"/>
-    <p:sldId id="372" r:id="rId5"/>
+    <p:sldId id="399" r:id="rId4"/>
+    <p:sldId id="363" r:id="rId5"/>
     <p:sldId id="391" r:id="rId6"/>
-    <p:sldId id="373" r:id="rId7"/>
+    <p:sldId id="400" r:id="rId7"/>
     <p:sldId id="394" r:id="rId8"/>
     <p:sldId id="364" r:id="rId9"/>
-    <p:sldId id="382" r:id="rId10"/>
-    <p:sldId id="383" r:id="rId11"/>
-    <p:sldId id="384" r:id="rId12"/>
-    <p:sldId id="386" r:id="rId13"/>
-    <p:sldId id="396" r:id="rId14"/>
-    <p:sldId id="390" r:id="rId15"/>
-    <p:sldId id="398" r:id="rId16"/>
-    <p:sldId id="397" r:id="rId17"/>
-    <p:sldId id="393" r:id="rId18"/>
-    <p:sldId id="273" r:id="rId19"/>
+    <p:sldId id="401" r:id="rId10"/>
+    <p:sldId id="382" r:id="rId11"/>
+    <p:sldId id="402" r:id="rId12"/>
+    <p:sldId id="383" r:id="rId13"/>
+    <p:sldId id="384" r:id="rId14"/>
+    <p:sldId id="386" r:id="rId15"/>
+    <p:sldId id="396" r:id="rId16"/>
+    <p:sldId id="390" r:id="rId17"/>
+    <p:sldId id="398" r:id="rId18"/>
+    <p:sldId id="397" r:id="rId19"/>
+    <p:sldId id="403" r:id="rId20"/>
+    <p:sldId id="393" r:id="rId21"/>
+    <p:sldId id="273" r:id="rId22"/>
   </p:sldIdLst>
   <p:sldSz cx="12192000" cy="6858000"/>
   <p:notesSz cx="6858000" cy="9144000"/>
@@ -225,7 +228,7 @@
           <a:p>
             <a:fld id="{58C3D141-1E1C-433C-AD3A-CD56CBBB4F9F}" type="datetimeFigureOut">
               <a:rPr lang="en-IE" smtClean="0"/>
-              <a:t>24/01/2025</a:t>
+              <a:t>21/01/2026</a:t>
             </a:fld>
             <a:endParaRPr lang="en-IE"/>
           </a:p>
@@ -512,593 +515,6 @@
       </p:grpSpPr>
       <p:sp>
         <p:nvSpPr>
-          <p:cNvPr id="57345" name="Rectangle 2"/>
-          <p:cNvSpPr>
-            <a:spLocks noGrp="1" noChangeArrowheads="1"/>
-          </p:cNvSpPr>
-          <p:nvPr>
-            <p:ph type="hdr" sz="quarter"/>
-          </p:nvPr>
-        </p:nvSpPr>
-        <p:spPr bwMode="auto">
-          <a:noFill/>
-          <a:extLst>
-            <a:ext uri="{909E8E84-426E-40DD-AFC4-6F175D3DCCD1}">
-              <a14:hiddenFill xmlns:a14="http://schemas.microsoft.com/office/drawing/2010/main">
-                <a:solidFill>
-                  <a:srgbClr val="FFFFFF"/>
-                </a:solidFill>
-              </a14:hiddenFill>
-            </a:ext>
-            <a:ext uri="{91240B29-F687-4F45-9708-019B960494DF}">
-              <a14:hiddenLine xmlns:a14="http://schemas.microsoft.com/office/drawing/2010/main" w="9525">
-                <a:solidFill>
-                  <a:srgbClr val="000000"/>
-                </a:solidFill>
-                <a:miter lim="800000"/>
-                <a:headEnd/>
-                <a:tailEnd/>
-              </a14:hiddenLine>
-            </a:ext>
-          </a:extLst>
-        </p:spPr>
-        <p:txBody>
-          <a:bodyPr wrap="square" numCol="1" anchor="t" anchorCtr="0" compatLnSpc="1">
-            <a:prstTxWarp prst="textNoShape">
-              <a:avLst/>
-            </a:prstTxWarp>
-          </a:bodyPr>
-          <a:lstStyle>
-            <a:lvl1pPr>
-              <a:defRPr>
-                <a:solidFill>
-                  <a:schemeClr val="tx1"/>
-                </a:solidFill>
-                <a:latin typeface="Calibri" pitchFamily="34" charset="0"/>
-                <a:ea typeface="MS PGothic" pitchFamily="34" charset="-128"/>
-              </a:defRPr>
-            </a:lvl1pPr>
-            <a:lvl2pPr marL="742950" indent="-285750">
-              <a:defRPr>
-                <a:solidFill>
-                  <a:schemeClr val="tx1"/>
-                </a:solidFill>
-                <a:latin typeface="Calibri" pitchFamily="34" charset="0"/>
-                <a:ea typeface="MS PGothic" pitchFamily="34" charset="-128"/>
-              </a:defRPr>
-            </a:lvl2pPr>
-            <a:lvl3pPr marL="1143000" indent="-228600">
-              <a:defRPr>
-                <a:solidFill>
-                  <a:schemeClr val="tx1"/>
-                </a:solidFill>
-                <a:latin typeface="Calibri" pitchFamily="34" charset="0"/>
-                <a:ea typeface="MS PGothic" pitchFamily="34" charset="-128"/>
-              </a:defRPr>
-            </a:lvl3pPr>
-            <a:lvl4pPr marL="1600200" indent="-228600">
-              <a:defRPr>
-                <a:solidFill>
-                  <a:schemeClr val="tx1"/>
-                </a:solidFill>
-                <a:latin typeface="Calibri" pitchFamily="34" charset="0"/>
-                <a:ea typeface="MS PGothic" pitchFamily="34" charset="-128"/>
-              </a:defRPr>
-            </a:lvl4pPr>
-            <a:lvl5pPr marL="2057400" indent="-228600">
-              <a:defRPr>
-                <a:solidFill>
-                  <a:schemeClr val="tx1"/>
-                </a:solidFill>
-                <a:latin typeface="Calibri" pitchFamily="34" charset="0"/>
-                <a:ea typeface="MS PGothic" pitchFamily="34" charset="-128"/>
-              </a:defRPr>
-            </a:lvl5pPr>
-            <a:lvl6pPr marL="2514600" indent="-228600" fontAlgn="base">
-              <a:spcBef>
-                <a:spcPct val="0"/>
-              </a:spcBef>
-              <a:spcAft>
-                <a:spcPct val="0"/>
-              </a:spcAft>
-              <a:defRPr>
-                <a:solidFill>
-                  <a:schemeClr val="tx1"/>
-                </a:solidFill>
-                <a:latin typeface="Calibri" pitchFamily="34" charset="0"/>
-                <a:ea typeface="MS PGothic" pitchFamily="34" charset="-128"/>
-              </a:defRPr>
-            </a:lvl6pPr>
-            <a:lvl7pPr marL="2971800" indent="-228600" fontAlgn="base">
-              <a:spcBef>
-                <a:spcPct val="0"/>
-              </a:spcBef>
-              <a:spcAft>
-                <a:spcPct val="0"/>
-              </a:spcAft>
-              <a:defRPr>
-                <a:solidFill>
-                  <a:schemeClr val="tx1"/>
-                </a:solidFill>
-                <a:latin typeface="Calibri" pitchFamily="34" charset="0"/>
-                <a:ea typeface="MS PGothic" pitchFamily="34" charset="-128"/>
-              </a:defRPr>
-            </a:lvl7pPr>
-            <a:lvl8pPr marL="3429000" indent="-228600" fontAlgn="base">
-              <a:spcBef>
-                <a:spcPct val="0"/>
-              </a:spcBef>
-              <a:spcAft>
-                <a:spcPct val="0"/>
-              </a:spcAft>
-              <a:defRPr>
-                <a:solidFill>
-                  <a:schemeClr val="tx1"/>
-                </a:solidFill>
-                <a:latin typeface="Calibri" pitchFamily="34" charset="0"/>
-                <a:ea typeface="MS PGothic" pitchFamily="34" charset="-128"/>
-              </a:defRPr>
-            </a:lvl8pPr>
-            <a:lvl9pPr marL="3886200" indent="-228600" fontAlgn="base">
-              <a:spcBef>
-                <a:spcPct val="0"/>
-              </a:spcBef>
-              <a:spcAft>
-                <a:spcPct val="0"/>
-              </a:spcAft>
-              <a:defRPr>
-                <a:solidFill>
-                  <a:schemeClr val="tx1"/>
-                </a:solidFill>
-                <a:latin typeface="Calibri" pitchFamily="34" charset="0"/>
-                <a:ea typeface="MS PGothic" pitchFamily="34" charset="-128"/>
-              </a:defRPr>
-            </a:lvl9pPr>
-          </a:lstStyle>
-          <a:p>
-            <a:pPr fontAlgn="base">
-              <a:spcBef>
-                <a:spcPct val="0"/>
-              </a:spcBef>
-              <a:spcAft>
-                <a:spcPct val="0"/>
-              </a:spcAft>
-            </a:pPr>
-            <a:r>
-              <a:rPr lang="en-GB" altLang="en-US"/>
-              <a:t>Objects First with Java</a:t>
-            </a:r>
-          </a:p>
-        </p:txBody>
-      </p:sp>
-      <p:sp>
-        <p:nvSpPr>
-          <p:cNvPr id="57346" name="Rectangle 6"/>
-          <p:cNvSpPr>
-            <a:spLocks noGrp="1" noChangeArrowheads="1"/>
-          </p:cNvSpPr>
-          <p:nvPr>
-            <p:ph type="ftr" sz="quarter" idx="4"/>
-          </p:nvPr>
-        </p:nvSpPr>
-        <p:spPr bwMode="auto">
-          <a:noFill/>
-          <a:extLst>
-            <a:ext uri="{909E8E84-426E-40DD-AFC4-6F175D3DCCD1}">
-              <a14:hiddenFill xmlns:a14="http://schemas.microsoft.com/office/drawing/2010/main">
-                <a:solidFill>
-                  <a:srgbClr val="FFFFFF"/>
-                </a:solidFill>
-              </a14:hiddenFill>
-            </a:ext>
-            <a:ext uri="{91240B29-F687-4F45-9708-019B960494DF}">
-              <a14:hiddenLine xmlns:a14="http://schemas.microsoft.com/office/drawing/2010/main" w="9525">
-                <a:solidFill>
-                  <a:srgbClr val="000000"/>
-                </a:solidFill>
-                <a:miter lim="800000"/>
-                <a:headEnd/>
-                <a:tailEnd/>
-              </a14:hiddenLine>
-            </a:ext>
-          </a:extLst>
-        </p:spPr>
-        <p:txBody>
-          <a:bodyPr wrap="square" numCol="1" anchorCtr="0" compatLnSpc="1">
-            <a:prstTxWarp prst="textNoShape">
-              <a:avLst/>
-            </a:prstTxWarp>
-          </a:bodyPr>
-          <a:lstStyle>
-            <a:lvl1pPr>
-              <a:defRPr>
-                <a:solidFill>
-                  <a:schemeClr val="tx1"/>
-                </a:solidFill>
-                <a:latin typeface="Calibri" pitchFamily="34" charset="0"/>
-                <a:ea typeface="MS PGothic" pitchFamily="34" charset="-128"/>
-              </a:defRPr>
-            </a:lvl1pPr>
-            <a:lvl2pPr marL="742950" indent="-285750">
-              <a:defRPr>
-                <a:solidFill>
-                  <a:schemeClr val="tx1"/>
-                </a:solidFill>
-                <a:latin typeface="Calibri" pitchFamily="34" charset="0"/>
-                <a:ea typeface="MS PGothic" pitchFamily="34" charset="-128"/>
-              </a:defRPr>
-            </a:lvl2pPr>
-            <a:lvl3pPr marL="1143000" indent="-228600">
-              <a:defRPr>
-                <a:solidFill>
-                  <a:schemeClr val="tx1"/>
-                </a:solidFill>
-                <a:latin typeface="Calibri" pitchFamily="34" charset="0"/>
-                <a:ea typeface="MS PGothic" pitchFamily="34" charset="-128"/>
-              </a:defRPr>
-            </a:lvl3pPr>
-            <a:lvl4pPr marL="1600200" indent="-228600">
-              <a:defRPr>
-                <a:solidFill>
-                  <a:schemeClr val="tx1"/>
-                </a:solidFill>
-                <a:latin typeface="Calibri" pitchFamily="34" charset="0"/>
-                <a:ea typeface="MS PGothic" pitchFamily="34" charset="-128"/>
-              </a:defRPr>
-            </a:lvl4pPr>
-            <a:lvl5pPr marL="2057400" indent="-228600">
-              <a:defRPr>
-                <a:solidFill>
-                  <a:schemeClr val="tx1"/>
-                </a:solidFill>
-                <a:latin typeface="Calibri" pitchFamily="34" charset="0"/>
-                <a:ea typeface="MS PGothic" pitchFamily="34" charset="-128"/>
-              </a:defRPr>
-            </a:lvl5pPr>
-            <a:lvl6pPr marL="2514600" indent="-228600" fontAlgn="base">
-              <a:spcBef>
-                <a:spcPct val="0"/>
-              </a:spcBef>
-              <a:spcAft>
-                <a:spcPct val="0"/>
-              </a:spcAft>
-              <a:defRPr>
-                <a:solidFill>
-                  <a:schemeClr val="tx1"/>
-                </a:solidFill>
-                <a:latin typeface="Calibri" pitchFamily="34" charset="0"/>
-                <a:ea typeface="MS PGothic" pitchFamily="34" charset="-128"/>
-              </a:defRPr>
-            </a:lvl6pPr>
-            <a:lvl7pPr marL="2971800" indent="-228600" fontAlgn="base">
-              <a:spcBef>
-                <a:spcPct val="0"/>
-              </a:spcBef>
-              <a:spcAft>
-                <a:spcPct val="0"/>
-              </a:spcAft>
-              <a:defRPr>
-                <a:solidFill>
-                  <a:schemeClr val="tx1"/>
-                </a:solidFill>
-                <a:latin typeface="Calibri" pitchFamily="34" charset="0"/>
-                <a:ea typeface="MS PGothic" pitchFamily="34" charset="-128"/>
-              </a:defRPr>
-            </a:lvl7pPr>
-            <a:lvl8pPr marL="3429000" indent="-228600" fontAlgn="base">
-              <a:spcBef>
-                <a:spcPct val="0"/>
-              </a:spcBef>
-              <a:spcAft>
-                <a:spcPct val="0"/>
-              </a:spcAft>
-              <a:defRPr>
-                <a:solidFill>
-                  <a:schemeClr val="tx1"/>
-                </a:solidFill>
-                <a:latin typeface="Calibri" pitchFamily="34" charset="0"/>
-                <a:ea typeface="MS PGothic" pitchFamily="34" charset="-128"/>
-              </a:defRPr>
-            </a:lvl8pPr>
-            <a:lvl9pPr marL="3886200" indent="-228600" fontAlgn="base">
-              <a:spcBef>
-                <a:spcPct val="0"/>
-              </a:spcBef>
-              <a:spcAft>
-                <a:spcPct val="0"/>
-              </a:spcAft>
-              <a:defRPr>
-                <a:solidFill>
-                  <a:schemeClr val="tx1"/>
-                </a:solidFill>
-                <a:latin typeface="Calibri" pitchFamily="34" charset="0"/>
-                <a:ea typeface="MS PGothic" pitchFamily="34" charset="-128"/>
-              </a:defRPr>
-            </a:lvl9pPr>
-          </a:lstStyle>
-          <a:p>
-            <a:pPr fontAlgn="base">
-              <a:spcBef>
-                <a:spcPct val="0"/>
-              </a:spcBef>
-              <a:spcAft>
-                <a:spcPct val="0"/>
-              </a:spcAft>
-            </a:pPr>
-            <a:r>
-              <a:rPr lang="en-GB" altLang="en-US"/>
-              <a:t>© David J. Barnes and Michael Kölling</a:t>
-            </a:r>
-          </a:p>
-        </p:txBody>
-      </p:sp>
-      <p:sp>
-        <p:nvSpPr>
-          <p:cNvPr id="57347" name="Rectangle 7"/>
-          <p:cNvSpPr>
-            <a:spLocks noGrp="1" noChangeArrowheads="1"/>
-          </p:cNvSpPr>
-          <p:nvPr>
-            <p:ph type="sldNum" sz="quarter" idx="5"/>
-          </p:nvPr>
-        </p:nvSpPr>
-        <p:spPr bwMode="auto">
-          <a:noFill/>
-          <a:extLst>
-            <a:ext uri="{909E8E84-426E-40DD-AFC4-6F175D3DCCD1}">
-              <a14:hiddenFill xmlns:a14="http://schemas.microsoft.com/office/drawing/2010/main">
-                <a:solidFill>
-                  <a:srgbClr val="FFFFFF"/>
-                </a:solidFill>
-              </a14:hiddenFill>
-            </a:ext>
-            <a:ext uri="{91240B29-F687-4F45-9708-019B960494DF}">
-              <a14:hiddenLine xmlns:a14="http://schemas.microsoft.com/office/drawing/2010/main" w="9525">
-                <a:solidFill>
-                  <a:srgbClr val="000000"/>
-                </a:solidFill>
-                <a:miter lim="800000"/>
-                <a:headEnd/>
-                <a:tailEnd/>
-              </a14:hiddenLine>
-            </a:ext>
-          </a:extLst>
-        </p:spPr>
-        <p:txBody>
-          <a:bodyPr/>
-          <a:lstStyle>
-            <a:lvl1pPr>
-              <a:defRPr>
-                <a:solidFill>
-                  <a:schemeClr val="tx1"/>
-                </a:solidFill>
-                <a:latin typeface="Calibri" pitchFamily="34" charset="0"/>
-                <a:ea typeface="MS PGothic" pitchFamily="34" charset="-128"/>
-              </a:defRPr>
-            </a:lvl1pPr>
-            <a:lvl2pPr marL="742950" indent="-285750">
-              <a:defRPr>
-                <a:solidFill>
-                  <a:schemeClr val="tx1"/>
-                </a:solidFill>
-                <a:latin typeface="Calibri" pitchFamily="34" charset="0"/>
-                <a:ea typeface="MS PGothic" pitchFamily="34" charset="-128"/>
-              </a:defRPr>
-            </a:lvl2pPr>
-            <a:lvl3pPr marL="1143000" indent="-228600">
-              <a:defRPr>
-                <a:solidFill>
-                  <a:schemeClr val="tx1"/>
-                </a:solidFill>
-                <a:latin typeface="Calibri" pitchFamily="34" charset="0"/>
-                <a:ea typeface="MS PGothic" pitchFamily="34" charset="-128"/>
-              </a:defRPr>
-            </a:lvl3pPr>
-            <a:lvl4pPr marL="1600200" indent="-228600">
-              <a:defRPr>
-                <a:solidFill>
-                  <a:schemeClr val="tx1"/>
-                </a:solidFill>
-                <a:latin typeface="Calibri" pitchFamily="34" charset="0"/>
-                <a:ea typeface="MS PGothic" pitchFamily="34" charset="-128"/>
-              </a:defRPr>
-            </a:lvl4pPr>
-            <a:lvl5pPr marL="2057400" indent="-228600">
-              <a:defRPr>
-                <a:solidFill>
-                  <a:schemeClr val="tx1"/>
-                </a:solidFill>
-                <a:latin typeface="Calibri" pitchFamily="34" charset="0"/>
-                <a:ea typeface="MS PGothic" pitchFamily="34" charset="-128"/>
-              </a:defRPr>
-            </a:lvl5pPr>
-            <a:lvl6pPr marL="2514600" indent="-228600" fontAlgn="base">
-              <a:spcBef>
-                <a:spcPct val="0"/>
-              </a:spcBef>
-              <a:spcAft>
-                <a:spcPct val="0"/>
-              </a:spcAft>
-              <a:defRPr>
-                <a:solidFill>
-                  <a:schemeClr val="tx1"/>
-                </a:solidFill>
-                <a:latin typeface="Calibri" pitchFamily="34" charset="0"/>
-                <a:ea typeface="MS PGothic" pitchFamily="34" charset="-128"/>
-              </a:defRPr>
-            </a:lvl6pPr>
-            <a:lvl7pPr marL="2971800" indent="-228600" fontAlgn="base">
-              <a:spcBef>
-                <a:spcPct val="0"/>
-              </a:spcBef>
-              <a:spcAft>
-                <a:spcPct val="0"/>
-              </a:spcAft>
-              <a:defRPr>
-                <a:solidFill>
-                  <a:schemeClr val="tx1"/>
-                </a:solidFill>
-                <a:latin typeface="Calibri" pitchFamily="34" charset="0"/>
-                <a:ea typeface="MS PGothic" pitchFamily="34" charset="-128"/>
-              </a:defRPr>
-            </a:lvl7pPr>
-            <a:lvl8pPr marL="3429000" indent="-228600" fontAlgn="base">
-              <a:spcBef>
-                <a:spcPct val="0"/>
-              </a:spcBef>
-              <a:spcAft>
-                <a:spcPct val="0"/>
-              </a:spcAft>
-              <a:defRPr>
-                <a:solidFill>
-                  <a:schemeClr val="tx1"/>
-                </a:solidFill>
-                <a:latin typeface="Calibri" pitchFamily="34" charset="0"/>
-                <a:ea typeface="MS PGothic" pitchFamily="34" charset="-128"/>
-              </a:defRPr>
-            </a:lvl8pPr>
-            <a:lvl9pPr marL="3886200" indent="-228600" fontAlgn="base">
-              <a:spcBef>
-                <a:spcPct val="0"/>
-              </a:spcBef>
-              <a:spcAft>
-                <a:spcPct val="0"/>
-              </a:spcAft>
-              <a:defRPr>
-                <a:solidFill>
-                  <a:schemeClr val="tx1"/>
-                </a:solidFill>
-                <a:latin typeface="Calibri" pitchFamily="34" charset="0"/>
-                <a:ea typeface="MS PGothic" pitchFamily="34" charset="-128"/>
-              </a:defRPr>
-            </a:lvl9pPr>
-          </a:lstStyle>
-          <a:p>
-            <a:fld id="{762EAF62-C546-4744-BC24-2CCA716ACD46}" type="slidenum">
-              <a:rPr lang="en-GB" altLang="en-US"/>
-              <a:pPr/>
-              <a:t>4</a:t>
-            </a:fld>
-            <a:endParaRPr lang="en-GB" altLang="en-US"/>
-          </a:p>
-        </p:txBody>
-      </p:sp>
-      <p:sp>
-        <p:nvSpPr>
-          <p:cNvPr id="57348" name="Rectangle 2"/>
-          <p:cNvSpPr>
-            <a:spLocks noGrp="1" noRot="1" noChangeAspect="1" noChangeArrowheads="1" noTextEdit="1"/>
-          </p:cNvSpPr>
-          <p:nvPr>
-            <p:ph type="sldImg"/>
-          </p:nvPr>
-        </p:nvSpPr>
-        <p:spPr bwMode="auto">
-          <a:xfrm>
-            <a:off x="381000" y="685800"/>
-            <a:ext cx="6096000" cy="3429000"/>
-          </a:xfrm>
-          <a:noFill/>
-          <a:ln>
-            <a:solidFill>
-              <a:srgbClr val="000000"/>
-            </a:solidFill>
-            <a:miter lim="800000"/>
-            <a:headEnd/>
-            <a:tailEnd/>
-          </a:ln>
-          <a:extLst>
-            <a:ext uri="{909E8E84-426E-40DD-AFC4-6F175D3DCCD1}">
-              <a14:hiddenFill xmlns:a14="http://schemas.microsoft.com/office/drawing/2010/main">
-                <a:solidFill>
-                  <a:srgbClr val="FFFFFF"/>
-                </a:solidFill>
-              </a14:hiddenFill>
-            </a:ext>
-          </a:extLst>
-        </p:spPr>
-      </p:sp>
-      <p:sp>
-        <p:nvSpPr>
-          <p:cNvPr id="57349" name="Rectangle 3"/>
-          <p:cNvSpPr>
-            <a:spLocks noGrp="1" noChangeArrowheads="1"/>
-          </p:cNvSpPr>
-          <p:nvPr>
-            <p:ph type="body" idx="1"/>
-          </p:nvPr>
-        </p:nvSpPr>
-        <p:spPr bwMode="auto">
-          <a:noFill/>
-          <a:extLst>
-            <a:ext uri="{909E8E84-426E-40DD-AFC4-6F175D3DCCD1}">
-              <a14:hiddenFill xmlns:a14="http://schemas.microsoft.com/office/drawing/2010/main">
-                <a:solidFill>
-                  <a:srgbClr val="FFFFFF"/>
-                </a:solidFill>
-              </a14:hiddenFill>
-            </a:ext>
-            <a:ext uri="{91240B29-F687-4F45-9708-019B960494DF}">
-              <a14:hiddenLine xmlns:a14="http://schemas.microsoft.com/office/drawing/2010/main" w="9525">
-                <a:solidFill>
-                  <a:srgbClr val="000000"/>
-                </a:solidFill>
-                <a:miter lim="800000"/>
-                <a:headEnd/>
-                <a:tailEnd/>
-              </a14:hiddenLine>
-            </a:ext>
-          </a:extLst>
-        </p:spPr>
-        <p:txBody>
-          <a:bodyPr wrap="square" numCol="1" anchor="t" anchorCtr="0" compatLnSpc="1">
-            <a:prstTxWarp prst="textNoShape">
-              <a:avLst/>
-            </a:prstTxWarp>
-          </a:bodyPr>
-          <a:lstStyle/>
-          <a:p>
-            <a:pPr>
-              <a:spcBef>
-                <a:spcPct val="0"/>
-              </a:spcBef>
-            </a:pPr>
-            <a:endParaRPr lang="en-US" altLang="en-US"/>
-          </a:p>
-        </p:txBody>
-      </p:sp>
-    </p:spTree>
-    <p:extLst>
-      <p:ext uri="{BB962C8B-B14F-4D97-AF65-F5344CB8AC3E}">
-        <p14:creationId xmlns:p14="http://schemas.microsoft.com/office/powerpoint/2010/main" val="4052281392"/>
-      </p:ext>
-    </p:extLst>
-  </p:cSld>
-  <p:clrMapOvr>
-    <a:masterClrMapping/>
-  </p:clrMapOvr>
-</p:notes>
-</file>
-
-<file path=ppt/notesSlides/notesSlide2.xml><?xml version="1.0" encoding="utf-8"?>
-<p:notes xmlns:a="http://schemas.openxmlformats.org/drawingml/2006/main" xmlns:r="http://schemas.openxmlformats.org/officeDocument/2006/relationships" xmlns:p="http://schemas.openxmlformats.org/presentationml/2006/main">
-  <p:cSld>
-    <p:spTree>
-      <p:nvGrpSpPr>
-        <p:cNvPr id="1" name=""/>
-        <p:cNvGrpSpPr/>
-        <p:nvPr/>
-      </p:nvGrpSpPr>
-      <p:grpSpPr>
-        <a:xfrm>
-          <a:off x="0" y="0"/>
-          <a:ext cx="0" cy="0"/>
-          <a:chOff x="0" y="0"/>
-          <a:chExt cx="0" cy="0"/>
-        </a:xfrm>
-      </p:grpSpPr>
-      <p:sp>
-        <p:nvSpPr>
           <p:cNvPr id="58369" name="Rectangle 2"/>
           <p:cNvSpPr>
             <a:spLocks noGrp="1" noChangeArrowheads="1"/>
@@ -1667,6 +1083,152 @@
 </p:notes>
 </file>
 
+<file path=ppt/notesSlides/notesSlide2.xml><?xml version="1.0" encoding="utf-8"?>
+<p:notes xmlns:a="http://schemas.openxmlformats.org/drawingml/2006/main" xmlns:r="http://schemas.openxmlformats.org/officeDocument/2006/relationships" xmlns:p="http://schemas.openxmlformats.org/presentationml/2006/main">
+  <p:cSld>
+    <p:spTree>
+      <p:nvGrpSpPr>
+        <p:cNvPr id="1" name=""/>
+        <p:cNvGrpSpPr/>
+        <p:nvPr/>
+      </p:nvGrpSpPr>
+      <p:grpSpPr>
+        <a:xfrm>
+          <a:off x="0" y="0"/>
+          <a:ext cx="0" cy="0"/>
+          <a:chOff x="0" y="0"/>
+          <a:chExt cx="0" cy="0"/>
+        </a:xfrm>
+      </p:grpSpPr>
+      <p:sp>
+        <p:nvSpPr>
+          <p:cNvPr id="4" name="Rectangle 2"/>
+          <p:cNvSpPr>
+            <a:spLocks noGrp="1" noChangeArrowheads="1"/>
+          </p:cNvSpPr>
+          <p:nvPr>
+            <p:ph type="hdr" sz="quarter"/>
+          </p:nvPr>
+        </p:nvSpPr>
+        <p:spPr>
+          <a:ln/>
+        </p:spPr>
+        <p:txBody>
+          <a:bodyPr/>
+          <a:lstStyle/>
+          <a:p>
+            <a:r>
+              <a:rPr lang="en-GB"/>
+              <a:t>Objects First with Java</a:t>
+            </a:r>
+          </a:p>
+        </p:txBody>
+      </p:sp>
+      <p:sp>
+        <p:nvSpPr>
+          <p:cNvPr id="5" name="Rectangle 6"/>
+          <p:cNvSpPr>
+            <a:spLocks noGrp="1" noChangeArrowheads="1"/>
+          </p:cNvSpPr>
+          <p:nvPr>
+            <p:ph type="ftr" sz="quarter" idx="4"/>
+          </p:nvPr>
+        </p:nvSpPr>
+        <p:spPr>
+          <a:ln/>
+        </p:spPr>
+        <p:txBody>
+          <a:bodyPr/>
+          <a:lstStyle/>
+          <a:p>
+            <a:r>
+              <a:rPr lang="en-GB"/>
+              <a:t>© David J. Barnes and Michael Kölling</a:t>
+            </a:r>
+          </a:p>
+        </p:txBody>
+      </p:sp>
+      <p:sp>
+        <p:nvSpPr>
+          <p:cNvPr id="6" name="Rectangle 7"/>
+          <p:cNvSpPr>
+            <a:spLocks noGrp="1" noChangeArrowheads="1"/>
+          </p:cNvSpPr>
+          <p:nvPr>
+            <p:ph type="sldNum" sz="quarter" idx="5"/>
+          </p:nvPr>
+        </p:nvSpPr>
+        <p:spPr>
+          <a:ln/>
+        </p:spPr>
+        <p:txBody>
+          <a:bodyPr/>
+          <a:lstStyle/>
+          <a:p>
+            <a:fld id="{08D00790-568A-44AB-A948-643E31985A48}" type="slidenum">
+              <a:rPr lang="en-GB"/>
+              <a:pPr/>
+              <a:t>10</a:t>
+            </a:fld>
+            <a:endParaRPr lang="en-GB"/>
+          </a:p>
+        </p:txBody>
+      </p:sp>
+      <p:sp>
+        <p:nvSpPr>
+          <p:cNvPr id="140290" name="Rectangle 2"/>
+          <p:cNvSpPr>
+            <a:spLocks noGrp="1" noRot="1" noChangeAspect="1" noChangeArrowheads="1" noTextEdit="1"/>
+          </p:cNvSpPr>
+          <p:nvPr>
+            <p:ph type="sldImg"/>
+          </p:nvPr>
+        </p:nvSpPr>
+        <p:spPr>
+          <a:xfrm>
+            <a:off x="381000" y="685800"/>
+            <a:ext cx="6096000" cy="3429000"/>
+          </a:xfrm>
+          <a:ln/>
+        </p:spPr>
+      </p:sp>
+      <p:sp>
+        <p:nvSpPr>
+          <p:cNvPr id="140291" name="Rectangle 3"/>
+          <p:cNvSpPr>
+            <a:spLocks noGrp="1" noChangeArrowheads="1"/>
+          </p:cNvSpPr>
+          <p:nvPr>
+            <p:ph type="body" idx="1"/>
+          </p:nvPr>
+        </p:nvSpPr>
+        <p:spPr>
+          <a:xfrm>
+            <a:off x="914400" y="4343400"/>
+            <a:ext cx="1195388" cy="274638"/>
+          </a:xfrm>
+        </p:spPr>
+        <p:txBody>
+          <a:bodyPr/>
+          <a:lstStyle/>
+          <a:p>
+            <a:endParaRPr lang="en-US" dirty="0"/>
+          </a:p>
+        </p:txBody>
+      </p:sp>
+    </p:spTree>
+    <p:extLst>
+      <p:ext uri="{BB962C8B-B14F-4D97-AF65-F5344CB8AC3E}">
+        <p14:creationId xmlns:p14="http://schemas.microsoft.com/office/powerpoint/2010/main" val="610162622"/>
+      </p:ext>
+    </p:extLst>
+  </p:cSld>
+  <p:clrMapOvr>
+    <a:masterClrMapping/>
+  </p:clrMapOvr>
+</p:notes>
+</file>
+
 <file path=ppt/notesSlides/notesSlide3.xml><?xml version="1.0" encoding="utf-8"?>
 <p:notes xmlns:a="http://schemas.openxmlformats.org/drawingml/2006/main" xmlns:r="http://schemas.openxmlformats.org/officeDocument/2006/relationships" xmlns:p="http://schemas.openxmlformats.org/presentationml/2006/main">
   <p:cSld>
@@ -1686,7 +1248,7 @@
       </p:grpSpPr>
       <p:sp>
         <p:nvSpPr>
-          <p:cNvPr id="58369" name="Rectangle 2"/>
+          <p:cNvPr id="61441" name="Rectangle 2"/>
           <p:cNvSpPr>
             <a:spLocks noGrp="1" noChangeArrowheads="1"/>
           </p:cNvSpPr>
@@ -1847,7 +1409,7 @@
       </p:sp>
       <p:sp>
         <p:nvSpPr>
-          <p:cNvPr id="58370" name="Rectangle 6"/>
+          <p:cNvPr id="61442" name="Rectangle 6"/>
           <p:cNvSpPr>
             <a:spLocks noGrp="1" noChangeArrowheads="1"/>
           </p:cNvSpPr>
@@ -2008,7 +1570,7 @@
       </p:sp>
       <p:sp>
         <p:nvSpPr>
-          <p:cNvPr id="58371" name="Rectangle 7"/>
+          <p:cNvPr id="61443" name="Rectangle 7"/>
           <p:cNvSpPr>
             <a:spLocks noGrp="1" noChangeArrowheads="1"/>
           </p:cNvSpPr>
@@ -2148,10 +1710,10 @@
             </a:lvl9pPr>
           </a:lstStyle>
           <a:p>
-            <a:fld id="{6F5C823C-3053-4D97-8BDB-829229CD9DB8}" type="slidenum">
+            <a:fld id="{96C53C0E-6DE2-48FF-AFC8-5B6F7D1351EB}" type="slidenum">
               <a:rPr lang="en-GB" altLang="en-US"/>
               <a:pPr/>
-              <a:t>6</a:t>
+              <a:t>12</a:t>
             </a:fld>
             <a:endParaRPr lang="en-GB" altLang="en-US"/>
           </a:p>
@@ -2159,7 +1721,7 @@
       </p:sp>
       <p:sp>
         <p:nvSpPr>
-          <p:cNvPr id="58372" name="Rectangle 2"/>
+          <p:cNvPr id="61444" name="Rectangle 2"/>
           <p:cNvSpPr>
             <a:spLocks noGrp="1" noRot="1" noChangeAspect="1" noChangeArrowheads="1" noTextEdit="1"/>
           </p:cNvSpPr>
@@ -2194,7 +1756,7 @@
       </p:sp>
       <p:sp>
         <p:nvSpPr>
-          <p:cNvPr id="58373" name="Rectangle 3"/>
+          <p:cNvPr id="61445" name="Rectangle 3"/>
           <p:cNvSpPr>
             <a:spLocks noGrp="1" noChangeArrowheads="1"/>
           </p:cNvSpPr>
@@ -2239,20 +1801,15 @@
             </a:pPr>
             <a:r>
               <a:rPr lang="en-US" altLang="en-US" dirty="0"/>
-              <a:t>We add 20 because its 10 for the height</a:t>
-            </a:r>
-            <a:r>
-              <a:rPr lang="en-US" altLang="en-US" baseline="0" dirty="0"/>
-              <a:t> of the rectangle +10 for the gap</a:t>
-            </a:r>
-            <a:endParaRPr lang="en-US" altLang="en-US" dirty="0"/>
+              <a:t>The “update the LCV” should always update it so that the Boolean condition will eventually evaluation to false. </a:t>
+            </a:r>
           </a:p>
         </p:txBody>
       </p:sp>
     </p:spTree>
     <p:extLst>
       <p:ext uri="{BB962C8B-B14F-4D97-AF65-F5344CB8AC3E}">
-        <p14:creationId xmlns:p14="http://schemas.microsoft.com/office/powerpoint/2010/main" val="2901264600"/>
+        <p14:creationId xmlns:p14="http://schemas.microsoft.com/office/powerpoint/2010/main" val="3967997845"/>
       </p:ext>
     </p:extLst>
   </p:cSld>
@@ -2344,746 +1901,10 @@
           <a:bodyPr/>
           <a:lstStyle/>
           <a:p>
-            <a:fld id="{08D00790-568A-44AB-A948-643E31985A48}" type="slidenum">
-              <a:rPr lang="en-GB"/>
-              <a:pPr/>
-              <a:t>9</a:t>
-            </a:fld>
-            <a:endParaRPr lang="en-GB"/>
-          </a:p>
-        </p:txBody>
-      </p:sp>
-      <p:sp>
-        <p:nvSpPr>
-          <p:cNvPr id="140290" name="Rectangle 2"/>
-          <p:cNvSpPr>
-            <a:spLocks noGrp="1" noRot="1" noChangeAspect="1" noChangeArrowheads="1" noTextEdit="1"/>
-          </p:cNvSpPr>
-          <p:nvPr>
-            <p:ph type="sldImg"/>
-          </p:nvPr>
-        </p:nvSpPr>
-        <p:spPr>
-          <a:xfrm>
-            <a:off x="381000" y="685800"/>
-            <a:ext cx="6096000" cy="3429000"/>
-          </a:xfrm>
-          <a:ln/>
-        </p:spPr>
-      </p:sp>
-      <p:sp>
-        <p:nvSpPr>
-          <p:cNvPr id="140291" name="Rectangle 3"/>
-          <p:cNvSpPr>
-            <a:spLocks noGrp="1" noChangeArrowheads="1"/>
-          </p:cNvSpPr>
-          <p:nvPr>
-            <p:ph type="body" idx="1"/>
-          </p:nvPr>
-        </p:nvSpPr>
-        <p:spPr>
-          <a:xfrm>
-            <a:off x="914400" y="4343400"/>
-            <a:ext cx="1195388" cy="274638"/>
-          </a:xfrm>
-        </p:spPr>
-        <p:txBody>
-          <a:bodyPr/>
-          <a:lstStyle/>
-          <a:p>
-            <a:endParaRPr lang="en-US" dirty="0"/>
-          </a:p>
-        </p:txBody>
-      </p:sp>
-    </p:spTree>
-    <p:extLst>
-      <p:ext uri="{BB962C8B-B14F-4D97-AF65-F5344CB8AC3E}">
-        <p14:creationId xmlns:p14="http://schemas.microsoft.com/office/powerpoint/2010/main" val="610162622"/>
-      </p:ext>
-    </p:extLst>
-  </p:cSld>
-  <p:clrMapOvr>
-    <a:masterClrMapping/>
-  </p:clrMapOvr>
-</p:notes>
-</file>
-
-<file path=ppt/notesSlides/notesSlide5.xml><?xml version="1.0" encoding="utf-8"?>
-<p:notes xmlns:a="http://schemas.openxmlformats.org/drawingml/2006/main" xmlns:r="http://schemas.openxmlformats.org/officeDocument/2006/relationships" xmlns:p="http://schemas.openxmlformats.org/presentationml/2006/main">
-  <p:cSld>
-    <p:spTree>
-      <p:nvGrpSpPr>
-        <p:cNvPr id="1" name=""/>
-        <p:cNvGrpSpPr/>
-        <p:nvPr/>
-      </p:nvGrpSpPr>
-      <p:grpSpPr>
-        <a:xfrm>
-          <a:off x="0" y="0"/>
-          <a:ext cx="0" cy="0"/>
-          <a:chOff x="0" y="0"/>
-          <a:chExt cx="0" cy="0"/>
-        </a:xfrm>
-      </p:grpSpPr>
-      <p:sp>
-        <p:nvSpPr>
-          <p:cNvPr id="61441" name="Rectangle 2"/>
-          <p:cNvSpPr>
-            <a:spLocks noGrp="1" noChangeArrowheads="1"/>
-          </p:cNvSpPr>
-          <p:nvPr>
-            <p:ph type="hdr" sz="quarter"/>
-          </p:nvPr>
-        </p:nvSpPr>
-        <p:spPr bwMode="auto">
-          <a:noFill/>
-          <a:extLst>
-            <a:ext uri="{909E8E84-426E-40DD-AFC4-6F175D3DCCD1}">
-              <a14:hiddenFill xmlns:a14="http://schemas.microsoft.com/office/drawing/2010/main">
-                <a:solidFill>
-                  <a:srgbClr val="FFFFFF"/>
-                </a:solidFill>
-              </a14:hiddenFill>
-            </a:ext>
-            <a:ext uri="{91240B29-F687-4F45-9708-019B960494DF}">
-              <a14:hiddenLine xmlns:a14="http://schemas.microsoft.com/office/drawing/2010/main" w="9525">
-                <a:solidFill>
-                  <a:srgbClr val="000000"/>
-                </a:solidFill>
-                <a:miter lim="800000"/>
-                <a:headEnd/>
-                <a:tailEnd/>
-              </a14:hiddenLine>
-            </a:ext>
-          </a:extLst>
-        </p:spPr>
-        <p:txBody>
-          <a:bodyPr wrap="square" numCol="1" anchor="t" anchorCtr="0" compatLnSpc="1">
-            <a:prstTxWarp prst="textNoShape">
-              <a:avLst/>
-            </a:prstTxWarp>
-          </a:bodyPr>
-          <a:lstStyle>
-            <a:lvl1pPr>
-              <a:defRPr>
-                <a:solidFill>
-                  <a:schemeClr val="tx1"/>
-                </a:solidFill>
-                <a:latin typeface="Calibri" pitchFamily="34" charset="0"/>
-                <a:ea typeface="MS PGothic" pitchFamily="34" charset="-128"/>
-              </a:defRPr>
-            </a:lvl1pPr>
-            <a:lvl2pPr marL="742950" indent="-285750">
-              <a:defRPr>
-                <a:solidFill>
-                  <a:schemeClr val="tx1"/>
-                </a:solidFill>
-                <a:latin typeface="Calibri" pitchFamily="34" charset="0"/>
-                <a:ea typeface="MS PGothic" pitchFamily="34" charset="-128"/>
-              </a:defRPr>
-            </a:lvl2pPr>
-            <a:lvl3pPr marL="1143000" indent="-228600">
-              <a:defRPr>
-                <a:solidFill>
-                  <a:schemeClr val="tx1"/>
-                </a:solidFill>
-                <a:latin typeface="Calibri" pitchFamily="34" charset="0"/>
-                <a:ea typeface="MS PGothic" pitchFamily="34" charset="-128"/>
-              </a:defRPr>
-            </a:lvl3pPr>
-            <a:lvl4pPr marL="1600200" indent="-228600">
-              <a:defRPr>
-                <a:solidFill>
-                  <a:schemeClr val="tx1"/>
-                </a:solidFill>
-                <a:latin typeface="Calibri" pitchFamily="34" charset="0"/>
-                <a:ea typeface="MS PGothic" pitchFamily="34" charset="-128"/>
-              </a:defRPr>
-            </a:lvl4pPr>
-            <a:lvl5pPr marL="2057400" indent="-228600">
-              <a:defRPr>
-                <a:solidFill>
-                  <a:schemeClr val="tx1"/>
-                </a:solidFill>
-                <a:latin typeface="Calibri" pitchFamily="34" charset="0"/>
-                <a:ea typeface="MS PGothic" pitchFamily="34" charset="-128"/>
-              </a:defRPr>
-            </a:lvl5pPr>
-            <a:lvl6pPr marL="2514600" indent="-228600" fontAlgn="base">
-              <a:spcBef>
-                <a:spcPct val="0"/>
-              </a:spcBef>
-              <a:spcAft>
-                <a:spcPct val="0"/>
-              </a:spcAft>
-              <a:defRPr>
-                <a:solidFill>
-                  <a:schemeClr val="tx1"/>
-                </a:solidFill>
-                <a:latin typeface="Calibri" pitchFamily="34" charset="0"/>
-                <a:ea typeface="MS PGothic" pitchFamily="34" charset="-128"/>
-              </a:defRPr>
-            </a:lvl6pPr>
-            <a:lvl7pPr marL="2971800" indent="-228600" fontAlgn="base">
-              <a:spcBef>
-                <a:spcPct val="0"/>
-              </a:spcBef>
-              <a:spcAft>
-                <a:spcPct val="0"/>
-              </a:spcAft>
-              <a:defRPr>
-                <a:solidFill>
-                  <a:schemeClr val="tx1"/>
-                </a:solidFill>
-                <a:latin typeface="Calibri" pitchFamily="34" charset="0"/>
-                <a:ea typeface="MS PGothic" pitchFamily="34" charset="-128"/>
-              </a:defRPr>
-            </a:lvl7pPr>
-            <a:lvl8pPr marL="3429000" indent="-228600" fontAlgn="base">
-              <a:spcBef>
-                <a:spcPct val="0"/>
-              </a:spcBef>
-              <a:spcAft>
-                <a:spcPct val="0"/>
-              </a:spcAft>
-              <a:defRPr>
-                <a:solidFill>
-                  <a:schemeClr val="tx1"/>
-                </a:solidFill>
-                <a:latin typeface="Calibri" pitchFamily="34" charset="0"/>
-                <a:ea typeface="MS PGothic" pitchFamily="34" charset="-128"/>
-              </a:defRPr>
-            </a:lvl8pPr>
-            <a:lvl9pPr marL="3886200" indent="-228600" fontAlgn="base">
-              <a:spcBef>
-                <a:spcPct val="0"/>
-              </a:spcBef>
-              <a:spcAft>
-                <a:spcPct val="0"/>
-              </a:spcAft>
-              <a:defRPr>
-                <a:solidFill>
-                  <a:schemeClr val="tx1"/>
-                </a:solidFill>
-                <a:latin typeface="Calibri" pitchFamily="34" charset="0"/>
-                <a:ea typeface="MS PGothic" pitchFamily="34" charset="-128"/>
-              </a:defRPr>
-            </a:lvl9pPr>
-          </a:lstStyle>
-          <a:p>
-            <a:pPr fontAlgn="base">
-              <a:spcBef>
-                <a:spcPct val="0"/>
-              </a:spcBef>
-              <a:spcAft>
-                <a:spcPct val="0"/>
-              </a:spcAft>
-            </a:pPr>
-            <a:r>
-              <a:rPr lang="en-GB" altLang="en-US"/>
-              <a:t>Objects First with Java</a:t>
-            </a:r>
-          </a:p>
-        </p:txBody>
-      </p:sp>
-      <p:sp>
-        <p:nvSpPr>
-          <p:cNvPr id="61442" name="Rectangle 6"/>
-          <p:cNvSpPr>
-            <a:spLocks noGrp="1" noChangeArrowheads="1"/>
-          </p:cNvSpPr>
-          <p:nvPr>
-            <p:ph type="ftr" sz="quarter" idx="4"/>
-          </p:nvPr>
-        </p:nvSpPr>
-        <p:spPr bwMode="auto">
-          <a:noFill/>
-          <a:extLst>
-            <a:ext uri="{909E8E84-426E-40DD-AFC4-6F175D3DCCD1}">
-              <a14:hiddenFill xmlns:a14="http://schemas.microsoft.com/office/drawing/2010/main">
-                <a:solidFill>
-                  <a:srgbClr val="FFFFFF"/>
-                </a:solidFill>
-              </a14:hiddenFill>
-            </a:ext>
-            <a:ext uri="{91240B29-F687-4F45-9708-019B960494DF}">
-              <a14:hiddenLine xmlns:a14="http://schemas.microsoft.com/office/drawing/2010/main" w="9525">
-                <a:solidFill>
-                  <a:srgbClr val="000000"/>
-                </a:solidFill>
-                <a:miter lim="800000"/>
-                <a:headEnd/>
-                <a:tailEnd/>
-              </a14:hiddenLine>
-            </a:ext>
-          </a:extLst>
-        </p:spPr>
-        <p:txBody>
-          <a:bodyPr wrap="square" numCol="1" anchorCtr="0" compatLnSpc="1">
-            <a:prstTxWarp prst="textNoShape">
-              <a:avLst/>
-            </a:prstTxWarp>
-          </a:bodyPr>
-          <a:lstStyle>
-            <a:lvl1pPr>
-              <a:defRPr>
-                <a:solidFill>
-                  <a:schemeClr val="tx1"/>
-                </a:solidFill>
-                <a:latin typeface="Calibri" pitchFamily="34" charset="0"/>
-                <a:ea typeface="MS PGothic" pitchFamily="34" charset="-128"/>
-              </a:defRPr>
-            </a:lvl1pPr>
-            <a:lvl2pPr marL="742950" indent="-285750">
-              <a:defRPr>
-                <a:solidFill>
-                  <a:schemeClr val="tx1"/>
-                </a:solidFill>
-                <a:latin typeface="Calibri" pitchFamily="34" charset="0"/>
-                <a:ea typeface="MS PGothic" pitchFamily="34" charset="-128"/>
-              </a:defRPr>
-            </a:lvl2pPr>
-            <a:lvl3pPr marL="1143000" indent="-228600">
-              <a:defRPr>
-                <a:solidFill>
-                  <a:schemeClr val="tx1"/>
-                </a:solidFill>
-                <a:latin typeface="Calibri" pitchFamily="34" charset="0"/>
-                <a:ea typeface="MS PGothic" pitchFamily="34" charset="-128"/>
-              </a:defRPr>
-            </a:lvl3pPr>
-            <a:lvl4pPr marL="1600200" indent="-228600">
-              <a:defRPr>
-                <a:solidFill>
-                  <a:schemeClr val="tx1"/>
-                </a:solidFill>
-                <a:latin typeface="Calibri" pitchFamily="34" charset="0"/>
-                <a:ea typeface="MS PGothic" pitchFamily="34" charset="-128"/>
-              </a:defRPr>
-            </a:lvl4pPr>
-            <a:lvl5pPr marL="2057400" indent="-228600">
-              <a:defRPr>
-                <a:solidFill>
-                  <a:schemeClr val="tx1"/>
-                </a:solidFill>
-                <a:latin typeface="Calibri" pitchFamily="34" charset="0"/>
-                <a:ea typeface="MS PGothic" pitchFamily="34" charset="-128"/>
-              </a:defRPr>
-            </a:lvl5pPr>
-            <a:lvl6pPr marL="2514600" indent="-228600" fontAlgn="base">
-              <a:spcBef>
-                <a:spcPct val="0"/>
-              </a:spcBef>
-              <a:spcAft>
-                <a:spcPct val="0"/>
-              </a:spcAft>
-              <a:defRPr>
-                <a:solidFill>
-                  <a:schemeClr val="tx1"/>
-                </a:solidFill>
-                <a:latin typeface="Calibri" pitchFamily="34" charset="0"/>
-                <a:ea typeface="MS PGothic" pitchFamily="34" charset="-128"/>
-              </a:defRPr>
-            </a:lvl6pPr>
-            <a:lvl7pPr marL="2971800" indent="-228600" fontAlgn="base">
-              <a:spcBef>
-                <a:spcPct val="0"/>
-              </a:spcBef>
-              <a:spcAft>
-                <a:spcPct val="0"/>
-              </a:spcAft>
-              <a:defRPr>
-                <a:solidFill>
-                  <a:schemeClr val="tx1"/>
-                </a:solidFill>
-                <a:latin typeface="Calibri" pitchFamily="34" charset="0"/>
-                <a:ea typeface="MS PGothic" pitchFamily="34" charset="-128"/>
-              </a:defRPr>
-            </a:lvl7pPr>
-            <a:lvl8pPr marL="3429000" indent="-228600" fontAlgn="base">
-              <a:spcBef>
-                <a:spcPct val="0"/>
-              </a:spcBef>
-              <a:spcAft>
-                <a:spcPct val="0"/>
-              </a:spcAft>
-              <a:defRPr>
-                <a:solidFill>
-                  <a:schemeClr val="tx1"/>
-                </a:solidFill>
-                <a:latin typeface="Calibri" pitchFamily="34" charset="0"/>
-                <a:ea typeface="MS PGothic" pitchFamily="34" charset="-128"/>
-              </a:defRPr>
-            </a:lvl8pPr>
-            <a:lvl9pPr marL="3886200" indent="-228600" fontAlgn="base">
-              <a:spcBef>
-                <a:spcPct val="0"/>
-              </a:spcBef>
-              <a:spcAft>
-                <a:spcPct val="0"/>
-              </a:spcAft>
-              <a:defRPr>
-                <a:solidFill>
-                  <a:schemeClr val="tx1"/>
-                </a:solidFill>
-                <a:latin typeface="Calibri" pitchFamily="34" charset="0"/>
-                <a:ea typeface="MS PGothic" pitchFamily="34" charset="-128"/>
-              </a:defRPr>
-            </a:lvl9pPr>
-          </a:lstStyle>
-          <a:p>
-            <a:pPr fontAlgn="base">
-              <a:spcBef>
-                <a:spcPct val="0"/>
-              </a:spcBef>
-              <a:spcAft>
-                <a:spcPct val="0"/>
-              </a:spcAft>
-            </a:pPr>
-            <a:r>
-              <a:rPr lang="en-GB" altLang="en-US"/>
-              <a:t>© David J. Barnes and Michael Kölling</a:t>
-            </a:r>
-          </a:p>
-        </p:txBody>
-      </p:sp>
-      <p:sp>
-        <p:nvSpPr>
-          <p:cNvPr id="61443" name="Rectangle 7"/>
-          <p:cNvSpPr>
-            <a:spLocks noGrp="1" noChangeArrowheads="1"/>
-          </p:cNvSpPr>
-          <p:nvPr>
-            <p:ph type="sldNum" sz="quarter" idx="5"/>
-          </p:nvPr>
-        </p:nvSpPr>
-        <p:spPr bwMode="auto">
-          <a:noFill/>
-          <a:extLst>
-            <a:ext uri="{909E8E84-426E-40DD-AFC4-6F175D3DCCD1}">
-              <a14:hiddenFill xmlns:a14="http://schemas.microsoft.com/office/drawing/2010/main">
-                <a:solidFill>
-                  <a:srgbClr val="FFFFFF"/>
-                </a:solidFill>
-              </a14:hiddenFill>
-            </a:ext>
-            <a:ext uri="{91240B29-F687-4F45-9708-019B960494DF}">
-              <a14:hiddenLine xmlns:a14="http://schemas.microsoft.com/office/drawing/2010/main" w="9525">
-                <a:solidFill>
-                  <a:srgbClr val="000000"/>
-                </a:solidFill>
-                <a:miter lim="800000"/>
-                <a:headEnd/>
-                <a:tailEnd/>
-              </a14:hiddenLine>
-            </a:ext>
-          </a:extLst>
-        </p:spPr>
-        <p:txBody>
-          <a:bodyPr/>
-          <a:lstStyle>
-            <a:lvl1pPr>
-              <a:defRPr>
-                <a:solidFill>
-                  <a:schemeClr val="tx1"/>
-                </a:solidFill>
-                <a:latin typeface="Calibri" pitchFamily="34" charset="0"/>
-                <a:ea typeface="MS PGothic" pitchFamily="34" charset="-128"/>
-              </a:defRPr>
-            </a:lvl1pPr>
-            <a:lvl2pPr marL="742950" indent="-285750">
-              <a:defRPr>
-                <a:solidFill>
-                  <a:schemeClr val="tx1"/>
-                </a:solidFill>
-                <a:latin typeface="Calibri" pitchFamily="34" charset="0"/>
-                <a:ea typeface="MS PGothic" pitchFamily="34" charset="-128"/>
-              </a:defRPr>
-            </a:lvl2pPr>
-            <a:lvl3pPr marL="1143000" indent="-228600">
-              <a:defRPr>
-                <a:solidFill>
-                  <a:schemeClr val="tx1"/>
-                </a:solidFill>
-                <a:latin typeface="Calibri" pitchFamily="34" charset="0"/>
-                <a:ea typeface="MS PGothic" pitchFamily="34" charset="-128"/>
-              </a:defRPr>
-            </a:lvl3pPr>
-            <a:lvl4pPr marL="1600200" indent="-228600">
-              <a:defRPr>
-                <a:solidFill>
-                  <a:schemeClr val="tx1"/>
-                </a:solidFill>
-                <a:latin typeface="Calibri" pitchFamily="34" charset="0"/>
-                <a:ea typeface="MS PGothic" pitchFamily="34" charset="-128"/>
-              </a:defRPr>
-            </a:lvl4pPr>
-            <a:lvl5pPr marL="2057400" indent="-228600">
-              <a:defRPr>
-                <a:solidFill>
-                  <a:schemeClr val="tx1"/>
-                </a:solidFill>
-                <a:latin typeface="Calibri" pitchFamily="34" charset="0"/>
-                <a:ea typeface="MS PGothic" pitchFamily="34" charset="-128"/>
-              </a:defRPr>
-            </a:lvl5pPr>
-            <a:lvl6pPr marL="2514600" indent="-228600" fontAlgn="base">
-              <a:spcBef>
-                <a:spcPct val="0"/>
-              </a:spcBef>
-              <a:spcAft>
-                <a:spcPct val="0"/>
-              </a:spcAft>
-              <a:defRPr>
-                <a:solidFill>
-                  <a:schemeClr val="tx1"/>
-                </a:solidFill>
-                <a:latin typeface="Calibri" pitchFamily="34" charset="0"/>
-                <a:ea typeface="MS PGothic" pitchFamily="34" charset="-128"/>
-              </a:defRPr>
-            </a:lvl6pPr>
-            <a:lvl7pPr marL="2971800" indent="-228600" fontAlgn="base">
-              <a:spcBef>
-                <a:spcPct val="0"/>
-              </a:spcBef>
-              <a:spcAft>
-                <a:spcPct val="0"/>
-              </a:spcAft>
-              <a:defRPr>
-                <a:solidFill>
-                  <a:schemeClr val="tx1"/>
-                </a:solidFill>
-                <a:latin typeface="Calibri" pitchFamily="34" charset="0"/>
-                <a:ea typeface="MS PGothic" pitchFamily="34" charset="-128"/>
-              </a:defRPr>
-            </a:lvl7pPr>
-            <a:lvl8pPr marL="3429000" indent="-228600" fontAlgn="base">
-              <a:spcBef>
-                <a:spcPct val="0"/>
-              </a:spcBef>
-              <a:spcAft>
-                <a:spcPct val="0"/>
-              </a:spcAft>
-              <a:defRPr>
-                <a:solidFill>
-                  <a:schemeClr val="tx1"/>
-                </a:solidFill>
-                <a:latin typeface="Calibri" pitchFamily="34" charset="0"/>
-                <a:ea typeface="MS PGothic" pitchFamily="34" charset="-128"/>
-              </a:defRPr>
-            </a:lvl8pPr>
-            <a:lvl9pPr marL="3886200" indent="-228600" fontAlgn="base">
-              <a:spcBef>
-                <a:spcPct val="0"/>
-              </a:spcBef>
-              <a:spcAft>
-                <a:spcPct val="0"/>
-              </a:spcAft>
-              <a:defRPr>
-                <a:solidFill>
-                  <a:schemeClr val="tx1"/>
-                </a:solidFill>
-                <a:latin typeface="Calibri" pitchFamily="34" charset="0"/>
-                <a:ea typeface="MS PGothic" pitchFamily="34" charset="-128"/>
-              </a:defRPr>
-            </a:lvl9pPr>
-          </a:lstStyle>
-          <a:p>
-            <a:fld id="{96C53C0E-6DE2-48FF-AFC8-5B6F7D1351EB}" type="slidenum">
-              <a:rPr lang="en-GB" altLang="en-US"/>
-              <a:pPr/>
-              <a:t>10</a:t>
-            </a:fld>
-            <a:endParaRPr lang="en-GB" altLang="en-US"/>
-          </a:p>
-        </p:txBody>
-      </p:sp>
-      <p:sp>
-        <p:nvSpPr>
-          <p:cNvPr id="61444" name="Rectangle 2"/>
-          <p:cNvSpPr>
-            <a:spLocks noGrp="1" noRot="1" noChangeAspect="1" noChangeArrowheads="1" noTextEdit="1"/>
-          </p:cNvSpPr>
-          <p:nvPr>
-            <p:ph type="sldImg"/>
-          </p:nvPr>
-        </p:nvSpPr>
-        <p:spPr bwMode="auto">
-          <a:xfrm>
-            <a:off x="381000" y="685800"/>
-            <a:ext cx="6096000" cy="3429000"/>
-          </a:xfrm>
-          <a:noFill/>
-          <a:ln>
-            <a:solidFill>
-              <a:srgbClr val="000000"/>
-            </a:solidFill>
-            <a:miter lim="800000"/>
-            <a:headEnd/>
-            <a:tailEnd/>
-          </a:ln>
-          <a:extLst>
-            <a:ext uri="{909E8E84-426E-40DD-AFC4-6F175D3DCCD1}">
-              <a14:hiddenFill xmlns:a14="http://schemas.microsoft.com/office/drawing/2010/main">
-                <a:solidFill>
-                  <a:srgbClr val="FFFFFF"/>
-                </a:solidFill>
-              </a14:hiddenFill>
-            </a:ext>
-          </a:extLst>
-        </p:spPr>
-      </p:sp>
-      <p:sp>
-        <p:nvSpPr>
-          <p:cNvPr id="61445" name="Rectangle 3"/>
-          <p:cNvSpPr>
-            <a:spLocks noGrp="1" noChangeArrowheads="1"/>
-          </p:cNvSpPr>
-          <p:nvPr>
-            <p:ph type="body" idx="1"/>
-          </p:nvPr>
-        </p:nvSpPr>
-        <p:spPr bwMode="auto">
-          <a:noFill/>
-          <a:extLst>
-            <a:ext uri="{909E8E84-426E-40DD-AFC4-6F175D3DCCD1}">
-              <a14:hiddenFill xmlns:a14="http://schemas.microsoft.com/office/drawing/2010/main">
-                <a:solidFill>
-                  <a:srgbClr val="FFFFFF"/>
-                </a:solidFill>
-              </a14:hiddenFill>
-            </a:ext>
-            <a:ext uri="{91240B29-F687-4F45-9708-019B960494DF}">
-              <a14:hiddenLine xmlns:a14="http://schemas.microsoft.com/office/drawing/2010/main" w="9525">
-                <a:solidFill>
-                  <a:srgbClr val="000000"/>
-                </a:solidFill>
-                <a:miter lim="800000"/>
-                <a:headEnd/>
-                <a:tailEnd/>
-              </a14:hiddenLine>
-            </a:ext>
-          </a:extLst>
-        </p:spPr>
-        <p:txBody>
-          <a:bodyPr wrap="square" numCol="1" anchor="t" anchorCtr="0" compatLnSpc="1">
-            <a:prstTxWarp prst="textNoShape">
-              <a:avLst/>
-            </a:prstTxWarp>
-          </a:bodyPr>
-          <a:lstStyle/>
-          <a:p>
-            <a:pPr>
-              <a:spcBef>
-                <a:spcPct val="0"/>
-              </a:spcBef>
-            </a:pPr>
-            <a:r>
-              <a:rPr lang="en-US" altLang="en-US" dirty="0"/>
-              <a:t>The “update the LCV” should always update it so that the Boolean condition will eventually evaluation to false. </a:t>
-            </a:r>
-          </a:p>
-        </p:txBody>
-      </p:sp>
-    </p:spTree>
-    <p:extLst>
-      <p:ext uri="{BB962C8B-B14F-4D97-AF65-F5344CB8AC3E}">
-        <p14:creationId xmlns:p14="http://schemas.microsoft.com/office/powerpoint/2010/main" val="3967997845"/>
-      </p:ext>
-    </p:extLst>
-  </p:cSld>
-  <p:clrMapOvr>
-    <a:masterClrMapping/>
-  </p:clrMapOvr>
-</p:notes>
-</file>
-
-<file path=ppt/notesSlides/notesSlide6.xml><?xml version="1.0" encoding="utf-8"?>
-<p:notes xmlns:a="http://schemas.openxmlformats.org/drawingml/2006/main" xmlns:r="http://schemas.openxmlformats.org/officeDocument/2006/relationships" xmlns:p="http://schemas.openxmlformats.org/presentationml/2006/main">
-  <p:cSld>
-    <p:spTree>
-      <p:nvGrpSpPr>
-        <p:cNvPr id="1" name=""/>
-        <p:cNvGrpSpPr/>
-        <p:nvPr/>
-      </p:nvGrpSpPr>
-      <p:grpSpPr>
-        <a:xfrm>
-          <a:off x="0" y="0"/>
-          <a:ext cx="0" cy="0"/>
-          <a:chOff x="0" y="0"/>
-          <a:chExt cx="0" cy="0"/>
-        </a:xfrm>
-      </p:grpSpPr>
-      <p:sp>
-        <p:nvSpPr>
-          <p:cNvPr id="4" name="Rectangle 2"/>
-          <p:cNvSpPr>
-            <a:spLocks noGrp="1" noChangeArrowheads="1"/>
-          </p:cNvSpPr>
-          <p:nvPr>
-            <p:ph type="hdr" sz="quarter"/>
-          </p:nvPr>
-        </p:nvSpPr>
-        <p:spPr>
-          <a:ln/>
-        </p:spPr>
-        <p:txBody>
-          <a:bodyPr/>
-          <a:lstStyle/>
-          <a:p>
-            <a:r>
-              <a:rPr lang="en-GB"/>
-              <a:t>Objects First with Java</a:t>
-            </a:r>
-          </a:p>
-        </p:txBody>
-      </p:sp>
-      <p:sp>
-        <p:nvSpPr>
-          <p:cNvPr id="5" name="Rectangle 6"/>
-          <p:cNvSpPr>
-            <a:spLocks noGrp="1" noChangeArrowheads="1"/>
-          </p:cNvSpPr>
-          <p:nvPr>
-            <p:ph type="ftr" sz="quarter" idx="4"/>
-          </p:nvPr>
-        </p:nvSpPr>
-        <p:spPr>
-          <a:ln/>
-        </p:spPr>
-        <p:txBody>
-          <a:bodyPr/>
-          <a:lstStyle/>
-          <a:p>
-            <a:r>
-              <a:rPr lang="en-GB"/>
-              <a:t>© David J. Barnes and Michael Kölling</a:t>
-            </a:r>
-          </a:p>
-        </p:txBody>
-      </p:sp>
-      <p:sp>
-        <p:nvSpPr>
-          <p:cNvPr id="6" name="Rectangle 7"/>
-          <p:cNvSpPr>
-            <a:spLocks noGrp="1" noChangeArrowheads="1"/>
-          </p:cNvSpPr>
-          <p:nvPr>
-            <p:ph type="sldNum" sz="quarter" idx="5"/>
-          </p:nvPr>
-        </p:nvSpPr>
-        <p:spPr>
-          <a:ln/>
-        </p:spPr>
-        <p:txBody>
-          <a:bodyPr/>
-          <a:lstStyle/>
-          <a:p>
             <a:fld id="{475206F4-4E20-479E-ABC0-0EB3661565C0}" type="slidenum">
               <a:rPr lang="en-GB"/>
               <a:pPr/>
-              <a:t>11</a:t>
+              <a:t>13</a:t>
             </a:fld>
             <a:endParaRPr lang="en-GB"/>
           </a:p>
@@ -3171,7 +1992,7 @@
 </p:notes>
 </file>
 
-<file path=ppt/notesSlides/notesSlide7.xml><?xml version="1.0" encoding="utf-8"?>
+<file path=ppt/notesSlides/notesSlide5.xml><?xml version="1.0" encoding="utf-8"?>
 <p:notes xmlns:a="http://schemas.openxmlformats.org/drawingml/2006/main" xmlns:r="http://schemas.openxmlformats.org/officeDocument/2006/relationships" xmlns:p="http://schemas.openxmlformats.org/presentationml/2006/main">
   <p:cSld>
     <p:spTree>
@@ -3387,7 +2208,7 @@
           <a:p>
             <a:fld id="{F963DB36-5273-45A5-A77C-FE9BE0779D84}" type="slidenum">
               <a:rPr lang="en-IE" smtClean="0"/>
-              <a:t>12</a:t>
+              <a:t>14</a:t>
             </a:fld>
             <a:endParaRPr lang="en-IE"/>
           </a:p>
@@ -3406,7 +2227,7 @@
 </p:notes>
 </file>
 
-<file path=ppt/notesSlides/notesSlide8.xml><?xml version="1.0" encoding="utf-8"?>
+<file path=ppt/notesSlides/notesSlide6.xml><?xml version="1.0" encoding="utf-8"?>
 <p:notes xmlns:a="http://schemas.openxmlformats.org/drawingml/2006/main" xmlns:r="http://schemas.openxmlformats.org/officeDocument/2006/relationships" xmlns:p="http://schemas.openxmlformats.org/presentationml/2006/main">
   <p:cSld>
     <p:spTree>
@@ -3622,7 +2443,7 @@
           <a:p>
             <a:fld id="{F963DB36-5273-45A5-A77C-FE9BE0779D84}" type="slidenum">
               <a:rPr lang="en-IE" smtClean="0"/>
-              <a:t>13</a:t>
+              <a:t>15</a:t>
             </a:fld>
             <a:endParaRPr lang="en-IE"/>
           </a:p>
@@ -3641,7 +2462,7 @@
 </p:notes>
 </file>
 
-<file path=ppt/notesSlides/notesSlide9.xml><?xml version="1.0" encoding="utf-8"?>
+<file path=ppt/notesSlides/notesSlide7.xml><?xml version="1.0" encoding="utf-8"?>
 <p:notes xmlns:a="http://schemas.openxmlformats.org/drawingml/2006/main" xmlns:r="http://schemas.openxmlformats.org/officeDocument/2006/relationships" xmlns:p="http://schemas.openxmlformats.org/presentationml/2006/main">
   <p:cSld>
     <p:spTree>
@@ -4125,7 +2946,7 @@
             <a:fld id="{6F5C823C-3053-4D97-8BDB-829229CD9DB8}" type="slidenum">
               <a:rPr lang="en-GB" altLang="en-US"/>
               <a:pPr/>
-              <a:t>15</a:t>
+              <a:t>17</a:t>
             </a:fld>
             <a:endParaRPr lang="en-GB" altLang="en-US"/>
           </a:p>
@@ -4416,7 +3237,7 @@
             <a:fld id="{1D8BD707-D9CF-40AE-B4C6-C98DA3205C09}" type="datetimeFigureOut">
               <a:rPr lang="en-US" smtClean="0"/>
               <a:pPr/>
-              <a:t>1/24/25</a:t>
+              <a:t>1/21/2026</a:t>
             </a:fld>
             <a:endParaRPr lang="en-US"/>
           </a:p>
@@ -4581,7 +3402,7 @@
             <a:fld id="{1D8BD707-D9CF-40AE-B4C6-C98DA3205C09}" type="datetimeFigureOut">
               <a:rPr lang="en-US" smtClean="0"/>
               <a:pPr/>
-              <a:t>1/24/25</a:t>
+              <a:t>1/21/2026</a:t>
             </a:fld>
             <a:endParaRPr lang="en-US"/>
           </a:p>
@@ -4756,7 +3577,7 @@
             <a:fld id="{1D8BD707-D9CF-40AE-B4C6-C98DA3205C09}" type="datetimeFigureOut">
               <a:rPr lang="en-US" smtClean="0"/>
               <a:pPr/>
-              <a:t>1/24/25</a:t>
+              <a:t>1/21/2026</a:t>
             </a:fld>
             <a:endParaRPr lang="en-US"/>
           </a:p>
@@ -4932,7 +3753,7 @@
             <a:fld id="{1D8BD707-D9CF-40AE-B4C6-C98DA3205C09}" type="datetimeFigureOut">
               <a:rPr lang="en-US" smtClean="0"/>
               <a:pPr/>
-              <a:t>1/24/25</a:t>
+              <a:t>1/21/2026</a:t>
             </a:fld>
             <a:endParaRPr lang="en-US"/>
           </a:p>
@@ -5212,7 +4033,7 @@
             <a:fld id="{1D8BD707-D9CF-40AE-B4C6-C98DA3205C09}" type="datetimeFigureOut">
               <a:rPr lang="en-US" smtClean="0"/>
               <a:pPr/>
-              <a:t>1/24/25</a:t>
+              <a:t>1/21/2026</a:t>
             </a:fld>
             <a:endParaRPr lang="en-US"/>
           </a:p>
@@ -5505,7 +4326,7 @@
             <a:fld id="{1D8BD707-D9CF-40AE-B4C6-C98DA3205C09}" type="datetimeFigureOut">
               <a:rPr lang="en-US" smtClean="0"/>
               <a:pPr/>
-              <a:t>1/24/25</a:t>
+              <a:t>1/21/2026</a:t>
             </a:fld>
             <a:endParaRPr lang="en-US"/>
           </a:p>
@@ -5963,7 +4784,7 @@
             <a:fld id="{1D8BD707-D9CF-40AE-B4C6-C98DA3205C09}" type="datetimeFigureOut">
               <a:rPr lang="en-US" smtClean="0"/>
               <a:pPr/>
-              <a:t>1/24/25</a:t>
+              <a:t>1/21/2026</a:t>
             </a:fld>
             <a:endParaRPr lang="en-US"/>
           </a:p>
@@ -6123,7 +4944,7 @@
             <a:fld id="{1D8BD707-D9CF-40AE-B4C6-C98DA3205C09}" type="datetimeFigureOut">
               <a:rPr lang="en-US" smtClean="0"/>
               <a:pPr/>
-              <a:t>1/24/25</a:t>
+              <a:t>1/21/2026</a:t>
             </a:fld>
             <a:endParaRPr lang="en-US"/>
           </a:p>
@@ -6250,7 +5071,7 @@
             <a:fld id="{1D8BD707-D9CF-40AE-B4C6-C98DA3205C09}" type="datetimeFigureOut">
               <a:rPr lang="en-US" smtClean="0"/>
               <a:pPr/>
-              <a:t>1/24/25</a:t>
+              <a:t>1/21/2026</a:t>
             </a:fld>
             <a:endParaRPr lang="en-US"/>
           </a:p>
@@ -6522,7 +5343,7 @@
             <a:fld id="{1D8BD707-D9CF-40AE-B4C6-C98DA3205C09}" type="datetimeFigureOut">
               <a:rPr lang="en-US" smtClean="0"/>
               <a:pPr/>
-              <a:t>1/24/25</a:t>
+              <a:t>1/21/2026</a:t>
             </a:fld>
             <a:endParaRPr lang="en-US"/>
           </a:p>
@@ -6771,7 +5592,7 @@
             <a:fld id="{1D8BD707-D9CF-40AE-B4C6-C98DA3205C09}" type="datetimeFigureOut">
               <a:rPr lang="en-US" smtClean="0"/>
               <a:pPr/>
-              <a:t>1/24/25</a:t>
+              <a:t>1/21/2026</a:t>
             </a:fld>
             <a:endParaRPr lang="en-US"/>
           </a:p>
@@ -6979,7 +5800,7 @@
             <a:fld id="{1D8BD707-D9CF-40AE-B4C6-C98DA3205C09}" type="datetimeFigureOut">
               <a:rPr lang="en-US" smtClean="0"/>
               <a:pPr/>
-              <a:t>1/24/25</a:t>
+              <a:t>1/21/2026</a:t>
             </a:fld>
             <a:endParaRPr lang="en-US"/>
           </a:p>
@@ -7737,6 +6558,1279 @@
       </p:grpSpPr>
       <p:sp>
         <p:nvSpPr>
+          <p:cNvPr id="18434" name="Rectangle 2"/>
+          <p:cNvSpPr>
+            <a:spLocks noGrp="1" noChangeArrowheads="1"/>
+          </p:cNvSpPr>
+          <p:nvPr>
+            <p:ph type="title"/>
+          </p:nvPr>
+        </p:nvSpPr>
+        <p:spPr/>
+        <p:txBody>
+          <a:bodyPr/>
+          <a:lstStyle/>
+          <a:p>
+            <a:r>
+              <a:rPr lang="en-US" b="1" dirty="0"/>
+              <a:t>while loop </a:t>
+            </a:r>
+            <a:r>
+              <a:rPr lang="en-US" dirty="0"/>
+              <a:t>pseudo code</a:t>
+            </a:r>
+          </a:p>
+        </p:txBody>
+      </p:sp>
+      <p:sp>
+        <p:nvSpPr>
+          <p:cNvPr id="18436" name="Text Box 4"/>
+          <p:cNvSpPr txBox="1">
+            <a:spLocks noChangeArrowheads="1"/>
+          </p:cNvSpPr>
+          <p:nvPr/>
+        </p:nvSpPr>
+        <p:spPr bwMode="auto">
+          <a:xfrm>
+            <a:off x="4038600" y="3124200"/>
+            <a:ext cx="3200400" cy="825500"/>
+          </a:xfrm>
+          <a:prstGeom prst="rect">
+            <a:avLst/>
+          </a:prstGeom>
+          <a:noFill/>
+          <a:ln>
+            <a:noFill/>
+          </a:ln>
+          <a:effectLst/>
+          <a:extLst>
+            <a:ext uri="{909E8E84-426E-40DD-AFC4-6F175D3DCCD1}">
+              <a14:hiddenFill xmlns:a14="http://schemas.microsoft.com/office/drawing/2010/main">
+                <a:solidFill>
+                  <a:schemeClr val="accent1"/>
+                </a:solidFill>
+              </a14:hiddenFill>
+            </a:ext>
+            <a:ext uri="{91240B29-F687-4F45-9708-019B960494DF}">
+              <a14:hiddenLine xmlns:a14="http://schemas.microsoft.com/office/drawing/2010/main" w="9525">
+                <a:solidFill>
+                  <a:schemeClr val="tx1"/>
+                </a:solidFill>
+                <a:miter lim="800000"/>
+                <a:headEnd/>
+                <a:tailEnd/>
+              </a14:hiddenLine>
+            </a:ext>
+            <a:ext uri="{AF507438-7753-43E0-B8FC-AC1667EBCBE1}">
+              <a14:hiddenEffects xmlns:a14="http://schemas.microsoft.com/office/drawing/2010/main">
+                <a:effectLst>
+                  <a:outerShdw dist="35921" dir="2700000" algn="ctr" rotWithShape="0">
+                    <a:schemeClr val="bg2"/>
+                  </a:outerShdw>
+                </a:effectLst>
+              </a14:hiddenEffects>
+            </a:ext>
+          </a:extLst>
+        </p:spPr>
+        <p:txBody>
+          <a:bodyPr>
+            <a:spAutoFit/>
+          </a:bodyPr>
+          <a:lstStyle/>
+          <a:p>
+            <a:pPr algn="just">
+              <a:spcBef>
+                <a:spcPct val="50000"/>
+              </a:spcBef>
+            </a:pPr>
+            <a:r>
+              <a:rPr lang="en-US" sz="1600" dirty="0"/>
+              <a:t>while(</a:t>
+            </a:r>
+            <a:r>
+              <a:rPr lang="en-US" sz="1600" i="1" dirty="0"/>
+              <a:t>loop condition</a:t>
+            </a:r>
+            <a:r>
+              <a:rPr lang="en-US" sz="1600" dirty="0"/>
+              <a:t>) {</a:t>
+            </a:r>
+          </a:p>
+          <a:p>
+            <a:r>
+              <a:rPr lang="en-US" sz="1600" dirty="0"/>
+              <a:t>    </a:t>
+            </a:r>
+            <a:r>
+              <a:rPr lang="en-US" sz="1600" i="1" dirty="0"/>
+              <a:t>loop body</a:t>
+            </a:r>
+            <a:endParaRPr lang="en-US" sz="1600" dirty="0"/>
+          </a:p>
+          <a:p>
+            <a:r>
+              <a:rPr lang="en-US" sz="1600" dirty="0"/>
+              <a:t>} </a:t>
+            </a:r>
+          </a:p>
+        </p:txBody>
+      </p:sp>
+      <p:sp>
+        <p:nvSpPr>
+          <p:cNvPr id="18437" name="Text Box 5"/>
+          <p:cNvSpPr txBox="1">
+            <a:spLocks noChangeArrowheads="1"/>
+          </p:cNvSpPr>
+          <p:nvPr/>
+        </p:nvSpPr>
+        <p:spPr bwMode="auto">
+          <a:xfrm>
+            <a:off x="3024189" y="5500688"/>
+            <a:ext cx="6359525" cy="366712"/>
+          </a:xfrm>
+          <a:prstGeom prst="rect">
+            <a:avLst/>
+          </a:prstGeom>
+          <a:noFill/>
+          <a:ln>
+            <a:noFill/>
+          </a:ln>
+          <a:effectLst/>
+          <a:extLst>
+            <a:ext uri="{909E8E84-426E-40DD-AFC4-6F175D3DCCD1}">
+              <a14:hiddenFill xmlns:a14="http://schemas.microsoft.com/office/drawing/2010/main">
+                <a:solidFill>
+                  <a:schemeClr val="accent1"/>
+                </a:solidFill>
+              </a14:hiddenFill>
+            </a:ext>
+            <a:ext uri="{91240B29-F687-4F45-9708-019B960494DF}">
+              <a14:hiddenLine xmlns:a14="http://schemas.microsoft.com/office/drawing/2010/main" w="9525">
+                <a:solidFill>
+                  <a:schemeClr val="tx1"/>
+                </a:solidFill>
+                <a:miter lim="800000"/>
+                <a:headEnd/>
+                <a:tailEnd/>
+              </a14:hiddenLine>
+            </a:ext>
+            <a:ext uri="{AF507438-7753-43E0-B8FC-AC1667EBCBE1}">
+              <a14:hiddenEffects xmlns:a14="http://schemas.microsoft.com/office/drawing/2010/main">
+                <a:effectLst>
+                  <a:outerShdw dist="35921" dir="2700000" algn="ctr" rotWithShape="0">
+                    <a:schemeClr val="bg2"/>
+                  </a:outerShdw>
+                </a:effectLst>
+              </a14:hiddenEffects>
+            </a:ext>
+          </a:extLst>
+        </p:spPr>
+        <p:txBody>
+          <a:bodyPr wrap="none">
+            <a:spAutoFit/>
+          </a:bodyPr>
+          <a:lstStyle/>
+          <a:p>
+            <a:r>
+              <a:rPr lang="en-US" dirty="0">
+                <a:latin typeface="Trebuchet MS" pitchFamily="-32" charset="0"/>
+              </a:rPr>
+              <a:t>while we wish to continue, do the things in the loop body</a:t>
+            </a:r>
+          </a:p>
+        </p:txBody>
+      </p:sp>
+      <p:sp>
+        <p:nvSpPr>
+          <p:cNvPr id="18439" name="AutoShape 7"/>
+          <p:cNvSpPr>
+            <a:spLocks noChangeArrowheads="1"/>
+          </p:cNvSpPr>
+          <p:nvPr/>
+        </p:nvSpPr>
+        <p:spPr bwMode="auto">
+          <a:xfrm>
+            <a:off x="6553200" y="2590800"/>
+            <a:ext cx="2133600" cy="457200"/>
+          </a:xfrm>
+          <a:prstGeom prst="roundRect">
+            <a:avLst>
+              <a:gd name="adj" fmla="val 16667"/>
+            </a:avLst>
+          </a:prstGeom>
+          <a:noFill/>
+          <a:ln w="9525">
+            <a:solidFill>
+              <a:schemeClr val="tx1"/>
+            </a:solidFill>
+            <a:round/>
+            <a:headEnd/>
+            <a:tailEnd/>
+          </a:ln>
+          <a:effectLst/>
+          <a:extLst>
+            <a:ext uri="{909E8E84-426E-40DD-AFC4-6F175D3DCCD1}">
+              <a14:hiddenFill xmlns:a14="http://schemas.microsoft.com/office/drawing/2010/main">
+                <a:solidFill>
+                  <a:schemeClr val="accent1"/>
+                </a:solidFill>
+              </a14:hiddenFill>
+            </a:ext>
+            <a:ext uri="{AF507438-7753-43E0-B8FC-AC1667EBCBE1}">
+              <a14:hiddenEffects xmlns:a14="http://schemas.microsoft.com/office/drawing/2010/main">
+                <a:effectLst>
+                  <a:outerShdw dist="35921" dir="2700000" algn="ctr" rotWithShape="0">
+                    <a:schemeClr val="bg2"/>
+                  </a:outerShdw>
+                </a:effectLst>
+              </a14:hiddenEffects>
+            </a:ext>
+          </a:extLst>
+        </p:spPr>
+        <p:txBody>
+          <a:bodyPr wrap="none" anchor="ctr"/>
+          <a:lstStyle/>
+          <a:p>
+            <a:pPr algn="ctr"/>
+            <a:r>
+              <a:rPr lang="en-US" dirty="0" err="1">
+                <a:solidFill>
+                  <a:srgbClr val="A57133"/>
+                </a:solidFill>
+                <a:latin typeface="Trebuchet MS" pitchFamily="-32" charset="0"/>
+              </a:rPr>
+              <a:t>boolean</a:t>
+            </a:r>
+            <a:r>
+              <a:rPr lang="en-US" dirty="0">
+                <a:solidFill>
+                  <a:srgbClr val="A57133"/>
+                </a:solidFill>
+                <a:latin typeface="Trebuchet MS" pitchFamily="-32" charset="0"/>
+              </a:rPr>
+              <a:t> condition</a:t>
+            </a:r>
+          </a:p>
+        </p:txBody>
+      </p:sp>
+      <p:sp>
+        <p:nvSpPr>
+          <p:cNvPr id="18440" name="Line 8"/>
+          <p:cNvSpPr>
+            <a:spLocks noChangeShapeType="1"/>
+          </p:cNvSpPr>
+          <p:nvPr/>
+        </p:nvSpPr>
+        <p:spPr bwMode="auto">
+          <a:xfrm flipH="1">
+            <a:off x="5638800" y="2819400"/>
+            <a:ext cx="914400" cy="381000"/>
+          </a:xfrm>
+          <a:prstGeom prst="line">
+            <a:avLst/>
+          </a:prstGeom>
+          <a:noFill/>
+          <a:ln w="9525">
+            <a:solidFill>
+              <a:schemeClr val="tx1"/>
+            </a:solidFill>
+            <a:round/>
+            <a:headEnd/>
+            <a:tailEnd type="triangle" w="med" len="med"/>
+          </a:ln>
+          <a:effectLst/>
+          <a:extLst>
+            <a:ext uri="{909E8E84-426E-40DD-AFC4-6F175D3DCCD1}">
+              <a14:hiddenFill xmlns:a14="http://schemas.microsoft.com/office/drawing/2010/main">
+                <a:noFill/>
+              </a14:hiddenFill>
+            </a:ext>
+            <a:ext uri="{AF507438-7753-43E0-B8FC-AC1667EBCBE1}">
+              <a14:hiddenEffects xmlns:a14="http://schemas.microsoft.com/office/drawing/2010/main">
+                <a:effectLst>
+                  <a:outerShdw dist="35921" dir="2700000" algn="ctr" rotWithShape="0">
+                    <a:schemeClr val="bg2"/>
+                  </a:outerShdw>
+                </a:effectLst>
+              </a14:hiddenEffects>
+            </a:ext>
+          </a:extLst>
+        </p:spPr>
+        <p:txBody>
+          <a:bodyPr wrap="none" anchor="ctr"/>
+          <a:lstStyle/>
+          <a:p>
+            <a:endParaRPr lang="en-IE"/>
+          </a:p>
+        </p:txBody>
+      </p:sp>
+      <p:sp>
+        <p:nvSpPr>
+          <p:cNvPr id="18442" name="AutoShape 10"/>
+          <p:cNvSpPr>
+            <a:spLocks noChangeArrowheads="1"/>
+          </p:cNvSpPr>
+          <p:nvPr/>
+        </p:nvSpPr>
+        <p:spPr bwMode="auto">
+          <a:xfrm>
+            <a:off x="2438400" y="2286000"/>
+            <a:ext cx="1905000" cy="457200"/>
+          </a:xfrm>
+          <a:prstGeom prst="roundRect">
+            <a:avLst>
+              <a:gd name="adj" fmla="val 16667"/>
+            </a:avLst>
+          </a:prstGeom>
+          <a:noFill/>
+          <a:ln w="9525">
+            <a:solidFill>
+              <a:schemeClr val="tx1"/>
+            </a:solidFill>
+            <a:round/>
+            <a:headEnd/>
+            <a:tailEnd/>
+          </a:ln>
+          <a:effectLst/>
+          <a:extLst>
+            <a:ext uri="{909E8E84-426E-40DD-AFC4-6F175D3DCCD1}">
+              <a14:hiddenFill xmlns:a14="http://schemas.microsoft.com/office/drawing/2010/main">
+                <a:solidFill>
+                  <a:schemeClr val="accent1"/>
+                </a:solidFill>
+              </a14:hiddenFill>
+            </a:ext>
+            <a:ext uri="{AF507438-7753-43E0-B8FC-AC1667EBCBE1}">
+              <a14:hiddenEffects xmlns:a14="http://schemas.microsoft.com/office/drawing/2010/main">
+                <a:effectLst>
+                  <a:outerShdw dist="35921" dir="2700000" algn="ctr" rotWithShape="0">
+                    <a:schemeClr val="bg2"/>
+                  </a:outerShdw>
+                </a:effectLst>
+              </a14:hiddenEffects>
+            </a:ext>
+          </a:extLst>
+        </p:spPr>
+        <p:txBody>
+          <a:bodyPr wrap="none" anchor="ctr"/>
+          <a:lstStyle/>
+          <a:p>
+            <a:pPr algn="ctr"/>
+            <a:r>
+              <a:rPr lang="en-US">
+                <a:solidFill>
+                  <a:srgbClr val="A57133"/>
+                </a:solidFill>
+              </a:rPr>
+              <a:t>while</a:t>
+            </a:r>
+            <a:r>
+              <a:rPr lang="en-US">
+                <a:solidFill>
+                  <a:srgbClr val="A57133"/>
+                </a:solidFill>
+                <a:latin typeface="Times New Roman" pitchFamily="-32" charset="0"/>
+              </a:rPr>
+              <a:t> </a:t>
+            </a:r>
+            <a:r>
+              <a:rPr lang="en-US">
+                <a:solidFill>
+                  <a:srgbClr val="A57133"/>
+                </a:solidFill>
+                <a:latin typeface="Trebuchet MS" pitchFamily="-32" charset="0"/>
+              </a:rPr>
+              <a:t>keyword</a:t>
+            </a:r>
+          </a:p>
+        </p:txBody>
+      </p:sp>
+      <p:sp>
+        <p:nvSpPr>
+          <p:cNvPr id="18443" name="Line 11"/>
+          <p:cNvSpPr>
+            <a:spLocks noChangeShapeType="1"/>
+          </p:cNvSpPr>
+          <p:nvPr/>
+        </p:nvSpPr>
+        <p:spPr bwMode="auto">
+          <a:xfrm>
+            <a:off x="3352800" y="2743200"/>
+            <a:ext cx="914400" cy="381000"/>
+          </a:xfrm>
+          <a:prstGeom prst="line">
+            <a:avLst/>
+          </a:prstGeom>
+          <a:noFill/>
+          <a:ln w="9525">
+            <a:solidFill>
+              <a:schemeClr val="tx1"/>
+            </a:solidFill>
+            <a:round/>
+            <a:headEnd/>
+            <a:tailEnd type="triangle" w="med" len="med"/>
+          </a:ln>
+          <a:effectLst/>
+          <a:extLst>
+            <a:ext uri="{909E8E84-426E-40DD-AFC4-6F175D3DCCD1}">
+              <a14:hiddenFill xmlns:a14="http://schemas.microsoft.com/office/drawing/2010/main">
+                <a:noFill/>
+              </a14:hiddenFill>
+            </a:ext>
+            <a:ext uri="{AF507438-7753-43E0-B8FC-AC1667EBCBE1}">
+              <a14:hiddenEffects xmlns:a14="http://schemas.microsoft.com/office/drawing/2010/main">
+                <a:effectLst>
+                  <a:outerShdw dist="35921" dir="2700000" algn="ctr" rotWithShape="0">
+                    <a:schemeClr val="bg2"/>
+                  </a:outerShdw>
+                </a:effectLst>
+              </a14:hiddenEffects>
+            </a:ext>
+          </a:extLst>
+        </p:spPr>
+        <p:txBody>
+          <a:bodyPr wrap="none" anchor="ctr"/>
+          <a:lstStyle/>
+          <a:p>
+            <a:endParaRPr lang="en-IE"/>
+          </a:p>
+        </p:txBody>
+      </p:sp>
+      <p:sp>
+        <p:nvSpPr>
+          <p:cNvPr id="18445" name="AutoShape 13"/>
+          <p:cNvSpPr>
+            <a:spLocks noChangeArrowheads="1"/>
+          </p:cNvSpPr>
+          <p:nvPr/>
+        </p:nvSpPr>
+        <p:spPr bwMode="auto">
+          <a:xfrm>
+            <a:off x="7010400" y="3276600"/>
+            <a:ext cx="2971800" cy="457200"/>
+          </a:xfrm>
+          <a:prstGeom prst="roundRect">
+            <a:avLst>
+              <a:gd name="adj" fmla="val 16667"/>
+            </a:avLst>
+          </a:prstGeom>
+          <a:noFill/>
+          <a:ln w="9525">
+            <a:solidFill>
+              <a:schemeClr val="tx1"/>
+            </a:solidFill>
+            <a:round/>
+            <a:headEnd/>
+            <a:tailEnd/>
+          </a:ln>
+          <a:effectLst/>
+          <a:extLst>
+            <a:ext uri="{909E8E84-426E-40DD-AFC4-6F175D3DCCD1}">
+              <a14:hiddenFill xmlns:a14="http://schemas.microsoft.com/office/drawing/2010/main">
+                <a:solidFill>
+                  <a:schemeClr val="accent1"/>
+                </a:solidFill>
+              </a14:hiddenFill>
+            </a:ext>
+            <a:ext uri="{AF507438-7753-43E0-B8FC-AC1667EBCBE1}">
+              <a14:hiddenEffects xmlns:a14="http://schemas.microsoft.com/office/drawing/2010/main">
+                <a:effectLst>
+                  <a:outerShdw dist="35921" dir="2700000" algn="ctr" rotWithShape="0">
+                    <a:schemeClr val="bg2"/>
+                  </a:outerShdw>
+                </a:effectLst>
+              </a14:hiddenEffects>
+            </a:ext>
+          </a:extLst>
+        </p:spPr>
+        <p:txBody>
+          <a:bodyPr wrap="none" anchor="ctr"/>
+          <a:lstStyle/>
+          <a:p>
+            <a:pPr algn="ctr"/>
+            <a:r>
+              <a:rPr lang="en-US" dirty="0">
+                <a:solidFill>
+                  <a:srgbClr val="A57133"/>
+                </a:solidFill>
+                <a:latin typeface="Trebuchet MS" pitchFamily="-32" charset="0"/>
+              </a:rPr>
+              <a:t>Statements to be repeated</a:t>
+            </a:r>
+          </a:p>
+        </p:txBody>
+      </p:sp>
+      <p:sp>
+        <p:nvSpPr>
+          <p:cNvPr id="18446" name="Line 14"/>
+          <p:cNvSpPr>
+            <a:spLocks noChangeShapeType="1"/>
+          </p:cNvSpPr>
+          <p:nvPr/>
+        </p:nvSpPr>
+        <p:spPr bwMode="auto">
+          <a:xfrm flipH="1">
+            <a:off x="6019800" y="3505200"/>
+            <a:ext cx="990600" cy="0"/>
+          </a:xfrm>
+          <a:prstGeom prst="line">
+            <a:avLst/>
+          </a:prstGeom>
+          <a:noFill/>
+          <a:ln w="9525">
+            <a:solidFill>
+              <a:schemeClr val="tx1"/>
+            </a:solidFill>
+            <a:round/>
+            <a:headEnd/>
+            <a:tailEnd type="triangle" w="med" len="med"/>
+          </a:ln>
+          <a:effectLst/>
+          <a:extLst>
+            <a:ext uri="{909E8E84-426E-40DD-AFC4-6F175D3DCCD1}">
+              <a14:hiddenFill xmlns:a14="http://schemas.microsoft.com/office/drawing/2010/main">
+                <a:noFill/>
+              </a14:hiddenFill>
+            </a:ext>
+            <a:ext uri="{AF507438-7753-43E0-B8FC-AC1667EBCBE1}">
+              <a14:hiddenEffects xmlns:a14="http://schemas.microsoft.com/office/drawing/2010/main">
+                <a:effectLst>
+                  <a:outerShdw dist="35921" dir="2700000" algn="ctr" rotWithShape="0">
+                    <a:schemeClr val="bg2"/>
+                  </a:outerShdw>
+                </a:effectLst>
+              </a14:hiddenEffects>
+            </a:ext>
+          </a:extLst>
+        </p:spPr>
+        <p:txBody>
+          <a:bodyPr wrap="none" anchor="ctr"/>
+          <a:lstStyle/>
+          <a:p>
+            <a:endParaRPr lang="en-IE"/>
+          </a:p>
+        </p:txBody>
+      </p:sp>
+      <p:sp>
+        <p:nvSpPr>
+          <p:cNvPr id="18448" name="AutoShape 16"/>
+          <p:cNvSpPr>
+            <a:spLocks noChangeArrowheads="1"/>
+          </p:cNvSpPr>
+          <p:nvPr/>
+        </p:nvSpPr>
+        <p:spPr bwMode="auto">
+          <a:xfrm>
+            <a:off x="3862389" y="4495800"/>
+            <a:ext cx="4467225" cy="711200"/>
+          </a:xfrm>
+          <a:prstGeom prst="roundRect">
+            <a:avLst>
+              <a:gd name="adj" fmla="val 16667"/>
+            </a:avLst>
+          </a:prstGeom>
+          <a:noFill/>
+          <a:ln w="9525">
+            <a:solidFill>
+              <a:schemeClr val="tx1"/>
+            </a:solidFill>
+            <a:round/>
+            <a:headEnd/>
+            <a:tailEnd/>
+          </a:ln>
+          <a:effectLst/>
+          <a:extLst>
+            <a:ext uri="{909E8E84-426E-40DD-AFC4-6F175D3DCCD1}">
+              <a14:hiddenFill xmlns:a14="http://schemas.microsoft.com/office/drawing/2010/main">
+                <a:solidFill>
+                  <a:schemeClr val="folHlink">
+                    <a:alpha val="50000"/>
+                  </a:schemeClr>
+                </a:solidFill>
+              </a14:hiddenFill>
+            </a:ext>
+            <a:ext uri="{AF507438-7753-43E0-B8FC-AC1667EBCBE1}">
+              <a14:hiddenEffects xmlns:a14="http://schemas.microsoft.com/office/drawing/2010/main">
+                <a:effectLst>
+                  <a:outerShdw dist="35921" dir="2700000" algn="ctr" rotWithShape="0">
+                    <a:schemeClr val="bg2"/>
+                  </a:outerShdw>
+                </a:effectLst>
+              </a14:hiddenEffects>
+            </a:ext>
+          </a:extLst>
+        </p:spPr>
+        <p:txBody>
+          <a:bodyPr anchor="ctr">
+            <a:spAutoFit/>
+          </a:bodyPr>
+          <a:lstStyle/>
+          <a:p>
+            <a:pPr algn="ctr"/>
+            <a:r>
+              <a:rPr lang="en-US" dirty="0">
+                <a:solidFill>
+                  <a:srgbClr val="A57133"/>
+                </a:solidFill>
+                <a:latin typeface="Trebuchet MS" pitchFamily="-32" charset="0"/>
+              </a:rPr>
+              <a:t>Pseudo-code expression of the actions of a while loop</a:t>
+            </a:r>
+          </a:p>
+        </p:txBody>
+      </p:sp>
+      <p:sp>
+        <p:nvSpPr>
+          <p:cNvPr id="18450" name="AutoShape 18"/>
+          <p:cNvSpPr>
+            <a:spLocks noChangeArrowheads="1"/>
+          </p:cNvSpPr>
+          <p:nvPr/>
+        </p:nvSpPr>
+        <p:spPr bwMode="auto">
+          <a:xfrm>
+            <a:off x="4419600" y="1828800"/>
+            <a:ext cx="3200400" cy="381000"/>
+          </a:xfrm>
+          <a:prstGeom prst="roundRect">
+            <a:avLst>
+              <a:gd name="adj" fmla="val 16667"/>
+            </a:avLst>
+          </a:prstGeom>
+          <a:noFill/>
+          <a:ln w="9525">
+            <a:solidFill>
+              <a:schemeClr val="tx1"/>
+            </a:solidFill>
+            <a:round/>
+            <a:headEnd/>
+            <a:tailEnd/>
+          </a:ln>
+          <a:effectLst/>
+          <a:extLst>
+            <a:ext uri="{909E8E84-426E-40DD-AFC4-6F175D3DCCD1}">
+              <a14:hiddenFill xmlns:a14="http://schemas.microsoft.com/office/drawing/2010/main">
+                <a:solidFill>
+                  <a:schemeClr val="folHlink">
+                    <a:alpha val="50000"/>
+                  </a:schemeClr>
+                </a:solidFill>
+              </a14:hiddenFill>
+            </a:ext>
+            <a:ext uri="{AF507438-7753-43E0-B8FC-AC1667EBCBE1}">
+              <a14:hiddenEffects xmlns:a14="http://schemas.microsoft.com/office/drawing/2010/main">
+                <a:effectLst>
+                  <a:outerShdw dist="45791" dir="2021404" algn="ctr" rotWithShape="0">
+                    <a:schemeClr val="bg2"/>
+                  </a:outerShdw>
+                </a:effectLst>
+              </a14:hiddenEffects>
+            </a:ext>
+          </a:extLst>
+        </p:spPr>
+        <p:txBody>
+          <a:bodyPr wrap="none" anchor="ctr"/>
+          <a:lstStyle/>
+          <a:p>
+            <a:pPr algn="ctr"/>
+            <a:r>
+              <a:rPr lang="en-US">
+                <a:solidFill>
+                  <a:srgbClr val="A57133"/>
+                </a:solidFill>
+                <a:latin typeface="Trebuchet MS" pitchFamily="-32" charset="0"/>
+              </a:rPr>
+              <a:t>General form of a while loop</a:t>
+            </a:r>
+          </a:p>
+        </p:txBody>
+      </p:sp>
+      <p:sp>
+        <p:nvSpPr>
+          <p:cNvPr id="18455" name="Rectangle 23"/>
+          <p:cNvSpPr>
+            <a:spLocks noChangeArrowheads="1"/>
+          </p:cNvSpPr>
+          <p:nvPr/>
+        </p:nvSpPr>
+        <p:spPr bwMode="auto">
+          <a:xfrm>
+            <a:off x="2286000" y="2787134"/>
+            <a:ext cx="7772400" cy="369332"/>
+          </a:xfrm>
+          <a:prstGeom prst="rect">
+            <a:avLst/>
+          </a:prstGeom>
+          <a:noFill/>
+          <a:ln w="9525">
+            <a:solidFill>
+              <a:schemeClr val="tx1"/>
+            </a:solidFill>
+            <a:miter lim="800000"/>
+            <a:headEnd/>
+            <a:tailEnd/>
+          </a:ln>
+          <a:effectLst/>
+          <a:extLst>
+            <a:ext uri="{909E8E84-426E-40DD-AFC4-6F175D3DCCD1}">
+              <a14:hiddenFill xmlns:a14="http://schemas.microsoft.com/office/drawing/2010/main">
+                <a:solidFill>
+                  <a:schemeClr val="accent1"/>
+                </a:solidFill>
+              </a14:hiddenFill>
+            </a:ext>
+            <a:ext uri="{AF507438-7753-43E0-B8FC-AC1667EBCBE1}">
+              <a14:hiddenEffects xmlns:a14="http://schemas.microsoft.com/office/drawing/2010/main">
+                <a:effectLst>
+                  <a:outerShdw dist="35921" dir="2700000" algn="ctr" rotWithShape="0">
+                    <a:schemeClr val="bg2"/>
+                  </a:outerShdw>
+                </a:effectLst>
+              </a14:hiddenEffects>
+            </a:ext>
+          </a:extLst>
+        </p:spPr>
+        <p:txBody>
+          <a:bodyPr anchor="ctr">
+            <a:spAutoFit/>
+          </a:bodyPr>
+          <a:lstStyle/>
+          <a:p>
+            <a:endParaRPr lang="en-IE"/>
+          </a:p>
+        </p:txBody>
+      </p:sp>
+      <p:sp>
+        <p:nvSpPr>
+          <p:cNvPr id="18457" name="AutoShape 25"/>
+          <p:cNvSpPr>
+            <a:spLocks noChangeArrowheads="1"/>
+          </p:cNvSpPr>
+          <p:nvPr/>
+        </p:nvSpPr>
+        <p:spPr bwMode="auto">
+          <a:xfrm flipH="1" flipV="1">
+            <a:off x="2819400" y="3320534"/>
+            <a:ext cx="990600" cy="369332"/>
+          </a:xfrm>
+          <a:prstGeom prst="curvedLeftArrow">
+            <a:avLst>
+              <a:gd name="adj1" fmla="val 20000"/>
+              <a:gd name="adj2" fmla="val 40000"/>
+              <a:gd name="adj3" fmla="val 43333"/>
+            </a:avLst>
+          </a:prstGeom>
+          <a:noFill/>
+          <a:ln w="9525">
+            <a:solidFill>
+              <a:schemeClr val="tx1"/>
+            </a:solidFill>
+            <a:miter lim="800000"/>
+            <a:headEnd/>
+            <a:tailEnd/>
+          </a:ln>
+          <a:effectLst/>
+          <a:extLst>
+            <a:ext uri="{909E8E84-426E-40DD-AFC4-6F175D3DCCD1}">
+              <a14:hiddenFill xmlns:a14="http://schemas.microsoft.com/office/drawing/2010/main">
+                <a:solidFill>
+                  <a:schemeClr val="accent1"/>
+                </a:solidFill>
+              </a14:hiddenFill>
+            </a:ext>
+            <a:ext uri="{AF507438-7753-43E0-B8FC-AC1667EBCBE1}">
+              <a14:hiddenEffects xmlns:a14="http://schemas.microsoft.com/office/drawing/2010/main">
+                <a:effectLst>
+                  <a:outerShdw dist="35921" dir="2700000" algn="ctr" rotWithShape="0">
+                    <a:schemeClr val="bg2"/>
+                  </a:outerShdw>
+                </a:effectLst>
+              </a14:hiddenEffects>
+            </a:ext>
+          </a:extLst>
+        </p:spPr>
+        <p:txBody>
+          <a:bodyPr anchor="ctr">
+            <a:spAutoFit/>
+          </a:bodyPr>
+          <a:lstStyle/>
+          <a:p>
+            <a:endParaRPr lang="en-IE"/>
+          </a:p>
+        </p:txBody>
+      </p:sp>
+    </p:spTree>
+    <p:extLst>
+      <p:ext uri="{BB962C8B-B14F-4D97-AF65-F5344CB8AC3E}">
+        <p14:creationId xmlns:p14="http://schemas.microsoft.com/office/powerpoint/2010/main" val="604770814"/>
+      </p:ext>
+    </p:extLst>
+  </p:cSld>
+  <p:clrMapOvr>
+    <a:masterClrMapping/>
+  </p:clrMapOvr>
+  <p:timing>
+    <p:tnLst>
+      <p:par>
+        <p:cTn id="1" dur="indefinite" restart="never" nodeType="tmRoot">
+          <p:childTnLst>
+            <p:seq concurrent="1" nextAc="seek">
+              <p:cTn id="2" dur="indefinite" nodeType="mainSeq">
+                <p:childTnLst>
+                  <p:par>
+                    <p:cTn id="3" fill="hold">
+                      <p:stCondLst>
+                        <p:cond delay="indefinite"/>
+                      </p:stCondLst>
+                      <p:childTnLst>
+                        <p:par>
+                          <p:cTn id="4" fill="hold">
+                            <p:stCondLst>
+                              <p:cond delay="0"/>
+                            </p:stCondLst>
+                            <p:childTnLst>
+                              <p:par>
+                                <p:cTn id="5" presetID="1" presetClass="entr" presetSubtype="0" fill="hold" grpId="0" nodeType="clickEffect">
+                                  <p:stCondLst>
+                                    <p:cond delay="0"/>
+                                  </p:stCondLst>
+                                  <p:childTnLst>
+                                    <p:set>
+                                      <p:cBhvr>
+                                        <p:cTn id="6" dur="1" fill="hold">
+                                          <p:stCondLst>
+                                            <p:cond delay="0"/>
+                                          </p:stCondLst>
+                                        </p:cTn>
+                                        <p:tgtEl>
+                                          <p:spTgt spid="18442"/>
+                                        </p:tgtEl>
+                                        <p:attrNameLst>
+                                          <p:attrName>style.visibility</p:attrName>
+                                        </p:attrNameLst>
+                                      </p:cBhvr>
+                                      <p:to>
+                                        <p:strVal val="visible"/>
+                                      </p:to>
+                                    </p:set>
+                                  </p:childTnLst>
+                                </p:cTn>
+                              </p:par>
+                              <p:par>
+                                <p:cTn id="7" presetID="1" presetClass="entr" presetSubtype="0" fill="hold" grpId="0" nodeType="withEffect">
+                                  <p:stCondLst>
+                                    <p:cond delay="0"/>
+                                  </p:stCondLst>
+                                  <p:childTnLst>
+                                    <p:set>
+                                      <p:cBhvr>
+                                        <p:cTn id="8" dur="1" fill="hold">
+                                          <p:stCondLst>
+                                            <p:cond delay="0"/>
+                                          </p:stCondLst>
+                                        </p:cTn>
+                                        <p:tgtEl>
+                                          <p:spTgt spid="18443"/>
+                                        </p:tgtEl>
+                                        <p:attrNameLst>
+                                          <p:attrName>style.visibility</p:attrName>
+                                        </p:attrNameLst>
+                                      </p:cBhvr>
+                                      <p:to>
+                                        <p:strVal val="visible"/>
+                                      </p:to>
+                                    </p:set>
+                                  </p:childTnLst>
+                                </p:cTn>
+                              </p:par>
+                            </p:childTnLst>
+                          </p:cTn>
+                        </p:par>
+                      </p:childTnLst>
+                    </p:cTn>
+                  </p:par>
+                  <p:par>
+                    <p:cTn id="9" fill="hold">
+                      <p:stCondLst>
+                        <p:cond delay="indefinite"/>
+                      </p:stCondLst>
+                      <p:childTnLst>
+                        <p:par>
+                          <p:cTn id="10" fill="hold">
+                            <p:stCondLst>
+                              <p:cond delay="0"/>
+                            </p:stCondLst>
+                            <p:childTnLst>
+                              <p:par>
+                                <p:cTn id="11" presetID="1" presetClass="entr" presetSubtype="0" fill="hold" grpId="0" nodeType="clickEffect">
+                                  <p:stCondLst>
+                                    <p:cond delay="0"/>
+                                  </p:stCondLst>
+                                  <p:childTnLst>
+                                    <p:set>
+                                      <p:cBhvr>
+                                        <p:cTn id="12" dur="1" fill="hold">
+                                          <p:stCondLst>
+                                            <p:cond delay="0"/>
+                                          </p:stCondLst>
+                                        </p:cTn>
+                                        <p:tgtEl>
+                                          <p:spTgt spid="18440"/>
+                                        </p:tgtEl>
+                                        <p:attrNameLst>
+                                          <p:attrName>style.visibility</p:attrName>
+                                        </p:attrNameLst>
+                                      </p:cBhvr>
+                                      <p:to>
+                                        <p:strVal val="visible"/>
+                                      </p:to>
+                                    </p:set>
+                                  </p:childTnLst>
+                                </p:cTn>
+                              </p:par>
+                              <p:par>
+                                <p:cTn id="13" presetID="1" presetClass="entr" presetSubtype="0" fill="hold" grpId="0" nodeType="withEffect">
+                                  <p:stCondLst>
+                                    <p:cond delay="0"/>
+                                  </p:stCondLst>
+                                  <p:childTnLst>
+                                    <p:set>
+                                      <p:cBhvr>
+                                        <p:cTn id="14" dur="1" fill="hold">
+                                          <p:stCondLst>
+                                            <p:cond delay="0"/>
+                                          </p:stCondLst>
+                                        </p:cTn>
+                                        <p:tgtEl>
+                                          <p:spTgt spid="18439"/>
+                                        </p:tgtEl>
+                                        <p:attrNameLst>
+                                          <p:attrName>style.visibility</p:attrName>
+                                        </p:attrNameLst>
+                                      </p:cBhvr>
+                                      <p:to>
+                                        <p:strVal val="visible"/>
+                                      </p:to>
+                                    </p:set>
+                                  </p:childTnLst>
+                                </p:cTn>
+                              </p:par>
+                            </p:childTnLst>
+                          </p:cTn>
+                        </p:par>
+                      </p:childTnLst>
+                    </p:cTn>
+                  </p:par>
+                  <p:par>
+                    <p:cTn id="15" fill="hold">
+                      <p:stCondLst>
+                        <p:cond delay="indefinite"/>
+                      </p:stCondLst>
+                      <p:childTnLst>
+                        <p:par>
+                          <p:cTn id="16" fill="hold">
+                            <p:stCondLst>
+                              <p:cond delay="0"/>
+                            </p:stCondLst>
+                            <p:childTnLst>
+                              <p:par>
+                                <p:cTn id="17" presetID="1" presetClass="entr" presetSubtype="0" fill="hold" grpId="0" nodeType="clickEffect">
+                                  <p:stCondLst>
+                                    <p:cond delay="0"/>
+                                  </p:stCondLst>
+                                  <p:childTnLst>
+                                    <p:set>
+                                      <p:cBhvr>
+                                        <p:cTn id="18" dur="1" fill="hold">
+                                          <p:stCondLst>
+                                            <p:cond delay="0"/>
+                                          </p:stCondLst>
+                                        </p:cTn>
+                                        <p:tgtEl>
+                                          <p:spTgt spid="18446"/>
+                                        </p:tgtEl>
+                                        <p:attrNameLst>
+                                          <p:attrName>style.visibility</p:attrName>
+                                        </p:attrNameLst>
+                                      </p:cBhvr>
+                                      <p:to>
+                                        <p:strVal val="visible"/>
+                                      </p:to>
+                                    </p:set>
+                                  </p:childTnLst>
+                                </p:cTn>
+                              </p:par>
+                              <p:par>
+                                <p:cTn id="19" presetID="1" presetClass="entr" presetSubtype="0" fill="hold" grpId="0" nodeType="withEffect">
+                                  <p:stCondLst>
+                                    <p:cond delay="0"/>
+                                  </p:stCondLst>
+                                  <p:childTnLst>
+                                    <p:set>
+                                      <p:cBhvr>
+                                        <p:cTn id="20" dur="1" fill="hold">
+                                          <p:stCondLst>
+                                            <p:cond delay="0"/>
+                                          </p:stCondLst>
+                                        </p:cTn>
+                                        <p:tgtEl>
+                                          <p:spTgt spid="18445"/>
+                                        </p:tgtEl>
+                                        <p:attrNameLst>
+                                          <p:attrName>style.visibility</p:attrName>
+                                        </p:attrNameLst>
+                                      </p:cBhvr>
+                                      <p:to>
+                                        <p:strVal val="visible"/>
+                                      </p:to>
+                                    </p:set>
+                                  </p:childTnLst>
+                                </p:cTn>
+                              </p:par>
+                              <p:par>
+                                <p:cTn id="21" presetID="1" presetClass="entr" presetSubtype="0" fill="hold" grpId="0" nodeType="withEffect">
+                                  <p:stCondLst>
+                                    <p:cond delay="0"/>
+                                  </p:stCondLst>
+                                  <p:childTnLst>
+                                    <p:set>
+                                      <p:cBhvr>
+                                        <p:cTn id="22" dur="1" fill="hold">
+                                          <p:stCondLst>
+                                            <p:cond delay="0"/>
+                                          </p:stCondLst>
+                                        </p:cTn>
+                                        <p:tgtEl>
+                                          <p:spTgt spid="18448"/>
+                                        </p:tgtEl>
+                                        <p:attrNameLst>
+                                          <p:attrName>style.visibility</p:attrName>
+                                        </p:attrNameLst>
+                                      </p:cBhvr>
+                                      <p:to>
+                                        <p:strVal val="visible"/>
+                                      </p:to>
+                                    </p:set>
+                                  </p:childTnLst>
+                                </p:cTn>
+                              </p:par>
+                              <p:par>
+                                <p:cTn id="23" presetID="1" presetClass="entr" presetSubtype="0" fill="hold" grpId="0" nodeType="withEffect">
+                                  <p:stCondLst>
+                                    <p:cond delay="0"/>
+                                  </p:stCondLst>
+                                  <p:childTnLst>
+                                    <p:set>
+                                      <p:cBhvr>
+                                        <p:cTn id="24" dur="1" fill="hold">
+                                          <p:stCondLst>
+                                            <p:cond delay="0"/>
+                                          </p:stCondLst>
+                                        </p:cTn>
+                                        <p:tgtEl>
+                                          <p:spTgt spid="18437"/>
+                                        </p:tgtEl>
+                                        <p:attrNameLst>
+                                          <p:attrName>style.visibility</p:attrName>
+                                        </p:attrNameLst>
+                                      </p:cBhvr>
+                                      <p:to>
+                                        <p:strVal val="visible"/>
+                                      </p:to>
+                                    </p:set>
+                                  </p:childTnLst>
+                                </p:cTn>
+                              </p:par>
+                            </p:childTnLst>
+                          </p:cTn>
+                        </p:par>
+                      </p:childTnLst>
+                    </p:cTn>
+                  </p:par>
+                </p:childTnLst>
+              </p:cTn>
+              <p:prevCondLst>
+                <p:cond evt="onPrev" delay="0">
+                  <p:tgtEl>
+                    <p:sldTgt/>
+                  </p:tgtEl>
+                </p:cond>
+              </p:prevCondLst>
+              <p:nextCondLst>
+                <p:cond evt="onNext" delay="0">
+                  <p:tgtEl>
+                    <p:sldTgt/>
+                  </p:tgtEl>
+                </p:cond>
+              </p:nextCondLst>
+            </p:seq>
+          </p:childTnLst>
+        </p:cTn>
+      </p:par>
+    </p:tnLst>
+    <p:bldLst>
+      <p:bldP spid="18437" grpId="0"/>
+      <p:bldP spid="18439" grpId="0" animBg="1"/>
+      <p:bldP spid="18440" grpId="0" animBg="1"/>
+      <p:bldP spid="18442" grpId="0" animBg="1"/>
+      <p:bldP spid="18443" grpId="0" animBg="1"/>
+      <p:bldP spid="18445" grpId="0" animBg="1"/>
+      <p:bldP spid="18446" grpId="0" animBg="1"/>
+      <p:bldP spid="18448" grpId="0" animBg="1"/>
+    </p:bldLst>
+  </p:timing>
+</p:sld>
+</file>
+
+<file path=ppt/slides/slide11.xml><?xml version="1.0" encoding="utf-8"?>
+<p:sld xmlns:a="http://schemas.openxmlformats.org/drawingml/2006/main" xmlns:r="http://schemas.openxmlformats.org/officeDocument/2006/relationships" xmlns:p="http://schemas.openxmlformats.org/presentationml/2006/main">
+  <p:cSld>
+    <p:spTree>
+      <p:nvGrpSpPr>
+        <p:cNvPr id="1" name=""/>
+        <p:cNvGrpSpPr/>
+        <p:nvPr/>
+      </p:nvGrpSpPr>
+      <p:grpSpPr>
+        <a:xfrm>
+          <a:off x="0" y="0"/>
+          <a:ext cx="0" cy="0"/>
+          <a:chOff x="0" y="0"/>
+          <a:chExt cx="0" cy="0"/>
+        </a:xfrm>
+      </p:grpSpPr>
+      <p:sp>
+        <p:nvSpPr>
+          <p:cNvPr id="2" name="Title 1">
+            <a:extLst>
+              <a:ext uri="{FF2B5EF4-FFF2-40B4-BE49-F238E27FC236}">
+                <a16:creationId xmlns:a16="http://schemas.microsoft.com/office/drawing/2014/main" id="{A20A05EF-CE34-052C-F078-0150F0319A18}"/>
+              </a:ext>
+            </a:extLst>
+          </p:cNvPr>
+          <p:cNvSpPr>
+            <a:spLocks noGrp="1"/>
+          </p:cNvSpPr>
+          <p:nvPr>
+            <p:ph type="title"/>
+          </p:nvPr>
+        </p:nvSpPr>
+        <p:spPr/>
+        <p:txBody>
+          <a:bodyPr/>
+          <a:lstStyle/>
+          <a:p>
+            <a:r>
+              <a:rPr lang="en-IE" dirty="0"/>
+              <a:t>Loop Control Variable (LCV)</a:t>
+            </a:r>
+          </a:p>
+        </p:txBody>
+      </p:sp>
+      <p:sp>
+        <p:nvSpPr>
+          <p:cNvPr id="3" name="Content Placeholder 2">
+            <a:extLst>
+              <a:ext uri="{FF2B5EF4-FFF2-40B4-BE49-F238E27FC236}">
+                <a16:creationId xmlns:a16="http://schemas.microsoft.com/office/drawing/2014/main" id="{19B1A669-BCA9-FD28-F666-03FDC2C8B4A1}"/>
+              </a:ext>
+            </a:extLst>
+          </p:cNvPr>
+          <p:cNvSpPr>
+            <a:spLocks noGrp="1"/>
+          </p:cNvSpPr>
+          <p:nvPr>
+            <p:ph idx="1"/>
+          </p:nvPr>
+        </p:nvSpPr>
+        <p:spPr/>
+        <p:txBody>
+          <a:bodyPr/>
+          <a:lstStyle/>
+          <a:p>
+            <a:pPr marL="0" indent="0">
+              <a:buNone/>
+            </a:pPr>
+            <a:r>
+              <a:rPr lang="en-US" dirty="0"/>
+              <a:t>A </a:t>
+            </a:r>
+            <a:r>
+              <a:rPr lang="en-US" b="1" dirty="0"/>
+              <a:t>loop control variable (LCV)</a:t>
+            </a:r>
+            <a:r>
+              <a:rPr lang="en-US" dirty="0"/>
+              <a:t>:</a:t>
+            </a:r>
+          </a:p>
+          <a:p>
+            <a:pPr lvl="1"/>
+            <a:r>
+              <a:rPr lang="en-US" dirty="0"/>
+              <a:t>Controls how many times the loop runs</a:t>
+            </a:r>
+          </a:p>
+          <a:p>
+            <a:pPr lvl="1"/>
+            <a:r>
+              <a:rPr lang="en-US" dirty="0"/>
+              <a:t>Is checked in the loop condition</a:t>
+            </a:r>
+          </a:p>
+          <a:p>
+            <a:pPr lvl="1"/>
+            <a:r>
+              <a:rPr lang="en-US" dirty="0"/>
+              <a:t>Is updated inside the loop</a:t>
+            </a:r>
+          </a:p>
+          <a:p>
+            <a:endParaRPr lang="en-US" dirty="0"/>
+          </a:p>
+          <a:p>
+            <a:pPr marL="0" indent="0">
+              <a:buNone/>
+            </a:pPr>
+            <a:r>
+              <a:rPr lang="en-US" dirty="0"/>
+              <a:t>Without an LCV, loops often run forever.</a:t>
+            </a:r>
+          </a:p>
+        </p:txBody>
+      </p:sp>
+    </p:spTree>
+    <p:extLst>
+      <p:ext uri="{BB962C8B-B14F-4D97-AF65-F5344CB8AC3E}">
+        <p14:creationId xmlns:p14="http://schemas.microsoft.com/office/powerpoint/2010/main" val="2062705536"/>
+      </p:ext>
+    </p:extLst>
+  </p:cSld>
+  <p:clrMapOvr>
+    <a:masterClrMapping/>
+  </p:clrMapOvr>
+</p:sld>
+</file>
+
+<file path=ppt/slides/slide12.xml><?xml version="1.0" encoding="utf-8"?>
+<p:sld xmlns:a="http://schemas.openxmlformats.org/drawingml/2006/main" xmlns:r="http://schemas.openxmlformats.org/officeDocument/2006/relationships" xmlns:p="http://schemas.openxmlformats.org/presentationml/2006/main">
+  <p:cSld>
+    <p:spTree>
+      <p:nvGrpSpPr>
+        <p:cNvPr id="1" name=""/>
+        <p:cNvGrpSpPr/>
+        <p:nvPr/>
+      </p:nvGrpSpPr>
+      <p:grpSpPr>
+        <a:xfrm>
+          <a:off x="0" y="0"/>
+          <a:ext cx="0" cy="0"/>
+          <a:chOff x="0" y="0"/>
+          <a:chExt cx="0" cy="0"/>
+        </a:xfrm>
+      </p:grpSpPr>
+      <p:sp>
+        <p:nvSpPr>
           <p:cNvPr id="9217" name="Rectangle 2"/>
           <p:cNvSpPr>
             <a:spLocks noGrp="1" noChangeArrowheads="1"/>
@@ -8217,7 +8311,7 @@
 </p:sld>
 </file>
 
-<file path=ppt/slides/slide11.xml><?xml version="1.0" encoding="utf-8"?>
+<file path=ppt/slides/slide13.xml><?xml version="1.0" encoding="utf-8"?>
 <p:sld xmlns:a="http://schemas.openxmlformats.org/drawingml/2006/main" xmlns:r="http://schemas.openxmlformats.org/officeDocument/2006/relationships" xmlns:p="http://schemas.openxmlformats.org/presentationml/2006/main">
   <p:cSld>
     <p:spTree>
@@ -8854,7 +8948,7 @@
 </p:sld>
 </file>
 
-<file path=ppt/slides/slide12.xml><?xml version="1.0" encoding="utf-8"?>
+<file path=ppt/slides/slide14.xml><?xml version="1.0" encoding="utf-8"?>
 <p:sld xmlns:a="http://schemas.openxmlformats.org/drawingml/2006/main" xmlns:r="http://schemas.openxmlformats.org/officeDocument/2006/relationships" xmlns:p="http://schemas.openxmlformats.org/presentationml/2006/main">
   <p:cSld>
     <p:spTree>
@@ -10302,7 +10396,7 @@
 </p:sld>
 </file>
 
-<file path=ppt/slides/slide13.xml><?xml version="1.0" encoding="utf-8"?>
+<file path=ppt/slides/slide15.xml><?xml version="1.0" encoding="utf-8"?>
 <p:sld xmlns:a="http://schemas.openxmlformats.org/drawingml/2006/main" xmlns:r="http://schemas.openxmlformats.org/officeDocument/2006/relationships" xmlns:p="http://schemas.openxmlformats.org/presentationml/2006/main">
   <p:cSld>
     <p:spTree>
@@ -11985,7 +12079,7 @@
 </p:sld>
 </file>
 
-<file path=ppt/slides/slide14.xml><?xml version="1.0" encoding="utf-8"?>
+<file path=ppt/slides/slide16.xml><?xml version="1.0" encoding="utf-8"?>
 <p:sld xmlns:a="http://schemas.openxmlformats.org/drawingml/2006/main" xmlns:r="http://schemas.openxmlformats.org/officeDocument/2006/relationships" xmlns:p="http://schemas.openxmlformats.org/presentationml/2006/main">
   <p:cSld>
     <p:spTree>
@@ -12288,7 +12382,7 @@
 </p:sld>
 </file>
 
-<file path=ppt/slides/slide15.xml><?xml version="1.0" encoding="utf-8"?>
+<file path=ppt/slides/slide17.xml><?xml version="1.0" encoding="utf-8"?>
 <p:sld xmlns:a="http://schemas.openxmlformats.org/drawingml/2006/main" xmlns:r="http://schemas.openxmlformats.org/officeDocument/2006/relationships" xmlns:p="http://schemas.openxmlformats.org/presentationml/2006/main">
   <p:cSld>
     <p:spTree>
@@ -12503,7 +12597,7 @@
 </p:sld>
 </file>
 
-<file path=ppt/slides/slide16.xml><?xml version="1.0" encoding="utf-8"?>
+<file path=ppt/slides/slide18.xml><?xml version="1.0" encoding="utf-8"?>
 <p:sld xmlns:a="http://schemas.openxmlformats.org/drawingml/2006/main" xmlns:r="http://schemas.openxmlformats.org/officeDocument/2006/relationships" xmlns:p="http://schemas.openxmlformats.org/presentationml/2006/main">
   <p:cSld>
     <p:spTree>
@@ -12604,7 +12698,7 @@
 </p:sld>
 </file>
 
-<file path=ppt/slides/slide17.xml><?xml version="1.0" encoding="utf-8"?>
+<file path=ppt/slides/slide19.xml><?xml version="1.0" encoding="utf-8"?>
 <p:sld xmlns:a="http://schemas.openxmlformats.org/drawingml/2006/main" xmlns:r="http://schemas.openxmlformats.org/officeDocument/2006/relationships" xmlns:p="http://schemas.openxmlformats.org/presentationml/2006/main">
   <p:cSld>
     <p:spTree>
@@ -12623,119 +12717,13 @@
       </p:grpSpPr>
       <p:sp>
         <p:nvSpPr>
-          <p:cNvPr id="2" name="Title 1"/>
-          <p:cNvSpPr>
-            <a:spLocks noGrp="1"/>
-          </p:cNvSpPr>
-          <p:nvPr>
-            <p:ph type="title"/>
-          </p:nvPr>
-        </p:nvSpPr>
-        <p:spPr/>
-        <p:txBody>
-          <a:bodyPr>
-            <a:normAutofit/>
-          </a:bodyPr>
-          <a:lstStyle/>
-          <a:p>
-            <a:pPr algn="ctr"/>
-            <a:r>
-              <a:rPr lang="en-IE" dirty="0"/>
-              <a:t>Some Study Exercises </a:t>
-            </a:r>
-          </a:p>
-        </p:txBody>
-      </p:sp>
-      <p:sp>
-        <p:nvSpPr>
-          <p:cNvPr id="3" name="Content Placeholder 2"/>
-          <p:cNvSpPr>
-            <a:spLocks noGrp="1"/>
-          </p:cNvSpPr>
-          <p:nvPr>
-            <p:ph idx="1"/>
-          </p:nvPr>
-        </p:nvSpPr>
-        <p:spPr>
-          <a:xfrm>
-            <a:off x="1981200" y="1951038"/>
-            <a:ext cx="8229600" cy="4525963"/>
-          </a:xfrm>
-        </p:spPr>
-        <p:txBody>
-          <a:bodyPr/>
-          <a:lstStyle/>
-          <a:p>
-            <a:pPr marL="514350" indent="-514350">
-              <a:buFont typeface="+mj-lt"/>
-              <a:buAutoNum type="arabicPeriod"/>
-            </a:pPr>
-            <a:r>
-              <a:rPr lang="en-IE" dirty="0"/>
-              <a:t>Change the code so that “Hello World” is printed out 10 times. </a:t>
-            </a:r>
-          </a:p>
-          <a:p>
-            <a:pPr marL="514350" indent="-514350">
-              <a:buFont typeface="+mj-lt"/>
-              <a:buAutoNum type="arabicPeriod"/>
-            </a:pPr>
-            <a:r>
-              <a:rPr lang="en-IE" dirty="0"/>
-              <a:t>Change the code so that the numbers from 1 to 10 (inclusive) are printed out, one line at a time.</a:t>
-            </a:r>
-          </a:p>
-          <a:p>
-            <a:pPr marL="514350" indent="-514350">
-              <a:buFont typeface="+mj-lt"/>
-              <a:buAutoNum type="arabicPeriod"/>
-            </a:pPr>
-            <a:r>
-              <a:rPr lang="en-IE" dirty="0"/>
-              <a:t>Change the code so that the numbers from 10 to 1 are printed out. </a:t>
-            </a:r>
-          </a:p>
-          <a:p>
-            <a:pPr marL="0" indent="0">
-              <a:buNone/>
-            </a:pPr>
-            <a:endParaRPr lang="en-IE" dirty="0"/>
-          </a:p>
-        </p:txBody>
-      </p:sp>
-    </p:spTree>
-    <p:extLst>
-      <p:ext uri="{BB962C8B-B14F-4D97-AF65-F5344CB8AC3E}">
-        <p14:creationId xmlns:p14="http://schemas.microsoft.com/office/powerpoint/2010/main" val="518944495"/>
-      </p:ext>
-    </p:extLst>
-  </p:cSld>
-  <p:clrMapOvr>
-    <a:masterClrMapping/>
-  </p:clrMapOvr>
-</p:sld>
-</file>
-
-<file path=ppt/slides/slide18.xml><?xml version="1.0" encoding="utf-8"?>
-<p:sld xmlns:a="http://schemas.openxmlformats.org/drawingml/2006/main" xmlns:r="http://schemas.openxmlformats.org/officeDocument/2006/relationships" xmlns:p="http://schemas.openxmlformats.org/presentationml/2006/main">
-  <p:cSld>
-    <p:spTree>
-      <p:nvGrpSpPr>
-        <p:cNvPr id="1" name=""/>
-        <p:cNvGrpSpPr/>
-        <p:nvPr/>
-      </p:nvGrpSpPr>
-      <p:grpSpPr>
-        <a:xfrm>
-          <a:off x="0" y="0"/>
-          <a:ext cx="0" cy="0"/>
-          <a:chOff x="0" y="0"/>
-          <a:chExt cx="0" cy="0"/>
-        </a:xfrm>
-      </p:grpSpPr>
-      <p:sp>
-        <p:nvSpPr>
-          <p:cNvPr id="2" name="Title 1"/>
+          <p:cNvPr id="2" name="Title 1">
+            <a:extLst>
+              <a:ext uri="{FF2B5EF4-FFF2-40B4-BE49-F238E27FC236}">
+                <a16:creationId xmlns:a16="http://schemas.microsoft.com/office/drawing/2014/main" id="{2D7AE2F3-A4E6-0F07-660C-BD13453DEE9F}"/>
+              </a:ext>
+            </a:extLst>
+          </p:cNvPr>
           <p:cNvSpPr>
             <a:spLocks noGrp="1"/>
           </p:cNvSpPr>
@@ -12750,62 +12738,593 @@
           <a:p>
             <a:r>
               <a:rPr lang="en-IE" dirty="0"/>
-              <a:t>Questions?</a:t>
+              <a:t>Common Mistakes</a:t>
             </a:r>
           </a:p>
         </p:txBody>
       </p:sp>
-      <p:pic>
-        <p:nvPicPr>
-          <p:cNvPr id="3074" name="Picture 2" descr="Image result for questions"/>
-          <p:cNvPicPr>
-            <a:picLocks noChangeAspect="1" noChangeArrowheads="1"/>
-          </p:cNvPicPr>
-          <p:nvPr/>
-        </p:nvPicPr>
-        <p:blipFill>
-          <a:blip r:embed="rId2">
+      <p:sp>
+        <p:nvSpPr>
+          <p:cNvPr id="3" name="Content Placeholder 2">
             <a:extLst>
-              <a:ext uri="{28A0092B-C50C-407E-A947-70E740481C1C}">
-                <a14:useLocalDpi xmlns:a14="http://schemas.microsoft.com/office/drawing/2010/main" val="0"/>
+              <a:ext uri="{FF2B5EF4-FFF2-40B4-BE49-F238E27FC236}">
+                <a16:creationId xmlns:a16="http://schemas.microsoft.com/office/drawing/2014/main" id="{E04B7C3B-678E-5CAB-694F-4BA691AA6DC5}"/>
               </a:ext>
             </a:extLst>
-          </a:blip>
-          <a:srcRect/>
-          <a:stretch>
-            <a:fillRect/>
-          </a:stretch>
-        </p:blipFill>
-        <p:spPr bwMode="auto">
-          <a:xfrm>
-            <a:off x="3810000" y="2057401"/>
-            <a:ext cx="4343400" cy="3509469"/>
-          </a:xfrm>
-          <a:prstGeom prst="rect">
-            <a:avLst/>
-          </a:prstGeom>
-          <a:noFill/>
-          <a:extLst>
-            <a:ext uri="{909E8E84-426E-40DD-AFC4-6F175D3DCCD1}">
-              <a14:hiddenFill xmlns:a14="http://schemas.microsoft.com/office/drawing/2010/main">
-                <a:solidFill>
-                  <a:srgbClr val="FFFFFF"/>
-                </a:solidFill>
-              </a14:hiddenFill>
-            </a:ext>
-          </a:extLst>
-        </p:spPr>
-      </p:pic>
+          </p:cNvPr>
+          <p:cNvSpPr>
+            <a:spLocks noGrp="1"/>
+          </p:cNvSpPr>
+          <p:nvPr>
+            <p:ph idx="1"/>
+          </p:nvPr>
+        </p:nvSpPr>
+        <p:spPr/>
+        <p:txBody>
+          <a:bodyPr/>
+          <a:lstStyle/>
+          <a:p>
+            <a:pPr marL="0" indent="0">
+              <a:buNone/>
+            </a:pPr>
+            <a:r>
+              <a:rPr lang="en-US" dirty="0"/>
+              <a:t>Common errors with while loops:</a:t>
+            </a:r>
+          </a:p>
+          <a:p>
+            <a:pPr lvl="1"/>
+            <a:r>
+              <a:rPr lang="en-US" dirty="0"/>
+              <a:t>Forgetting to update the LCV</a:t>
+            </a:r>
+          </a:p>
+          <a:p>
+            <a:pPr lvl="1"/>
+            <a:r>
+              <a:rPr lang="en-US" dirty="0"/>
+              <a:t>Incorrect loop condition</a:t>
+            </a:r>
+          </a:p>
+          <a:p>
+            <a:pPr lvl="1"/>
+            <a:r>
+              <a:rPr lang="en-US" dirty="0"/>
+              <a:t>Off-by-one errors</a:t>
+            </a:r>
+          </a:p>
+          <a:p>
+            <a:pPr marL="0" indent="0">
+              <a:buNone/>
+            </a:pPr>
+            <a:endParaRPr lang="en-US" dirty="0"/>
+          </a:p>
+          <a:p>
+            <a:pPr marL="0" indent="0">
+              <a:buNone/>
+            </a:pPr>
+            <a:r>
+              <a:rPr lang="en-US" dirty="0"/>
+              <a:t>These can cause </a:t>
+            </a:r>
+            <a:r>
+              <a:rPr lang="en-US" b="1" dirty="0"/>
+              <a:t>infinite loops</a:t>
+            </a:r>
+            <a:r>
+              <a:rPr lang="en-US" dirty="0"/>
+              <a:t> or incorrect output.</a:t>
+            </a:r>
+          </a:p>
+          <a:p>
+            <a:endParaRPr lang="en-IE" dirty="0"/>
+          </a:p>
+        </p:txBody>
+      </p:sp>
     </p:spTree>
     <p:extLst>
       <p:ext uri="{BB962C8B-B14F-4D97-AF65-F5344CB8AC3E}">
-        <p14:creationId xmlns:p14="http://schemas.microsoft.com/office/powerpoint/2010/main" val="1033549871"/>
+        <p14:creationId xmlns:p14="http://schemas.microsoft.com/office/powerpoint/2010/main" val="3677619307"/>
       </p:ext>
     </p:extLst>
   </p:cSld>
   <p:clrMapOvr>
     <a:masterClrMapping/>
   </p:clrMapOvr>
+  <p:timing>
+    <p:tnLst>
+      <p:par>
+        <p:cTn id="1" dur="indefinite" restart="never" nodeType="tmRoot">
+          <p:childTnLst>
+            <p:seq concurrent="1" nextAc="seek">
+              <p:cTn id="2" dur="indefinite" nodeType="mainSeq">
+                <p:childTnLst>
+                  <p:par>
+                    <p:cTn id="3" fill="hold">
+                      <p:stCondLst>
+                        <p:cond delay="indefinite"/>
+                      </p:stCondLst>
+                      <p:childTnLst>
+                        <p:par>
+                          <p:cTn id="4" fill="hold">
+                            <p:stCondLst>
+                              <p:cond delay="0"/>
+                            </p:stCondLst>
+                            <p:childTnLst>
+                              <p:par>
+                                <p:cTn id="5" presetID="2" presetClass="entr" presetSubtype="4" fill="hold" grpId="0" nodeType="clickEffect">
+                                  <p:stCondLst>
+                                    <p:cond delay="0"/>
+                                  </p:stCondLst>
+                                  <p:childTnLst>
+                                    <p:set>
+                                      <p:cBhvr>
+                                        <p:cTn id="6" dur="1" fill="hold">
+                                          <p:stCondLst>
+                                            <p:cond delay="0"/>
+                                          </p:stCondLst>
+                                        </p:cTn>
+                                        <p:tgtEl>
+                                          <p:spTgt spid="3">
+                                            <p:txEl>
+                                              <p:pRg st="0" end="0"/>
+                                            </p:txEl>
+                                          </p:spTgt>
+                                        </p:tgtEl>
+                                        <p:attrNameLst>
+                                          <p:attrName>style.visibility</p:attrName>
+                                        </p:attrNameLst>
+                                      </p:cBhvr>
+                                      <p:to>
+                                        <p:strVal val="visible"/>
+                                      </p:to>
+                                    </p:set>
+                                    <p:anim calcmode="lin" valueType="num">
+                                      <p:cBhvr additive="base">
+                                        <p:cTn id="7" dur="500" fill="hold"/>
+                                        <p:tgtEl>
+                                          <p:spTgt spid="3">
+                                            <p:txEl>
+                                              <p:pRg st="0" end="0"/>
+                                            </p:txEl>
+                                          </p:spTgt>
+                                        </p:tgtEl>
+                                        <p:attrNameLst>
+                                          <p:attrName>ppt_x</p:attrName>
+                                        </p:attrNameLst>
+                                      </p:cBhvr>
+                                      <p:tavLst>
+                                        <p:tav tm="0">
+                                          <p:val>
+                                            <p:strVal val="#ppt_x"/>
+                                          </p:val>
+                                        </p:tav>
+                                        <p:tav tm="100000">
+                                          <p:val>
+                                            <p:strVal val="#ppt_x"/>
+                                          </p:val>
+                                        </p:tav>
+                                      </p:tavLst>
+                                    </p:anim>
+                                    <p:anim calcmode="lin" valueType="num">
+                                      <p:cBhvr additive="base">
+                                        <p:cTn id="8" dur="500" fill="hold"/>
+                                        <p:tgtEl>
+                                          <p:spTgt spid="3">
+                                            <p:txEl>
+                                              <p:pRg st="0" end="0"/>
+                                            </p:txEl>
+                                          </p:spTgt>
+                                        </p:tgtEl>
+                                        <p:attrNameLst>
+                                          <p:attrName>ppt_y</p:attrName>
+                                        </p:attrNameLst>
+                                      </p:cBhvr>
+                                      <p:tavLst>
+                                        <p:tav tm="0">
+                                          <p:val>
+                                            <p:strVal val="1+#ppt_h/2"/>
+                                          </p:val>
+                                        </p:tav>
+                                        <p:tav tm="100000">
+                                          <p:val>
+                                            <p:strVal val="#ppt_y"/>
+                                          </p:val>
+                                        </p:tav>
+                                      </p:tavLst>
+                                    </p:anim>
+                                  </p:childTnLst>
+                                </p:cTn>
+                              </p:par>
+                              <p:par>
+                                <p:cTn id="9" presetID="2" presetClass="entr" presetSubtype="4" fill="hold" grpId="0" nodeType="withEffect">
+                                  <p:stCondLst>
+                                    <p:cond delay="0"/>
+                                  </p:stCondLst>
+                                  <p:childTnLst>
+                                    <p:set>
+                                      <p:cBhvr>
+                                        <p:cTn id="10" dur="1" fill="hold">
+                                          <p:stCondLst>
+                                            <p:cond delay="0"/>
+                                          </p:stCondLst>
+                                        </p:cTn>
+                                        <p:tgtEl>
+                                          <p:spTgt spid="3">
+                                            <p:txEl>
+                                              <p:pRg st="1" end="1"/>
+                                            </p:txEl>
+                                          </p:spTgt>
+                                        </p:tgtEl>
+                                        <p:attrNameLst>
+                                          <p:attrName>style.visibility</p:attrName>
+                                        </p:attrNameLst>
+                                      </p:cBhvr>
+                                      <p:to>
+                                        <p:strVal val="visible"/>
+                                      </p:to>
+                                    </p:set>
+                                    <p:anim calcmode="lin" valueType="num">
+                                      <p:cBhvr additive="base">
+                                        <p:cTn id="11" dur="500" fill="hold"/>
+                                        <p:tgtEl>
+                                          <p:spTgt spid="3">
+                                            <p:txEl>
+                                              <p:pRg st="1" end="1"/>
+                                            </p:txEl>
+                                          </p:spTgt>
+                                        </p:tgtEl>
+                                        <p:attrNameLst>
+                                          <p:attrName>ppt_x</p:attrName>
+                                        </p:attrNameLst>
+                                      </p:cBhvr>
+                                      <p:tavLst>
+                                        <p:tav tm="0">
+                                          <p:val>
+                                            <p:strVal val="#ppt_x"/>
+                                          </p:val>
+                                        </p:tav>
+                                        <p:tav tm="100000">
+                                          <p:val>
+                                            <p:strVal val="#ppt_x"/>
+                                          </p:val>
+                                        </p:tav>
+                                      </p:tavLst>
+                                    </p:anim>
+                                    <p:anim calcmode="lin" valueType="num">
+                                      <p:cBhvr additive="base">
+                                        <p:cTn id="12" dur="500" fill="hold"/>
+                                        <p:tgtEl>
+                                          <p:spTgt spid="3">
+                                            <p:txEl>
+                                              <p:pRg st="1" end="1"/>
+                                            </p:txEl>
+                                          </p:spTgt>
+                                        </p:tgtEl>
+                                        <p:attrNameLst>
+                                          <p:attrName>ppt_y</p:attrName>
+                                        </p:attrNameLst>
+                                      </p:cBhvr>
+                                      <p:tavLst>
+                                        <p:tav tm="0">
+                                          <p:val>
+                                            <p:strVal val="1+#ppt_h/2"/>
+                                          </p:val>
+                                        </p:tav>
+                                        <p:tav tm="100000">
+                                          <p:val>
+                                            <p:strVal val="#ppt_y"/>
+                                          </p:val>
+                                        </p:tav>
+                                      </p:tavLst>
+                                    </p:anim>
+                                  </p:childTnLst>
+                                </p:cTn>
+                              </p:par>
+                              <p:par>
+                                <p:cTn id="13" presetID="2" presetClass="entr" presetSubtype="4" fill="hold" grpId="0" nodeType="withEffect">
+                                  <p:stCondLst>
+                                    <p:cond delay="0"/>
+                                  </p:stCondLst>
+                                  <p:childTnLst>
+                                    <p:set>
+                                      <p:cBhvr>
+                                        <p:cTn id="14" dur="1" fill="hold">
+                                          <p:stCondLst>
+                                            <p:cond delay="0"/>
+                                          </p:stCondLst>
+                                        </p:cTn>
+                                        <p:tgtEl>
+                                          <p:spTgt spid="3">
+                                            <p:txEl>
+                                              <p:pRg st="2" end="2"/>
+                                            </p:txEl>
+                                          </p:spTgt>
+                                        </p:tgtEl>
+                                        <p:attrNameLst>
+                                          <p:attrName>style.visibility</p:attrName>
+                                        </p:attrNameLst>
+                                      </p:cBhvr>
+                                      <p:to>
+                                        <p:strVal val="visible"/>
+                                      </p:to>
+                                    </p:set>
+                                    <p:anim calcmode="lin" valueType="num">
+                                      <p:cBhvr additive="base">
+                                        <p:cTn id="15" dur="500" fill="hold"/>
+                                        <p:tgtEl>
+                                          <p:spTgt spid="3">
+                                            <p:txEl>
+                                              <p:pRg st="2" end="2"/>
+                                            </p:txEl>
+                                          </p:spTgt>
+                                        </p:tgtEl>
+                                        <p:attrNameLst>
+                                          <p:attrName>ppt_x</p:attrName>
+                                        </p:attrNameLst>
+                                      </p:cBhvr>
+                                      <p:tavLst>
+                                        <p:tav tm="0">
+                                          <p:val>
+                                            <p:strVal val="#ppt_x"/>
+                                          </p:val>
+                                        </p:tav>
+                                        <p:tav tm="100000">
+                                          <p:val>
+                                            <p:strVal val="#ppt_x"/>
+                                          </p:val>
+                                        </p:tav>
+                                      </p:tavLst>
+                                    </p:anim>
+                                    <p:anim calcmode="lin" valueType="num">
+                                      <p:cBhvr additive="base">
+                                        <p:cTn id="16" dur="500" fill="hold"/>
+                                        <p:tgtEl>
+                                          <p:spTgt spid="3">
+                                            <p:txEl>
+                                              <p:pRg st="2" end="2"/>
+                                            </p:txEl>
+                                          </p:spTgt>
+                                        </p:tgtEl>
+                                        <p:attrNameLst>
+                                          <p:attrName>ppt_y</p:attrName>
+                                        </p:attrNameLst>
+                                      </p:cBhvr>
+                                      <p:tavLst>
+                                        <p:tav tm="0">
+                                          <p:val>
+                                            <p:strVal val="1+#ppt_h/2"/>
+                                          </p:val>
+                                        </p:tav>
+                                        <p:tav tm="100000">
+                                          <p:val>
+                                            <p:strVal val="#ppt_y"/>
+                                          </p:val>
+                                        </p:tav>
+                                      </p:tavLst>
+                                    </p:anim>
+                                  </p:childTnLst>
+                                </p:cTn>
+                              </p:par>
+                              <p:par>
+                                <p:cTn id="17" presetID="2" presetClass="entr" presetSubtype="4" fill="hold" grpId="0" nodeType="withEffect">
+                                  <p:stCondLst>
+                                    <p:cond delay="0"/>
+                                  </p:stCondLst>
+                                  <p:childTnLst>
+                                    <p:set>
+                                      <p:cBhvr>
+                                        <p:cTn id="18" dur="1" fill="hold">
+                                          <p:stCondLst>
+                                            <p:cond delay="0"/>
+                                          </p:stCondLst>
+                                        </p:cTn>
+                                        <p:tgtEl>
+                                          <p:spTgt spid="3">
+                                            <p:txEl>
+                                              <p:pRg st="3" end="3"/>
+                                            </p:txEl>
+                                          </p:spTgt>
+                                        </p:tgtEl>
+                                        <p:attrNameLst>
+                                          <p:attrName>style.visibility</p:attrName>
+                                        </p:attrNameLst>
+                                      </p:cBhvr>
+                                      <p:to>
+                                        <p:strVal val="visible"/>
+                                      </p:to>
+                                    </p:set>
+                                    <p:anim calcmode="lin" valueType="num">
+                                      <p:cBhvr additive="base">
+                                        <p:cTn id="19" dur="500" fill="hold"/>
+                                        <p:tgtEl>
+                                          <p:spTgt spid="3">
+                                            <p:txEl>
+                                              <p:pRg st="3" end="3"/>
+                                            </p:txEl>
+                                          </p:spTgt>
+                                        </p:tgtEl>
+                                        <p:attrNameLst>
+                                          <p:attrName>ppt_x</p:attrName>
+                                        </p:attrNameLst>
+                                      </p:cBhvr>
+                                      <p:tavLst>
+                                        <p:tav tm="0">
+                                          <p:val>
+                                            <p:strVal val="#ppt_x"/>
+                                          </p:val>
+                                        </p:tav>
+                                        <p:tav tm="100000">
+                                          <p:val>
+                                            <p:strVal val="#ppt_x"/>
+                                          </p:val>
+                                        </p:tav>
+                                      </p:tavLst>
+                                    </p:anim>
+                                    <p:anim calcmode="lin" valueType="num">
+                                      <p:cBhvr additive="base">
+                                        <p:cTn id="20" dur="500" fill="hold"/>
+                                        <p:tgtEl>
+                                          <p:spTgt spid="3">
+                                            <p:txEl>
+                                              <p:pRg st="3" end="3"/>
+                                            </p:txEl>
+                                          </p:spTgt>
+                                        </p:tgtEl>
+                                        <p:attrNameLst>
+                                          <p:attrName>ppt_y</p:attrName>
+                                        </p:attrNameLst>
+                                      </p:cBhvr>
+                                      <p:tavLst>
+                                        <p:tav tm="0">
+                                          <p:val>
+                                            <p:strVal val="1+#ppt_h/2"/>
+                                          </p:val>
+                                        </p:tav>
+                                        <p:tav tm="100000">
+                                          <p:val>
+                                            <p:strVal val="#ppt_y"/>
+                                          </p:val>
+                                        </p:tav>
+                                      </p:tavLst>
+                                    </p:anim>
+                                  </p:childTnLst>
+                                </p:cTn>
+                              </p:par>
+                            </p:childTnLst>
+                          </p:cTn>
+                        </p:par>
+                      </p:childTnLst>
+                    </p:cTn>
+                  </p:par>
+                  <p:par>
+                    <p:cTn id="21" fill="hold">
+                      <p:stCondLst>
+                        <p:cond delay="indefinite"/>
+                      </p:stCondLst>
+                      <p:childTnLst>
+                        <p:par>
+                          <p:cTn id="22" fill="hold">
+                            <p:stCondLst>
+                              <p:cond delay="0"/>
+                            </p:stCondLst>
+                            <p:childTnLst>
+                              <p:par>
+                                <p:cTn id="23" presetID="2" presetClass="entr" presetSubtype="4" fill="hold" grpId="0" nodeType="clickEffect">
+                                  <p:stCondLst>
+                                    <p:cond delay="0"/>
+                                  </p:stCondLst>
+                                  <p:childTnLst>
+                                    <p:set>
+                                      <p:cBhvr>
+                                        <p:cTn id="24" dur="1" fill="hold">
+                                          <p:stCondLst>
+                                            <p:cond delay="0"/>
+                                          </p:stCondLst>
+                                        </p:cTn>
+                                        <p:tgtEl>
+                                          <p:spTgt spid="3">
+                                            <p:txEl>
+                                              <p:pRg st="5" end="5"/>
+                                            </p:txEl>
+                                          </p:spTgt>
+                                        </p:tgtEl>
+                                        <p:attrNameLst>
+                                          <p:attrName>style.visibility</p:attrName>
+                                        </p:attrNameLst>
+                                      </p:cBhvr>
+                                      <p:to>
+                                        <p:strVal val="visible"/>
+                                      </p:to>
+                                    </p:set>
+                                    <p:anim calcmode="lin" valueType="num">
+                                      <p:cBhvr additive="base">
+                                        <p:cTn id="25" dur="500" fill="hold"/>
+                                        <p:tgtEl>
+                                          <p:spTgt spid="3">
+                                            <p:txEl>
+                                              <p:pRg st="5" end="5"/>
+                                            </p:txEl>
+                                          </p:spTgt>
+                                        </p:tgtEl>
+                                        <p:attrNameLst>
+                                          <p:attrName>ppt_x</p:attrName>
+                                        </p:attrNameLst>
+                                      </p:cBhvr>
+                                      <p:tavLst>
+                                        <p:tav tm="0">
+                                          <p:val>
+                                            <p:strVal val="#ppt_x"/>
+                                          </p:val>
+                                        </p:tav>
+                                        <p:tav tm="100000">
+                                          <p:val>
+                                            <p:strVal val="#ppt_x"/>
+                                          </p:val>
+                                        </p:tav>
+                                      </p:tavLst>
+                                    </p:anim>
+                                    <p:anim calcmode="lin" valueType="num">
+                                      <p:cBhvr additive="base">
+                                        <p:cTn id="26" dur="500" fill="hold"/>
+                                        <p:tgtEl>
+                                          <p:spTgt spid="3">
+                                            <p:txEl>
+                                              <p:pRg st="5" end="5"/>
+                                            </p:txEl>
+                                          </p:spTgt>
+                                        </p:tgtEl>
+                                        <p:attrNameLst>
+                                          <p:attrName>ppt_y</p:attrName>
+                                        </p:attrNameLst>
+                                      </p:cBhvr>
+                                      <p:tavLst>
+                                        <p:tav tm="0">
+                                          <p:val>
+                                            <p:strVal val="1+#ppt_h/2"/>
+                                          </p:val>
+                                        </p:tav>
+                                        <p:tav tm="100000">
+                                          <p:val>
+                                            <p:strVal val="#ppt_y"/>
+                                          </p:val>
+                                        </p:tav>
+                                      </p:tavLst>
+                                    </p:anim>
+                                  </p:childTnLst>
+                                </p:cTn>
+                              </p:par>
+                            </p:childTnLst>
+                          </p:cTn>
+                        </p:par>
+                      </p:childTnLst>
+                    </p:cTn>
+                  </p:par>
+                </p:childTnLst>
+              </p:cTn>
+              <p:prevCondLst>
+                <p:cond evt="onPrev" delay="0">
+                  <p:tgtEl>
+                    <p:sldTgt/>
+                  </p:tgtEl>
+                </p:cond>
+              </p:prevCondLst>
+              <p:nextCondLst>
+                <p:cond evt="onNext" delay="0">
+                  <p:tgtEl>
+                    <p:sldTgt/>
+                  </p:tgtEl>
+                </p:cond>
+              </p:nextCondLst>
+            </p:seq>
+          </p:childTnLst>
+        </p:cTn>
+      </p:par>
+    </p:tnLst>
+    <p:bldLst>
+      <p:bldP spid="3" grpId="0" build="p"/>
+    </p:bldLst>
+  </p:timing>
 </p:sld>
 </file>
 
@@ -13053,7 +13572,119 @@
 </p:sld>
 </file>
 
-<file path=ppt/slides/slide3.xml><?xml version="1.0" encoding="utf-8"?>
+<file path=ppt/slides/slide20.xml><?xml version="1.0" encoding="utf-8"?>
+<p:sld xmlns:a="http://schemas.openxmlformats.org/drawingml/2006/main" xmlns:r="http://schemas.openxmlformats.org/officeDocument/2006/relationships" xmlns:p="http://schemas.openxmlformats.org/presentationml/2006/main">
+  <p:cSld>
+    <p:spTree>
+      <p:nvGrpSpPr>
+        <p:cNvPr id="1" name=""/>
+        <p:cNvGrpSpPr/>
+        <p:nvPr/>
+      </p:nvGrpSpPr>
+      <p:grpSpPr>
+        <a:xfrm>
+          <a:off x="0" y="0"/>
+          <a:ext cx="0" cy="0"/>
+          <a:chOff x="0" y="0"/>
+          <a:chExt cx="0" cy="0"/>
+        </a:xfrm>
+      </p:grpSpPr>
+      <p:sp>
+        <p:nvSpPr>
+          <p:cNvPr id="2" name="Title 1"/>
+          <p:cNvSpPr>
+            <a:spLocks noGrp="1"/>
+          </p:cNvSpPr>
+          <p:nvPr>
+            <p:ph type="title"/>
+          </p:nvPr>
+        </p:nvSpPr>
+        <p:spPr/>
+        <p:txBody>
+          <a:bodyPr>
+            <a:normAutofit/>
+          </a:bodyPr>
+          <a:lstStyle/>
+          <a:p>
+            <a:pPr algn="ctr"/>
+            <a:r>
+              <a:rPr lang="en-IE" dirty="0"/>
+              <a:t>Some Study Exercises </a:t>
+            </a:r>
+          </a:p>
+        </p:txBody>
+      </p:sp>
+      <p:sp>
+        <p:nvSpPr>
+          <p:cNvPr id="3" name="Content Placeholder 2"/>
+          <p:cNvSpPr>
+            <a:spLocks noGrp="1"/>
+          </p:cNvSpPr>
+          <p:nvPr>
+            <p:ph idx="1"/>
+          </p:nvPr>
+        </p:nvSpPr>
+        <p:spPr>
+          <a:xfrm>
+            <a:off x="1981200" y="1951038"/>
+            <a:ext cx="8229600" cy="4525963"/>
+          </a:xfrm>
+        </p:spPr>
+        <p:txBody>
+          <a:bodyPr/>
+          <a:lstStyle/>
+          <a:p>
+            <a:pPr marL="514350" indent="-514350">
+              <a:buFont typeface="+mj-lt"/>
+              <a:buAutoNum type="arabicPeriod"/>
+            </a:pPr>
+            <a:r>
+              <a:rPr lang="en-IE" dirty="0"/>
+              <a:t>Change the code so that “Hello World” is printed out 10 times. </a:t>
+            </a:r>
+          </a:p>
+          <a:p>
+            <a:pPr marL="514350" indent="-514350">
+              <a:buFont typeface="+mj-lt"/>
+              <a:buAutoNum type="arabicPeriod"/>
+            </a:pPr>
+            <a:r>
+              <a:rPr lang="en-IE" dirty="0"/>
+              <a:t>Change the code so that the numbers from 1 to 10 (inclusive) are printed out, one line at a time.</a:t>
+            </a:r>
+          </a:p>
+          <a:p>
+            <a:pPr marL="514350" indent="-514350">
+              <a:buFont typeface="+mj-lt"/>
+              <a:buAutoNum type="arabicPeriod"/>
+            </a:pPr>
+            <a:r>
+              <a:rPr lang="en-IE" dirty="0"/>
+              <a:t>Change the code so that the numbers from 10 to 1 are printed out. </a:t>
+            </a:r>
+          </a:p>
+          <a:p>
+            <a:pPr marL="0" indent="0">
+              <a:buNone/>
+            </a:pPr>
+            <a:endParaRPr lang="en-IE" dirty="0"/>
+          </a:p>
+        </p:txBody>
+      </p:sp>
+    </p:spTree>
+    <p:extLst>
+      <p:ext uri="{BB962C8B-B14F-4D97-AF65-F5344CB8AC3E}">
+        <p14:creationId xmlns:p14="http://schemas.microsoft.com/office/powerpoint/2010/main" val="518944495"/>
+      </p:ext>
+    </p:extLst>
+  </p:cSld>
+  <p:clrMapOvr>
+    <a:masterClrMapping/>
+  </p:clrMapOvr>
+</p:sld>
+</file>
+
+<file path=ppt/slides/slide21.xml><?xml version="1.0" encoding="utf-8"?>
 <p:sld xmlns:a="http://schemas.openxmlformats.org/drawingml/2006/main" xmlns:r="http://schemas.openxmlformats.org/officeDocument/2006/relationships" xmlns:p="http://schemas.openxmlformats.org/presentationml/2006/main">
   <p:cSld>
     <p:spTree>
@@ -13087,6 +13718,837 @@
           <a:p>
             <a:r>
               <a:rPr lang="en-IE" dirty="0"/>
+              <a:t>Questions?</a:t>
+            </a:r>
+          </a:p>
+        </p:txBody>
+      </p:sp>
+      <p:pic>
+        <p:nvPicPr>
+          <p:cNvPr id="3" name="Picture 2" descr="A green question mark in a circle&#10;&#10;AI-generated content may be incorrect.">
+            <a:extLst>
+              <a:ext uri="{FF2B5EF4-FFF2-40B4-BE49-F238E27FC236}">
+                <a16:creationId xmlns:a16="http://schemas.microsoft.com/office/drawing/2014/main" id="{91A0A0B9-B4CE-CC60-C12B-9ED9D1A1EDB1}"/>
+              </a:ext>
+            </a:extLst>
+          </p:cNvPr>
+          <p:cNvPicPr>
+            <a:picLocks noChangeAspect="1"/>
+          </p:cNvPicPr>
+          <p:nvPr/>
+        </p:nvPicPr>
+        <p:blipFill>
+          <a:blip r:embed="rId2">
+            <a:extLst>
+              <a:ext uri="{28A0092B-C50C-407E-A947-70E740481C1C}">
+                <a14:useLocalDpi xmlns:a14="http://schemas.microsoft.com/office/drawing/2010/main" val="0"/>
+              </a:ext>
+            </a:extLst>
+          </a:blip>
+          <a:stretch>
+            <a:fillRect/>
+          </a:stretch>
+        </p:blipFill>
+        <p:spPr>
+          <a:xfrm>
+            <a:off x="2971800" y="1325562"/>
+            <a:ext cx="5257800" cy="5257800"/>
+          </a:xfrm>
+          <a:prstGeom prst="rect">
+            <a:avLst/>
+          </a:prstGeom>
+        </p:spPr>
+      </p:pic>
+    </p:spTree>
+    <p:extLst>
+      <p:ext uri="{BB962C8B-B14F-4D97-AF65-F5344CB8AC3E}">
+        <p14:creationId xmlns:p14="http://schemas.microsoft.com/office/powerpoint/2010/main" val="1033549871"/>
+      </p:ext>
+    </p:extLst>
+  </p:cSld>
+  <p:clrMapOvr>
+    <a:masterClrMapping/>
+  </p:clrMapOvr>
+</p:sld>
+</file>
+
+<file path=ppt/slides/slide3.xml><?xml version="1.0" encoding="utf-8"?>
+<p:sld xmlns:a="http://schemas.openxmlformats.org/drawingml/2006/main" xmlns:r="http://schemas.openxmlformats.org/officeDocument/2006/relationships" xmlns:p="http://schemas.openxmlformats.org/presentationml/2006/main">
+  <p:cSld>
+    <p:spTree>
+      <p:nvGrpSpPr>
+        <p:cNvPr id="1" name=""/>
+        <p:cNvGrpSpPr/>
+        <p:nvPr/>
+      </p:nvGrpSpPr>
+      <p:grpSpPr>
+        <a:xfrm>
+          <a:off x="0" y="0"/>
+          <a:ext cx="0" cy="0"/>
+          <a:chOff x="0" y="0"/>
+          <a:chExt cx="0" cy="0"/>
+        </a:xfrm>
+      </p:grpSpPr>
+      <p:sp>
+        <p:nvSpPr>
+          <p:cNvPr id="2" name="Title 1">
+            <a:extLst>
+              <a:ext uri="{FF2B5EF4-FFF2-40B4-BE49-F238E27FC236}">
+                <a16:creationId xmlns:a16="http://schemas.microsoft.com/office/drawing/2014/main" id="{2EA52438-E4A2-360E-2825-700C2D353B27}"/>
+              </a:ext>
+            </a:extLst>
+          </p:cNvPr>
+          <p:cNvSpPr>
+            <a:spLocks noGrp="1"/>
+          </p:cNvSpPr>
+          <p:nvPr>
+            <p:ph type="title"/>
+          </p:nvPr>
+        </p:nvSpPr>
+        <p:spPr/>
+        <p:txBody>
+          <a:bodyPr/>
+          <a:lstStyle/>
+          <a:p>
+            <a:r>
+              <a:rPr lang="en-IE" dirty="0"/>
+              <a:t>What Is Iteration?</a:t>
+            </a:r>
+          </a:p>
+        </p:txBody>
+      </p:sp>
+      <p:sp>
+        <p:nvSpPr>
+          <p:cNvPr id="3" name="Content Placeholder 2">
+            <a:extLst>
+              <a:ext uri="{FF2B5EF4-FFF2-40B4-BE49-F238E27FC236}">
+                <a16:creationId xmlns:a16="http://schemas.microsoft.com/office/drawing/2014/main" id="{E9D96442-0ACC-0C94-D083-9BED9641C391}"/>
+              </a:ext>
+            </a:extLst>
+          </p:cNvPr>
+          <p:cNvSpPr>
+            <a:spLocks noGrp="1"/>
+          </p:cNvSpPr>
+          <p:nvPr>
+            <p:ph idx="1"/>
+          </p:nvPr>
+        </p:nvSpPr>
+        <p:spPr/>
+        <p:txBody>
+          <a:bodyPr/>
+          <a:lstStyle/>
+          <a:p>
+            <a:pPr marL="0" indent="0">
+              <a:buNone/>
+            </a:pPr>
+            <a:r>
+              <a:rPr lang="en-US" b="1" dirty="0"/>
+              <a:t>Iteration</a:t>
+            </a:r>
+            <a:r>
+              <a:rPr lang="en-US" dirty="0"/>
+              <a:t> means repeating a set of instructions.</a:t>
+            </a:r>
+          </a:p>
+          <a:p>
+            <a:pPr marL="0" indent="0">
+              <a:buNone/>
+            </a:pPr>
+            <a:r>
+              <a:rPr lang="en-US" dirty="0"/>
+              <a:t>Computers are very good at repetition.</a:t>
+            </a:r>
+          </a:p>
+          <a:p>
+            <a:pPr marL="0" indent="0">
+              <a:buNone/>
+            </a:pPr>
+            <a:endParaRPr lang="en-US" dirty="0"/>
+          </a:p>
+          <a:p>
+            <a:pPr marL="0" indent="0">
+              <a:buNone/>
+            </a:pPr>
+            <a:r>
+              <a:rPr lang="en-US" dirty="0"/>
+              <a:t>Example:</a:t>
+            </a:r>
+          </a:p>
+          <a:p>
+            <a:pPr lvl="1"/>
+            <a:r>
+              <a:rPr lang="en-US" dirty="0"/>
+              <a:t>Calculate pay for 1,000 employees</a:t>
+            </a:r>
+          </a:p>
+          <a:p>
+            <a:pPr lvl="1"/>
+            <a:r>
+              <a:rPr lang="en-US" dirty="0"/>
+              <a:t>Same algorithm, repeated many times</a:t>
+            </a:r>
+          </a:p>
+          <a:p>
+            <a:pPr lvl="1"/>
+            <a:r>
+              <a:rPr lang="en-US" dirty="0"/>
+              <a:t>We use </a:t>
+            </a:r>
+            <a:r>
+              <a:rPr lang="en-US" b="1" dirty="0"/>
+              <a:t>loops</a:t>
+            </a:r>
+            <a:r>
+              <a:rPr lang="en-US" dirty="0"/>
+              <a:t> instead of rewriting code.</a:t>
+            </a:r>
+          </a:p>
+        </p:txBody>
+      </p:sp>
+    </p:spTree>
+    <p:extLst>
+      <p:ext uri="{BB962C8B-B14F-4D97-AF65-F5344CB8AC3E}">
+        <p14:creationId xmlns:p14="http://schemas.microsoft.com/office/powerpoint/2010/main" val="3855572513"/>
+      </p:ext>
+    </p:extLst>
+  </p:cSld>
+  <p:clrMapOvr>
+    <a:masterClrMapping/>
+  </p:clrMapOvr>
+  <p:timing>
+    <p:tnLst>
+      <p:par>
+        <p:cTn id="1" dur="indefinite" restart="never" nodeType="tmRoot">
+          <p:childTnLst>
+            <p:seq concurrent="1" nextAc="seek">
+              <p:cTn id="2" dur="indefinite" nodeType="mainSeq">
+                <p:childTnLst>
+                  <p:par>
+                    <p:cTn id="3" fill="hold">
+                      <p:stCondLst>
+                        <p:cond delay="indefinite"/>
+                      </p:stCondLst>
+                      <p:childTnLst>
+                        <p:par>
+                          <p:cTn id="4" fill="hold">
+                            <p:stCondLst>
+                              <p:cond delay="0"/>
+                            </p:stCondLst>
+                            <p:childTnLst>
+                              <p:par>
+                                <p:cTn id="5" presetID="2" presetClass="entr" presetSubtype="4" fill="hold" grpId="0" nodeType="clickEffect">
+                                  <p:stCondLst>
+                                    <p:cond delay="0"/>
+                                  </p:stCondLst>
+                                  <p:childTnLst>
+                                    <p:set>
+                                      <p:cBhvr>
+                                        <p:cTn id="6" dur="1" fill="hold">
+                                          <p:stCondLst>
+                                            <p:cond delay="0"/>
+                                          </p:stCondLst>
+                                        </p:cTn>
+                                        <p:tgtEl>
+                                          <p:spTgt spid="3">
+                                            <p:txEl>
+                                              <p:pRg st="0" end="0"/>
+                                            </p:txEl>
+                                          </p:spTgt>
+                                        </p:tgtEl>
+                                        <p:attrNameLst>
+                                          <p:attrName>style.visibility</p:attrName>
+                                        </p:attrNameLst>
+                                      </p:cBhvr>
+                                      <p:to>
+                                        <p:strVal val="visible"/>
+                                      </p:to>
+                                    </p:set>
+                                    <p:anim calcmode="lin" valueType="num">
+                                      <p:cBhvr additive="base">
+                                        <p:cTn id="7" dur="500" fill="hold"/>
+                                        <p:tgtEl>
+                                          <p:spTgt spid="3">
+                                            <p:txEl>
+                                              <p:pRg st="0" end="0"/>
+                                            </p:txEl>
+                                          </p:spTgt>
+                                        </p:tgtEl>
+                                        <p:attrNameLst>
+                                          <p:attrName>ppt_x</p:attrName>
+                                        </p:attrNameLst>
+                                      </p:cBhvr>
+                                      <p:tavLst>
+                                        <p:tav tm="0">
+                                          <p:val>
+                                            <p:strVal val="#ppt_x"/>
+                                          </p:val>
+                                        </p:tav>
+                                        <p:tav tm="100000">
+                                          <p:val>
+                                            <p:strVal val="#ppt_x"/>
+                                          </p:val>
+                                        </p:tav>
+                                      </p:tavLst>
+                                    </p:anim>
+                                    <p:anim calcmode="lin" valueType="num">
+                                      <p:cBhvr additive="base">
+                                        <p:cTn id="8" dur="500" fill="hold"/>
+                                        <p:tgtEl>
+                                          <p:spTgt spid="3">
+                                            <p:txEl>
+                                              <p:pRg st="0" end="0"/>
+                                            </p:txEl>
+                                          </p:spTgt>
+                                        </p:tgtEl>
+                                        <p:attrNameLst>
+                                          <p:attrName>ppt_y</p:attrName>
+                                        </p:attrNameLst>
+                                      </p:cBhvr>
+                                      <p:tavLst>
+                                        <p:tav tm="0">
+                                          <p:val>
+                                            <p:strVal val="1+#ppt_h/2"/>
+                                          </p:val>
+                                        </p:tav>
+                                        <p:tav tm="100000">
+                                          <p:val>
+                                            <p:strVal val="#ppt_y"/>
+                                          </p:val>
+                                        </p:tav>
+                                      </p:tavLst>
+                                    </p:anim>
+                                  </p:childTnLst>
+                                </p:cTn>
+                              </p:par>
+                            </p:childTnLst>
+                          </p:cTn>
+                        </p:par>
+                      </p:childTnLst>
+                    </p:cTn>
+                  </p:par>
+                  <p:par>
+                    <p:cTn id="9" fill="hold">
+                      <p:stCondLst>
+                        <p:cond delay="indefinite"/>
+                      </p:stCondLst>
+                      <p:childTnLst>
+                        <p:par>
+                          <p:cTn id="10" fill="hold">
+                            <p:stCondLst>
+                              <p:cond delay="0"/>
+                            </p:stCondLst>
+                            <p:childTnLst>
+                              <p:par>
+                                <p:cTn id="11" presetID="2" presetClass="entr" presetSubtype="4" fill="hold" grpId="0" nodeType="clickEffect">
+                                  <p:stCondLst>
+                                    <p:cond delay="0"/>
+                                  </p:stCondLst>
+                                  <p:childTnLst>
+                                    <p:set>
+                                      <p:cBhvr>
+                                        <p:cTn id="12" dur="1" fill="hold">
+                                          <p:stCondLst>
+                                            <p:cond delay="0"/>
+                                          </p:stCondLst>
+                                        </p:cTn>
+                                        <p:tgtEl>
+                                          <p:spTgt spid="3">
+                                            <p:txEl>
+                                              <p:pRg st="1" end="1"/>
+                                            </p:txEl>
+                                          </p:spTgt>
+                                        </p:tgtEl>
+                                        <p:attrNameLst>
+                                          <p:attrName>style.visibility</p:attrName>
+                                        </p:attrNameLst>
+                                      </p:cBhvr>
+                                      <p:to>
+                                        <p:strVal val="visible"/>
+                                      </p:to>
+                                    </p:set>
+                                    <p:anim calcmode="lin" valueType="num">
+                                      <p:cBhvr additive="base">
+                                        <p:cTn id="13" dur="500" fill="hold"/>
+                                        <p:tgtEl>
+                                          <p:spTgt spid="3">
+                                            <p:txEl>
+                                              <p:pRg st="1" end="1"/>
+                                            </p:txEl>
+                                          </p:spTgt>
+                                        </p:tgtEl>
+                                        <p:attrNameLst>
+                                          <p:attrName>ppt_x</p:attrName>
+                                        </p:attrNameLst>
+                                      </p:cBhvr>
+                                      <p:tavLst>
+                                        <p:tav tm="0">
+                                          <p:val>
+                                            <p:strVal val="#ppt_x"/>
+                                          </p:val>
+                                        </p:tav>
+                                        <p:tav tm="100000">
+                                          <p:val>
+                                            <p:strVal val="#ppt_x"/>
+                                          </p:val>
+                                        </p:tav>
+                                      </p:tavLst>
+                                    </p:anim>
+                                    <p:anim calcmode="lin" valueType="num">
+                                      <p:cBhvr additive="base">
+                                        <p:cTn id="14" dur="500" fill="hold"/>
+                                        <p:tgtEl>
+                                          <p:spTgt spid="3">
+                                            <p:txEl>
+                                              <p:pRg st="1" end="1"/>
+                                            </p:txEl>
+                                          </p:spTgt>
+                                        </p:tgtEl>
+                                        <p:attrNameLst>
+                                          <p:attrName>ppt_y</p:attrName>
+                                        </p:attrNameLst>
+                                      </p:cBhvr>
+                                      <p:tavLst>
+                                        <p:tav tm="0">
+                                          <p:val>
+                                            <p:strVal val="1+#ppt_h/2"/>
+                                          </p:val>
+                                        </p:tav>
+                                        <p:tav tm="100000">
+                                          <p:val>
+                                            <p:strVal val="#ppt_y"/>
+                                          </p:val>
+                                        </p:tav>
+                                      </p:tavLst>
+                                    </p:anim>
+                                  </p:childTnLst>
+                                </p:cTn>
+                              </p:par>
+                            </p:childTnLst>
+                          </p:cTn>
+                        </p:par>
+                      </p:childTnLst>
+                    </p:cTn>
+                  </p:par>
+                  <p:par>
+                    <p:cTn id="15" fill="hold">
+                      <p:stCondLst>
+                        <p:cond delay="indefinite"/>
+                      </p:stCondLst>
+                      <p:childTnLst>
+                        <p:par>
+                          <p:cTn id="16" fill="hold">
+                            <p:stCondLst>
+                              <p:cond delay="0"/>
+                            </p:stCondLst>
+                            <p:childTnLst>
+                              <p:par>
+                                <p:cTn id="17" presetID="2" presetClass="entr" presetSubtype="4" fill="hold" grpId="0" nodeType="clickEffect">
+                                  <p:stCondLst>
+                                    <p:cond delay="0"/>
+                                  </p:stCondLst>
+                                  <p:childTnLst>
+                                    <p:set>
+                                      <p:cBhvr>
+                                        <p:cTn id="18" dur="1" fill="hold">
+                                          <p:stCondLst>
+                                            <p:cond delay="0"/>
+                                          </p:stCondLst>
+                                        </p:cTn>
+                                        <p:tgtEl>
+                                          <p:spTgt spid="3">
+                                            <p:txEl>
+                                              <p:pRg st="3" end="3"/>
+                                            </p:txEl>
+                                          </p:spTgt>
+                                        </p:tgtEl>
+                                        <p:attrNameLst>
+                                          <p:attrName>style.visibility</p:attrName>
+                                        </p:attrNameLst>
+                                      </p:cBhvr>
+                                      <p:to>
+                                        <p:strVal val="visible"/>
+                                      </p:to>
+                                    </p:set>
+                                    <p:anim calcmode="lin" valueType="num">
+                                      <p:cBhvr additive="base">
+                                        <p:cTn id="19" dur="500" fill="hold"/>
+                                        <p:tgtEl>
+                                          <p:spTgt spid="3">
+                                            <p:txEl>
+                                              <p:pRg st="3" end="3"/>
+                                            </p:txEl>
+                                          </p:spTgt>
+                                        </p:tgtEl>
+                                        <p:attrNameLst>
+                                          <p:attrName>ppt_x</p:attrName>
+                                        </p:attrNameLst>
+                                      </p:cBhvr>
+                                      <p:tavLst>
+                                        <p:tav tm="0">
+                                          <p:val>
+                                            <p:strVal val="#ppt_x"/>
+                                          </p:val>
+                                        </p:tav>
+                                        <p:tav tm="100000">
+                                          <p:val>
+                                            <p:strVal val="#ppt_x"/>
+                                          </p:val>
+                                        </p:tav>
+                                      </p:tavLst>
+                                    </p:anim>
+                                    <p:anim calcmode="lin" valueType="num">
+                                      <p:cBhvr additive="base">
+                                        <p:cTn id="20" dur="500" fill="hold"/>
+                                        <p:tgtEl>
+                                          <p:spTgt spid="3">
+                                            <p:txEl>
+                                              <p:pRg st="3" end="3"/>
+                                            </p:txEl>
+                                          </p:spTgt>
+                                        </p:tgtEl>
+                                        <p:attrNameLst>
+                                          <p:attrName>ppt_y</p:attrName>
+                                        </p:attrNameLst>
+                                      </p:cBhvr>
+                                      <p:tavLst>
+                                        <p:tav tm="0">
+                                          <p:val>
+                                            <p:strVal val="1+#ppt_h/2"/>
+                                          </p:val>
+                                        </p:tav>
+                                        <p:tav tm="100000">
+                                          <p:val>
+                                            <p:strVal val="#ppt_y"/>
+                                          </p:val>
+                                        </p:tav>
+                                      </p:tavLst>
+                                    </p:anim>
+                                  </p:childTnLst>
+                                </p:cTn>
+                              </p:par>
+                              <p:par>
+                                <p:cTn id="21" presetID="2" presetClass="entr" presetSubtype="4" fill="hold" grpId="0" nodeType="withEffect">
+                                  <p:stCondLst>
+                                    <p:cond delay="0"/>
+                                  </p:stCondLst>
+                                  <p:childTnLst>
+                                    <p:set>
+                                      <p:cBhvr>
+                                        <p:cTn id="22" dur="1" fill="hold">
+                                          <p:stCondLst>
+                                            <p:cond delay="0"/>
+                                          </p:stCondLst>
+                                        </p:cTn>
+                                        <p:tgtEl>
+                                          <p:spTgt spid="3">
+                                            <p:txEl>
+                                              <p:pRg st="4" end="4"/>
+                                            </p:txEl>
+                                          </p:spTgt>
+                                        </p:tgtEl>
+                                        <p:attrNameLst>
+                                          <p:attrName>style.visibility</p:attrName>
+                                        </p:attrNameLst>
+                                      </p:cBhvr>
+                                      <p:to>
+                                        <p:strVal val="visible"/>
+                                      </p:to>
+                                    </p:set>
+                                    <p:anim calcmode="lin" valueType="num">
+                                      <p:cBhvr additive="base">
+                                        <p:cTn id="23" dur="500" fill="hold"/>
+                                        <p:tgtEl>
+                                          <p:spTgt spid="3">
+                                            <p:txEl>
+                                              <p:pRg st="4" end="4"/>
+                                            </p:txEl>
+                                          </p:spTgt>
+                                        </p:tgtEl>
+                                        <p:attrNameLst>
+                                          <p:attrName>ppt_x</p:attrName>
+                                        </p:attrNameLst>
+                                      </p:cBhvr>
+                                      <p:tavLst>
+                                        <p:tav tm="0">
+                                          <p:val>
+                                            <p:strVal val="#ppt_x"/>
+                                          </p:val>
+                                        </p:tav>
+                                        <p:tav tm="100000">
+                                          <p:val>
+                                            <p:strVal val="#ppt_x"/>
+                                          </p:val>
+                                        </p:tav>
+                                      </p:tavLst>
+                                    </p:anim>
+                                    <p:anim calcmode="lin" valueType="num">
+                                      <p:cBhvr additive="base">
+                                        <p:cTn id="24" dur="500" fill="hold"/>
+                                        <p:tgtEl>
+                                          <p:spTgt spid="3">
+                                            <p:txEl>
+                                              <p:pRg st="4" end="4"/>
+                                            </p:txEl>
+                                          </p:spTgt>
+                                        </p:tgtEl>
+                                        <p:attrNameLst>
+                                          <p:attrName>ppt_y</p:attrName>
+                                        </p:attrNameLst>
+                                      </p:cBhvr>
+                                      <p:tavLst>
+                                        <p:tav tm="0">
+                                          <p:val>
+                                            <p:strVal val="1+#ppt_h/2"/>
+                                          </p:val>
+                                        </p:tav>
+                                        <p:tav tm="100000">
+                                          <p:val>
+                                            <p:strVal val="#ppt_y"/>
+                                          </p:val>
+                                        </p:tav>
+                                      </p:tavLst>
+                                    </p:anim>
+                                  </p:childTnLst>
+                                </p:cTn>
+                              </p:par>
+                              <p:par>
+                                <p:cTn id="25" presetID="2" presetClass="entr" presetSubtype="4" fill="hold" grpId="0" nodeType="withEffect">
+                                  <p:stCondLst>
+                                    <p:cond delay="0"/>
+                                  </p:stCondLst>
+                                  <p:childTnLst>
+                                    <p:set>
+                                      <p:cBhvr>
+                                        <p:cTn id="26" dur="1" fill="hold">
+                                          <p:stCondLst>
+                                            <p:cond delay="0"/>
+                                          </p:stCondLst>
+                                        </p:cTn>
+                                        <p:tgtEl>
+                                          <p:spTgt spid="3">
+                                            <p:txEl>
+                                              <p:pRg st="5" end="5"/>
+                                            </p:txEl>
+                                          </p:spTgt>
+                                        </p:tgtEl>
+                                        <p:attrNameLst>
+                                          <p:attrName>style.visibility</p:attrName>
+                                        </p:attrNameLst>
+                                      </p:cBhvr>
+                                      <p:to>
+                                        <p:strVal val="visible"/>
+                                      </p:to>
+                                    </p:set>
+                                    <p:anim calcmode="lin" valueType="num">
+                                      <p:cBhvr additive="base">
+                                        <p:cTn id="27" dur="500" fill="hold"/>
+                                        <p:tgtEl>
+                                          <p:spTgt spid="3">
+                                            <p:txEl>
+                                              <p:pRg st="5" end="5"/>
+                                            </p:txEl>
+                                          </p:spTgt>
+                                        </p:tgtEl>
+                                        <p:attrNameLst>
+                                          <p:attrName>ppt_x</p:attrName>
+                                        </p:attrNameLst>
+                                      </p:cBhvr>
+                                      <p:tavLst>
+                                        <p:tav tm="0">
+                                          <p:val>
+                                            <p:strVal val="#ppt_x"/>
+                                          </p:val>
+                                        </p:tav>
+                                        <p:tav tm="100000">
+                                          <p:val>
+                                            <p:strVal val="#ppt_x"/>
+                                          </p:val>
+                                        </p:tav>
+                                      </p:tavLst>
+                                    </p:anim>
+                                    <p:anim calcmode="lin" valueType="num">
+                                      <p:cBhvr additive="base">
+                                        <p:cTn id="28" dur="500" fill="hold"/>
+                                        <p:tgtEl>
+                                          <p:spTgt spid="3">
+                                            <p:txEl>
+                                              <p:pRg st="5" end="5"/>
+                                            </p:txEl>
+                                          </p:spTgt>
+                                        </p:tgtEl>
+                                        <p:attrNameLst>
+                                          <p:attrName>ppt_y</p:attrName>
+                                        </p:attrNameLst>
+                                      </p:cBhvr>
+                                      <p:tavLst>
+                                        <p:tav tm="0">
+                                          <p:val>
+                                            <p:strVal val="1+#ppt_h/2"/>
+                                          </p:val>
+                                        </p:tav>
+                                        <p:tav tm="100000">
+                                          <p:val>
+                                            <p:strVal val="#ppt_y"/>
+                                          </p:val>
+                                        </p:tav>
+                                      </p:tavLst>
+                                    </p:anim>
+                                  </p:childTnLst>
+                                </p:cTn>
+                              </p:par>
+                              <p:par>
+                                <p:cTn id="29" presetID="2" presetClass="entr" presetSubtype="4" fill="hold" grpId="0" nodeType="withEffect">
+                                  <p:stCondLst>
+                                    <p:cond delay="0"/>
+                                  </p:stCondLst>
+                                  <p:childTnLst>
+                                    <p:set>
+                                      <p:cBhvr>
+                                        <p:cTn id="30" dur="1" fill="hold">
+                                          <p:stCondLst>
+                                            <p:cond delay="0"/>
+                                          </p:stCondLst>
+                                        </p:cTn>
+                                        <p:tgtEl>
+                                          <p:spTgt spid="3">
+                                            <p:txEl>
+                                              <p:pRg st="6" end="6"/>
+                                            </p:txEl>
+                                          </p:spTgt>
+                                        </p:tgtEl>
+                                        <p:attrNameLst>
+                                          <p:attrName>style.visibility</p:attrName>
+                                        </p:attrNameLst>
+                                      </p:cBhvr>
+                                      <p:to>
+                                        <p:strVal val="visible"/>
+                                      </p:to>
+                                    </p:set>
+                                    <p:anim calcmode="lin" valueType="num">
+                                      <p:cBhvr additive="base">
+                                        <p:cTn id="31" dur="500" fill="hold"/>
+                                        <p:tgtEl>
+                                          <p:spTgt spid="3">
+                                            <p:txEl>
+                                              <p:pRg st="6" end="6"/>
+                                            </p:txEl>
+                                          </p:spTgt>
+                                        </p:tgtEl>
+                                        <p:attrNameLst>
+                                          <p:attrName>ppt_x</p:attrName>
+                                        </p:attrNameLst>
+                                      </p:cBhvr>
+                                      <p:tavLst>
+                                        <p:tav tm="0">
+                                          <p:val>
+                                            <p:strVal val="#ppt_x"/>
+                                          </p:val>
+                                        </p:tav>
+                                        <p:tav tm="100000">
+                                          <p:val>
+                                            <p:strVal val="#ppt_x"/>
+                                          </p:val>
+                                        </p:tav>
+                                      </p:tavLst>
+                                    </p:anim>
+                                    <p:anim calcmode="lin" valueType="num">
+                                      <p:cBhvr additive="base">
+                                        <p:cTn id="32" dur="500" fill="hold"/>
+                                        <p:tgtEl>
+                                          <p:spTgt spid="3">
+                                            <p:txEl>
+                                              <p:pRg st="6" end="6"/>
+                                            </p:txEl>
+                                          </p:spTgt>
+                                        </p:tgtEl>
+                                        <p:attrNameLst>
+                                          <p:attrName>ppt_y</p:attrName>
+                                        </p:attrNameLst>
+                                      </p:cBhvr>
+                                      <p:tavLst>
+                                        <p:tav tm="0">
+                                          <p:val>
+                                            <p:strVal val="1+#ppt_h/2"/>
+                                          </p:val>
+                                        </p:tav>
+                                        <p:tav tm="100000">
+                                          <p:val>
+                                            <p:strVal val="#ppt_y"/>
+                                          </p:val>
+                                        </p:tav>
+                                      </p:tavLst>
+                                    </p:anim>
+                                  </p:childTnLst>
+                                </p:cTn>
+                              </p:par>
+                            </p:childTnLst>
+                          </p:cTn>
+                        </p:par>
+                      </p:childTnLst>
+                    </p:cTn>
+                  </p:par>
+                </p:childTnLst>
+              </p:cTn>
+              <p:prevCondLst>
+                <p:cond evt="onPrev" delay="0">
+                  <p:tgtEl>
+                    <p:sldTgt/>
+                  </p:tgtEl>
+                </p:cond>
+              </p:prevCondLst>
+              <p:nextCondLst>
+                <p:cond evt="onNext" delay="0">
+                  <p:tgtEl>
+                    <p:sldTgt/>
+                  </p:tgtEl>
+                </p:cond>
+              </p:nextCondLst>
+            </p:seq>
+          </p:childTnLst>
+        </p:cTn>
+      </p:par>
+    </p:tnLst>
+    <p:bldLst>
+      <p:bldP spid="3" grpId="0" uiExpand="1" build="p"/>
+    </p:bldLst>
+  </p:timing>
+</p:sld>
+</file>
+
+<file path=ppt/slides/slide4.xml><?xml version="1.0" encoding="utf-8"?>
+<p:sld xmlns:a="http://schemas.openxmlformats.org/drawingml/2006/main" xmlns:r="http://schemas.openxmlformats.org/officeDocument/2006/relationships" xmlns:p="http://schemas.openxmlformats.org/presentationml/2006/main">
+  <p:cSld>
+    <p:spTree>
+      <p:nvGrpSpPr>
+        <p:cNvPr id="1" name=""/>
+        <p:cNvGrpSpPr/>
+        <p:nvPr/>
+      </p:nvGrpSpPr>
+      <p:grpSpPr>
+        <a:xfrm>
+          <a:off x="0" y="0"/>
+          <a:ext cx="0" cy="0"/>
+          <a:chOff x="0" y="0"/>
+          <a:chExt cx="0" cy="0"/>
+        </a:xfrm>
+      </p:grpSpPr>
+      <p:sp>
+        <p:nvSpPr>
+          <p:cNvPr id="2" name="Title 1"/>
+          <p:cNvSpPr>
+            <a:spLocks noGrp="1"/>
+          </p:cNvSpPr>
+          <p:nvPr>
+            <p:ph type="title"/>
+          </p:nvPr>
+        </p:nvSpPr>
+        <p:spPr/>
+        <p:txBody>
+          <a:bodyPr/>
+          <a:lstStyle/>
+          <a:p>
+            <a:r>
+              <a:rPr lang="en-IE" dirty="0"/>
               <a:t>Recap: Boolean conditions</a:t>
             </a:r>
           </a:p>
@@ -13105,7 +14567,7 @@
         <p:spPr/>
         <p:txBody>
           <a:bodyPr>
-            <a:normAutofit/>
+            <a:normAutofit lnSpcReduction="10000"/>
           </a:bodyPr>
           <a:lstStyle/>
           <a:p>
@@ -13119,31 +14581,42 @@
             </a:r>
             <a:r>
               <a:rPr lang="en-IE" dirty="0"/>
-              <a:t> condition is an expression that evaluates to either true or false e.g.</a:t>
-            </a:r>
-          </a:p>
-          <a:p>
-            <a:pPr marL="0" indent="0">
+              <a:t> condition is an expression that evaluates to either true or false </a:t>
+            </a:r>
+          </a:p>
+          <a:p>
+            <a:pPr marL="2171700" lvl="5" indent="0">
               <a:buNone/>
             </a:pPr>
             <a:r>
-              <a:rPr lang="en-IE" sz="2800" dirty="0">
-                <a:solidFill>
-                  <a:srgbClr val="FF0000"/>
-                </a:solidFill>
-                <a:latin typeface="Arial Unicode MS" panose="020B0604020202020204" pitchFamily="34" charset="-128"/>
-                <a:ea typeface="Arial Unicode MS" panose="020B0604020202020204" pitchFamily="34" charset="-128"/>
-                <a:cs typeface="Arial Unicode MS" panose="020B0604020202020204" pitchFamily="34" charset="-128"/>
-              </a:rPr>
-              <a:t>	</a:t>
-            </a:r>
-            <a:r>
-              <a:rPr lang="en-IE" sz="2800" dirty="0">
-                <a:latin typeface="Arial Unicode MS" panose="020B0604020202020204" pitchFamily="34" charset="-128"/>
-                <a:ea typeface="Arial Unicode MS" panose="020B0604020202020204" pitchFamily="34" charset="-128"/>
-                <a:cs typeface="Arial Unicode MS" panose="020B0604020202020204" pitchFamily="34" charset="-128"/>
-              </a:rPr>
-              <a:t>x&lt;50</a:t>
+              <a:rPr lang="en-US" sz="2800" dirty="0"/>
+              <a:t>x &lt; 50</a:t>
+            </a:r>
+          </a:p>
+          <a:p>
+            <a:pPr marL="2171700" lvl="5" indent="0">
+              <a:buNone/>
+            </a:pPr>
+            <a:r>
+              <a:rPr lang="en-US" sz="2800" dirty="0" err="1"/>
+              <a:t>i</a:t>
+            </a:r>
+            <a:r>
+              <a:rPr lang="en-US" sz="2800" dirty="0"/>
+              <a:t> &lt;= 10</a:t>
+            </a:r>
+          </a:p>
+          <a:p>
+            <a:pPr marL="2171700" lvl="5" indent="0">
+              <a:buNone/>
+            </a:pPr>
+            <a:r>
+              <a:rPr lang="en-US" sz="2800" dirty="0" err="1"/>
+              <a:t>name.equals</a:t>
+            </a:r>
+            <a:r>
+              <a:rPr lang="en-US" sz="2800" dirty="0"/>
+              <a:t>("John")</a:t>
             </a:r>
           </a:p>
           <a:p>
@@ -13235,33 +14708,15 @@
                                   </p:childTnLst>
                                 </p:cTn>
                               </p:par>
-                            </p:childTnLst>
-                          </p:cTn>
-                        </p:par>
-                      </p:childTnLst>
-                    </p:cTn>
-                  </p:par>
-                  <p:par>
-                    <p:cTn id="7" fill="hold">
-                      <p:stCondLst>
-                        <p:cond delay="indefinite"/>
-                      </p:stCondLst>
-                      <p:childTnLst>
-                        <p:par>
-                          <p:cTn id="8" fill="hold">
-                            <p:stCondLst>
-                              <p:cond delay="0"/>
-                            </p:stCondLst>
-                            <p:childTnLst>
                               <p:par>
-                                <p:cTn id="9" presetID="1" presetClass="entr" presetSubtype="0" fill="hold" grpId="0" nodeType="clickEffect">
+                                <p:cTn id="7" presetID="1" presetClass="entr" presetSubtype="0" fill="hold" grpId="0" nodeType="withEffect">
                                   <p:stCondLst>
                                     <p:cond delay="0"/>
                                   </p:stCondLst>
                                   <p:childTnLst>
                                     <p:set>
                                       <p:cBhvr>
-                                        <p:cTn id="10" dur="1" fill="hold">
+                                        <p:cTn id="8" dur="1" fill="hold">
                                           <p:stCondLst>
                                             <p:cond delay="0"/>
                                           </p:stCondLst>
@@ -13284,33 +14739,46 @@
                                   </p:childTnLst>
                                 </p:cTn>
                               </p:par>
-                            </p:childTnLst>
-                          </p:cTn>
-                        </p:par>
-                      </p:childTnLst>
-                    </p:cTn>
-                  </p:par>
-                  <p:par>
-                    <p:cTn id="11" fill="hold">
-                      <p:stCondLst>
-                        <p:cond delay="indefinite"/>
-                      </p:stCondLst>
-                      <p:childTnLst>
-                        <p:par>
-                          <p:cTn id="12" fill="hold">
-                            <p:stCondLst>
-                              <p:cond delay="0"/>
-                            </p:stCondLst>
-                            <p:childTnLst>
                               <p:par>
-                                <p:cTn id="13" presetID="1" presetClass="entr" presetSubtype="0" fill="hold" grpId="0" nodeType="clickEffect">
+                                <p:cTn id="9" presetID="1" presetClass="entr" presetSubtype="0" fill="hold" grpId="0" nodeType="withEffect">
                                   <p:stCondLst>
                                     <p:cond delay="0"/>
                                   </p:stCondLst>
                                   <p:childTnLst>
                                     <p:set>
                                       <p:cBhvr>
-                                        <p:cTn id="14" dur="1" fill="hold">
+                                        <p:cTn id="10" dur="1" fill="hold">
+                                          <p:stCondLst>
+                                            <p:cond delay="0"/>
+                                          </p:stCondLst>
+                                        </p:cTn>
+                                        <p:tgtEl>
+                                          <p:spTgt spid="3">
+                                            <p:txEl>
+                                              <p:pRg st="2" end="2"/>
+                                            </p:txEl>
+                                          </p:spTgt>
+                                        </p:tgtEl>
+                                        <p:attrNameLst>
+                                          <p:attrName>style.visibility</p:attrName>
+                                        </p:attrNameLst>
+                                      </p:cBhvr>
+                                      <p:to>
+                                        <p:strVal val="visible"/>
+                                      </p:to>
+                                    </p:set>
+                                  </p:childTnLst>
+                                </p:cTn>
+                              </p:par>
+                              <p:par>
+                                <p:cTn id="11" presetID="1" presetClass="entr" presetSubtype="0" fill="hold" grpId="0" nodeType="withEffect">
+                                  <p:stCondLst>
+                                    <p:cond delay="0"/>
+                                  </p:stCondLst>
+                                  <p:childTnLst>
+                                    <p:set>
+                                      <p:cBhvr>
+                                        <p:cTn id="12" dur="1" fill="hold">
                                           <p:stCondLst>
                                             <p:cond delay="0"/>
                                           </p:stCondLst>
@@ -13333,8 +14801,26 @@
                                   </p:childTnLst>
                                 </p:cTn>
                               </p:par>
+                            </p:childTnLst>
+                          </p:cTn>
+                        </p:par>
+                      </p:childTnLst>
+                    </p:cTn>
+                  </p:par>
+                  <p:par>
+                    <p:cTn id="13" fill="hold">
+                      <p:stCondLst>
+                        <p:cond delay="indefinite"/>
+                      </p:stCondLst>
+                      <p:childTnLst>
+                        <p:par>
+                          <p:cTn id="14" fill="hold">
+                            <p:stCondLst>
+                              <p:cond delay="0"/>
+                            </p:stCondLst>
+                            <p:childTnLst>
                               <p:par>
-                                <p:cTn id="15" presetID="1" presetClass="entr" presetSubtype="0" fill="hold" grpId="0" nodeType="withEffect">
+                                <p:cTn id="15" presetID="1" presetClass="entr" presetSubtype="0" fill="hold" grpId="0" nodeType="clickEffect">
                                   <p:stCondLst>
                                     <p:cond delay="0"/>
                                   </p:stCondLst>
@@ -13349,7 +14835,7 @@
                                         <p:tgtEl>
                                           <p:spTgt spid="3">
                                             <p:txEl>
-                                              <p:pRg st="4" end="4"/>
+                                              <p:pRg st="5" end="5"/>
                                             </p:txEl>
                                           </p:spTgt>
                                         </p:tgtEl>
@@ -13380,7 +14866,38 @@
                                         <p:tgtEl>
                                           <p:spTgt spid="3">
                                             <p:txEl>
-                                              <p:pRg st="5" end="5"/>
+                                              <p:pRg st="6" end="6"/>
+                                            </p:txEl>
+                                          </p:spTgt>
+                                        </p:tgtEl>
+                                        <p:attrNameLst>
+                                          <p:attrName>style.visibility</p:attrName>
+                                        </p:attrNameLst>
+                                      </p:cBhvr>
+                                      <p:to>
+                                        <p:strVal val="visible"/>
+                                      </p:to>
+                                    </p:set>
+                                  </p:childTnLst>
+                                </p:cTn>
+                              </p:par>
+                              <p:par>
+                                <p:cTn id="19" presetID="1" presetClass="entr" presetSubtype="0" fill="hold" grpId="0" nodeType="withEffect">
+                                  <p:stCondLst>
+                                    <p:cond delay="0"/>
+                                  </p:stCondLst>
+                                  <p:childTnLst>
+                                    <p:set>
+                                      <p:cBhvr>
+                                        <p:cTn id="20" dur="1" fill="hold">
+                                          <p:stCondLst>
+                                            <p:cond delay="0"/>
+                                          </p:stCondLst>
+                                        </p:cTn>
+                                        <p:tgtEl>
+                                          <p:spTgt spid="3">
+                                            <p:txEl>
+                                              <p:pRg st="7" end="7"/>
                                             </p:txEl>
                                           </p:spTgt>
                                         </p:tgtEl>
@@ -13429,173 +14946,6 @@
 </p:sld>
 </file>
 
-<file path=ppt/slides/slide4.xml><?xml version="1.0" encoding="utf-8"?>
-<p:sld xmlns:a="http://schemas.openxmlformats.org/drawingml/2006/main" xmlns:r="http://schemas.openxmlformats.org/officeDocument/2006/relationships" xmlns:p="http://schemas.openxmlformats.org/presentationml/2006/main">
-  <p:cSld>
-    <p:spTree>
-      <p:nvGrpSpPr>
-        <p:cNvPr id="1" name=""/>
-        <p:cNvGrpSpPr/>
-        <p:nvPr/>
-      </p:nvGrpSpPr>
-      <p:grpSpPr>
-        <a:xfrm>
-          <a:off x="0" y="0"/>
-          <a:ext cx="0" cy="0"/>
-          <a:chOff x="0" y="0"/>
-          <a:chExt cx="0" cy="0"/>
-        </a:xfrm>
-      </p:grpSpPr>
-      <p:sp>
-        <p:nvSpPr>
-          <p:cNvPr id="5121" name="Rectangle 2"/>
-          <p:cNvSpPr>
-            <a:spLocks noGrp="1" noChangeArrowheads="1"/>
-          </p:cNvSpPr>
-          <p:nvPr>
-            <p:ph type="title"/>
-          </p:nvPr>
-        </p:nvSpPr>
-        <p:spPr/>
-        <p:txBody>
-          <a:bodyPr>
-            <a:normAutofit/>
-          </a:bodyPr>
-          <a:lstStyle/>
-          <a:p>
-            <a:r>
-              <a:rPr lang="en-US" altLang="en-US" dirty="0"/>
-              <a:t>Repetition in Programming</a:t>
-            </a:r>
-          </a:p>
-        </p:txBody>
-      </p:sp>
-      <p:sp>
-        <p:nvSpPr>
-          <p:cNvPr id="5123" name="Rectangle 3"/>
-          <p:cNvSpPr>
-            <a:spLocks noGrp="1" noChangeArrowheads="1"/>
-          </p:cNvSpPr>
-          <p:nvPr>
-            <p:ph type="body" idx="1"/>
-          </p:nvPr>
-        </p:nvSpPr>
-        <p:spPr/>
-        <p:txBody>
-          <a:bodyPr>
-            <a:normAutofit/>
-          </a:bodyPr>
-          <a:lstStyle/>
-          <a:p>
-            <a:pPr>
-              <a:lnSpc>
-                <a:spcPct val="90000"/>
-              </a:lnSpc>
-            </a:pPr>
-            <a:r>
-              <a:rPr lang="en-US" altLang="en-US" sz="3000" dirty="0"/>
-              <a:t>Computers are very good at repetition.</a:t>
-            </a:r>
-          </a:p>
-          <a:p>
-            <a:pPr>
-              <a:lnSpc>
-                <a:spcPct val="90000"/>
-              </a:lnSpc>
-            </a:pPr>
-            <a:endParaRPr lang="en-US" altLang="en-US" sz="3000" dirty="0"/>
-          </a:p>
-          <a:p>
-            <a:pPr>
-              <a:lnSpc>
-                <a:spcPct val="90000"/>
-              </a:lnSpc>
-            </a:pPr>
-            <a:r>
-              <a:rPr lang="en-US" altLang="en-US" sz="3000" dirty="0"/>
-              <a:t>Example:</a:t>
-            </a:r>
-          </a:p>
-          <a:p>
-            <a:pPr lvl="1">
-              <a:lnSpc>
-                <a:spcPct val="90000"/>
-              </a:lnSpc>
-            </a:pPr>
-            <a:r>
-              <a:rPr lang="en-US" altLang="en-US" sz="2600" dirty="0">
-                <a:solidFill>
-                  <a:srgbClr val="FF0000"/>
-                </a:solidFill>
-              </a:rPr>
-              <a:t>calculate pay </a:t>
-            </a:r>
-            <a:r>
-              <a:rPr lang="en-US" altLang="en-US" sz="2600" dirty="0"/>
-              <a:t>for 1000 employees.</a:t>
-            </a:r>
-          </a:p>
-          <a:p>
-            <a:pPr lvl="1">
-              <a:lnSpc>
-                <a:spcPct val="90000"/>
-              </a:lnSpc>
-            </a:pPr>
-            <a:r>
-              <a:rPr lang="en-US" altLang="en-US" sz="2600" dirty="0"/>
-              <a:t>You should use the same </a:t>
-            </a:r>
-            <a:r>
-              <a:rPr lang="en-US" altLang="en-US" sz="2600" dirty="0">
-                <a:solidFill>
-                  <a:srgbClr val="FF0000"/>
-                </a:solidFill>
-              </a:rPr>
-              <a:t>calculate pay </a:t>
-            </a:r>
-            <a:r>
-              <a:rPr lang="en-US" altLang="en-US" sz="2600" dirty="0"/>
-              <a:t>algorithm 1000 times.</a:t>
-            </a:r>
-          </a:p>
-          <a:p>
-            <a:pPr lvl="1">
-              <a:lnSpc>
-                <a:spcPct val="90000"/>
-              </a:lnSpc>
-            </a:pPr>
-            <a:r>
-              <a:rPr lang="en-US" altLang="en-US" sz="2600" dirty="0"/>
-              <a:t>You don’t write the </a:t>
-            </a:r>
-            <a:r>
-              <a:rPr lang="en-US" altLang="en-US" sz="2600" dirty="0">
-                <a:solidFill>
-                  <a:srgbClr val="FF0000"/>
-                </a:solidFill>
-              </a:rPr>
-              <a:t>calculate pay </a:t>
-            </a:r>
-            <a:r>
-              <a:rPr lang="en-US" altLang="en-US" sz="2600" dirty="0"/>
-              <a:t>algorithm 1000 times; instead you include it in a loop.</a:t>
-            </a:r>
-          </a:p>
-        </p:txBody>
-      </p:sp>
-    </p:spTree>
-    <p:extLst>
-      <p:ext uri="{BB962C8B-B14F-4D97-AF65-F5344CB8AC3E}">
-        <p14:creationId xmlns:p14="http://schemas.microsoft.com/office/powerpoint/2010/main" val="1659029626"/>
-      </p:ext>
-    </p:extLst>
-  </p:cSld>
-  <p:clrMapOvr>
-    <a:masterClrMapping/>
-  </p:clrMapOvr>
-</p:sld>
-</file>
-
 <file path=ppt/slides/slide5.xml><?xml version="1.0" encoding="utf-8"?>
 <p:sld xmlns:a="http://schemas.openxmlformats.org/drawingml/2006/main" xmlns:r="http://schemas.openxmlformats.org/officeDocument/2006/relationships" xmlns:p="http://schemas.openxmlformats.org/presentationml/2006/main">
   <p:cSld>
@@ -13629,9 +14979,10 @@
           <a:lstStyle/>
           <a:p>
             <a:r>
-              <a:rPr lang="en-US" altLang="en-US" dirty="0"/>
-              <a:t>Form of loop</a:t>
-            </a:r>
+              <a:rPr lang="en-IE" dirty="0"/>
+              <a:t>Why We Need Loops?</a:t>
+            </a:r>
+            <a:endParaRPr lang="en-US" altLang="en-US" dirty="0"/>
           </a:p>
         </p:txBody>
       </p:sp>
@@ -13647,20 +14998,21 @@
         </p:nvSpPr>
         <p:spPr>
           <a:xfrm>
-            <a:off x="1981200" y="1524001"/>
-            <a:ext cx="8305800" cy="4525963"/>
+            <a:off x="457200" y="1524001"/>
+            <a:ext cx="9829800" cy="4525963"/>
           </a:xfrm>
         </p:spPr>
         <p:txBody>
           <a:bodyPr>
-            <a:normAutofit fontScale="92500" lnSpcReduction="10000"/>
+            <a:normAutofit fontScale="92500" lnSpcReduction="20000"/>
           </a:bodyPr>
           <a:lstStyle/>
           <a:p>
-            <a:pPr>
+            <a:pPr marL="0" indent="0">
               <a:lnSpc>
                 <a:spcPct val="90000"/>
               </a:lnSpc>
+              <a:buNone/>
             </a:pPr>
             <a:r>
               <a:rPr lang="en-US" altLang="en-US" sz="2800" dirty="0"/>
@@ -13785,6 +15137,19 @@
               <a:buNone/>
             </a:pPr>
             <a:endParaRPr lang="en-IE" dirty="0"/>
+          </a:p>
+          <a:p>
+            <a:pPr lvl="1">
+              <a:lnSpc>
+                <a:spcPct val="90000"/>
+              </a:lnSpc>
+              <a:buNone/>
+            </a:pPr>
+            <a:r>
+              <a:rPr lang="en-US" sz="3900" b="1" dirty="0"/>
+              <a:t>This is inefficient and not scalable.</a:t>
+            </a:r>
+            <a:endParaRPr lang="en-IE" sz="3900" b="1" dirty="0"/>
           </a:p>
           <a:p>
             <a:pPr lvl="1">
@@ -13811,6 +15176,840 @@
   <p:clrMapOvr>
     <a:masterClrMapping/>
   </p:clrMapOvr>
+  <p:timing>
+    <p:tnLst>
+      <p:par>
+        <p:cTn id="1" dur="indefinite" restart="never" nodeType="tmRoot">
+          <p:childTnLst>
+            <p:seq concurrent="1" nextAc="seek">
+              <p:cTn id="2" dur="indefinite" nodeType="mainSeq">
+                <p:childTnLst>
+                  <p:par>
+                    <p:cTn id="3" fill="hold">
+                      <p:stCondLst>
+                        <p:cond delay="indefinite"/>
+                      </p:stCondLst>
+                      <p:childTnLst>
+                        <p:par>
+                          <p:cTn id="4" fill="hold">
+                            <p:stCondLst>
+                              <p:cond delay="0"/>
+                            </p:stCondLst>
+                            <p:childTnLst>
+                              <p:par>
+                                <p:cTn id="5" presetID="2" presetClass="entr" presetSubtype="4" fill="hold" grpId="0" nodeType="clickEffect">
+                                  <p:stCondLst>
+                                    <p:cond delay="0"/>
+                                  </p:stCondLst>
+                                  <p:childTnLst>
+                                    <p:set>
+                                      <p:cBhvr>
+                                        <p:cTn id="6" dur="1" fill="hold">
+                                          <p:stCondLst>
+                                            <p:cond delay="0"/>
+                                          </p:stCondLst>
+                                        </p:cTn>
+                                        <p:tgtEl>
+                                          <p:spTgt spid="6146">
+                                            <p:txEl>
+                                              <p:pRg st="0" end="0"/>
+                                            </p:txEl>
+                                          </p:spTgt>
+                                        </p:tgtEl>
+                                        <p:attrNameLst>
+                                          <p:attrName>style.visibility</p:attrName>
+                                        </p:attrNameLst>
+                                      </p:cBhvr>
+                                      <p:to>
+                                        <p:strVal val="visible"/>
+                                      </p:to>
+                                    </p:set>
+                                    <p:anim calcmode="lin" valueType="num">
+                                      <p:cBhvr additive="base">
+                                        <p:cTn id="7" dur="500" fill="hold"/>
+                                        <p:tgtEl>
+                                          <p:spTgt spid="6146">
+                                            <p:txEl>
+                                              <p:pRg st="0" end="0"/>
+                                            </p:txEl>
+                                          </p:spTgt>
+                                        </p:tgtEl>
+                                        <p:attrNameLst>
+                                          <p:attrName>ppt_x</p:attrName>
+                                        </p:attrNameLst>
+                                      </p:cBhvr>
+                                      <p:tavLst>
+                                        <p:tav tm="0">
+                                          <p:val>
+                                            <p:strVal val="#ppt_x"/>
+                                          </p:val>
+                                        </p:tav>
+                                        <p:tav tm="100000">
+                                          <p:val>
+                                            <p:strVal val="#ppt_x"/>
+                                          </p:val>
+                                        </p:tav>
+                                      </p:tavLst>
+                                    </p:anim>
+                                    <p:anim calcmode="lin" valueType="num">
+                                      <p:cBhvr additive="base">
+                                        <p:cTn id="8" dur="500" fill="hold"/>
+                                        <p:tgtEl>
+                                          <p:spTgt spid="6146">
+                                            <p:txEl>
+                                              <p:pRg st="0" end="0"/>
+                                            </p:txEl>
+                                          </p:spTgt>
+                                        </p:tgtEl>
+                                        <p:attrNameLst>
+                                          <p:attrName>ppt_y</p:attrName>
+                                        </p:attrNameLst>
+                                      </p:cBhvr>
+                                      <p:tavLst>
+                                        <p:tav tm="0">
+                                          <p:val>
+                                            <p:strVal val="1+#ppt_h/2"/>
+                                          </p:val>
+                                        </p:tav>
+                                        <p:tav tm="100000">
+                                          <p:val>
+                                            <p:strVal val="#ppt_y"/>
+                                          </p:val>
+                                        </p:tav>
+                                      </p:tavLst>
+                                    </p:anim>
+                                  </p:childTnLst>
+                                </p:cTn>
+                              </p:par>
+                              <p:par>
+                                <p:cTn id="9" presetID="2" presetClass="entr" presetSubtype="4" fill="hold" grpId="0" nodeType="withEffect">
+                                  <p:stCondLst>
+                                    <p:cond delay="0"/>
+                                  </p:stCondLst>
+                                  <p:childTnLst>
+                                    <p:set>
+                                      <p:cBhvr>
+                                        <p:cTn id="10" dur="1" fill="hold">
+                                          <p:stCondLst>
+                                            <p:cond delay="0"/>
+                                          </p:stCondLst>
+                                        </p:cTn>
+                                        <p:tgtEl>
+                                          <p:spTgt spid="6146">
+                                            <p:txEl>
+                                              <p:pRg st="1" end="1"/>
+                                            </p:txEl>
+                                          </p:spTgt>
+                                        </p:tgtEl>
+                                        <p:attrNameLst>
+                                          <p:attrName>style.visibility</p:attrName>
+                                        </p:attrNameLst>
+                                      </p:cBhvr>
+                                      <p:to>
+                                        <p:strVal val="visible"/>
+                                      </p:to>
+                                    </p:set>
+                                    <p:anim calcmode="lin" valueType="num">
+                                      <p:cBhvr additive="base">
+                                        <p:cTn id="11" dur="500" fill="hold"/>
+                                        <p:tgtEl>
+                                          <p:spTgt spid="6146">
+                                            <p:txEl>
+                                              <p:pRg st="1" end="1"/>
+                                            </p:txEl>
+                                          </p:spTgt>
+                                        </p:tgtEl>
+                                        <p:attrNameLst>
+                                          <p:attrName>ppt_x</p:attrName>
+                                        </p:attrNameLst>
+                                      </p:cBhvr>
+                                      <p:tavLst>
+                                        <p:tav tm="0">
+                                          <p:val>
+                                            <p:strVal val="#ppt_x"/>
+                                          </p:val>
+                                        </p:tav>
+                                        <p:tav tm="100000">
+                                          <p:val>
+                                            <p:strVal val="#ppt_x"/>
+                                          </p:val>
+                                        </p:tav>
+                                      </p:tavLst>
+                                    </p:anim>
+                                    <p:anim calcmode="lin" valueType="num">
+                                      <p:cBhvr additive="base">
+                                        <p:cTn id="12" dur="500" fill="hold"/>
+                                        <p:tgtEl>
+                                          <p:spTgt spid="6146">
+                                            <p:txEl>
+                                              <p:pRg st="1" end="1"/>
+                                            </p:txEl>
+                                          </p:spTgt>
+                                        </p:tgtEl>
+                                        <p:attrNameLst>
+                                          <p:attrName>ppt_y</p:attrName>
+                                        </p:attrNameLst>
+                                      </p:cBhvr>
+                                      <p:tavLst>
+                                        <p:tav tm="0">
+                                          <p:val>
+                                            <p:strVal val="1+#ppt_h/2"/>
+                                          </p:val>
+                                        </p:tav>
+                                        <p:tav tm="100000">
+                                          <p:val>
+                                            <p:strVal val="#ppt_y"/>
+                                          </p:val>
+                                        </p:tav>
+                                      </p:tavLst>
+                                    </p:anim>
+                                  </p:childTnLst>
+                                </p:cTn>
+                              </p:par>
+                              <p:par>
+                                <p:cTn id="13" presetID="2" presetClass="entr" presetSubtype="4" fill="hold" grpId="0" nodeType="withEffect">
+                                  <p:stCondLst>
+                                    <p:cond delay="0"/>
+                                  </p:stCondLst>
+                                  <p:childTnLst>
+                                    <p:set>
+                                      <p:cBhvr>
+                                        <p:cTn id="14" dur="1" fill="hold">
+                                          <p:stCondLst>
+                                            <p:cond delay="0"/>
+                                          </p:stCondLst>
+                                        </p:cTn>
+                                        <p:tgtEl>
+                                          <p:spTgt spid="6146">
+                                            <p:txEl>
+                                              <p:pRg st="3" end="3"/>
+                                            </p:txEl>
+                                          </p:spTgt>
+                                        </p:tgtEl>
+                                        <p:attrNameLst>
+                                          <p:attrName>style.visibility</p:attrName>
+                                        </p:attrNameLst>
+                                      </p:cBhvr>
+                                      <p:to>
+                                        <p:strVal val="visible"/>
+                                      </p:to>
+                                    </p:set>
+                                    <p:anim calcmode="lin" valueType="num">
+                                      <p:cBhvr additive="base">
+                                        <p:cTn id="15" dur="500" fill="hold"/>
+                                        <p:tgtEl>
+                                          <p:spTgt spid="6146">
+                                            <p:txEl>
+                                              <p:pRg st="3" end="3"/>
+                                            </p:txEl>
+                                          </p:spTgt>
+                                        </p:tgtEl>
+                                        <p:attrNameLst>
+                                          <p:attrName>ppt_x</p:attrName>
+                                        </p:attrNameLst>
+                                      </p:cBhvr>
+                                      <p:tavLst>
+                                        <p:tav tm="0">
+                                          <p:val>
+                                            <p:strVal val="#ppt_x"/>
+                                          </p:val>
+                                        </p:tav>
+                                        <p:tav tm="100000">
+                                          <p:val>
+                                            <p:strVal val="#ppt_x"/>
+                                          </p:val>
+                                        </p:tav>
+                                      </p:tavLst>
+                                    </p:anim>
+                                    <p:anim calcmode="lin" valueType="num">
+                                      <p:cBhvr additive="base">
+                                        <p:cTn id="16" dur="500" fill="hold"/>
+                                        <p:tgtEl>
+                                          <p:spTgt spid="6146">
+                                            <p:txEl>
+                                              <p:pRg st="3" end="3"/>
+                                            </p:txEl>
+                                          </p:spTgt>
+                                        </p:tgtEl>
+                                        <p:attrNameLst>
+                                          <p:attrName>ppt_y</p:attrName>
+                                        </p:attrNameLst>
+                                      </p:cBhvr>
+                                      <p:tavLst>
+                                        <p:tav tm="0">
+                                          <p:val>
+                                            <p:strVal val="1+#ppt_h/2"/>
+                                          </p:val>
+                                        </p:tav>
+                                        <p:tav tm="100000">
+                                          <p:val>
+                                            <p:strVal val="#ppt_y"/>
+                                          </p:val>
+                                        </p:tav>
+                                      </p:tavLst>
+                                    </p:anim>
+                                  </p:childTnLst>
+                                </p:cTn>
+                              </p:par>
+                              <p:par>
+                                <p:cTn id="17" presetID="2" presetClass="entr" presetSubtype="4" fill="hold" grpId="0" nodeType="withEffect">
+                                  <p:stCondLst>
+                                    <p:cond delay="0"/>
+                                  </p:stCondLst>
+                                  <p:childTnLst>
+                                    <p:set>
+                                      <p:cBhvr>
+                                        <p:cTn id="18" dur="1" fill="hold">
+                                          <p:stCondLst>
+                                            <p:cond delay="0"/>
+                                          </p:stCondLst>
+                                        </p:cTn>
+                                        <p:tgtEl>
+                                          <p:spTgt spid="6146">
+                                            <p:txEl>
+                                              <p:pRg st="4" end="4"/>
+                                            </p:txEl>
+                                          </p:spTgt>
+                                        </p:tgtEl>
+                                        <p:attrNameLst>
+                                          <p:attrName>style.visibility</p:attrName>
+                                        </p:attrNameLst>
+                                      </p:cBhvr>
+                                      <p:to>
+                                        <p:strVal val="visible"/>
+                                      </p:to>
+                                    </p:set>
+                                    <p:anim calcmode="lin" valueType="num">
+                                      <p:cBhvr additive="base">
+                                        <p:cTn id="19" dur="500" fill="hold"/>
+                                        <p:tgtEl>
+                                          <p:spTgt spid="6146">
+                                            <p:txEl>
+                                              <p:pRg st="4" end="4"/>
+                                            </p:txEl>
+                                          </p:spTgt>
+                                        </p:tgtEl>
+                                        <p:attrNameLst>
+                                          <p:attrName>ppt_x</p:attrName>
+                                        </p:attrNameLst>
+                                      </p:cBhvr>
+                                      <p:tavLst>
+                                        <p:tav tm="0">
+                                          <p:val>
+                                            <p:strVal val="#ppt_x"/>
+                                          </p:val>
+                                        </p:tav>
+                                        <p:tav tm="100000">
+                                          <p:val>
+                                            <p:strVal val="#ppt_x"/>
+                                          </p:val>
+                                        </p:tav>
+                                      </p:tavLst>
+                                    </p:anim>
+                                    <p:anim calcmode="lin" valueType="num">
+                                      <p:cBhvr additive="base">
+                                        <p:cTn id="20" dur="500" fill="hold"/>
+                                        <p:tgtEl>
+                                          <p:spTgt spid="6146">
+                                            <p:txEl>
+                                              <p:pRg st="4" end="4"/>
+                                            </p:txEl>
+                                          </p:spTgt>
+                                        </p:tgtEl>
+                                        <p:attrNameLst>
+                                          <p:attrName>ppt_y</p:attrName>
+                                        </p:attrNameLst>
+                                      </p:cBhvr>
+                                      <p:tavLst>
+                                        <p:tav tm="0">
+                                          <p:val>
+                                            <p:strVal val="1+#ppt_h/2"/>
+                                          </p:val>
+                                        </p:tav>
+                                        <p:tav tm="100000">
+                                          <p:val>
+                                            <p:strVal val="#ppt_y"/>
+                                          </p:val>
+                                        </p:tav>
+                                      </p:tavLst>
+                                    </p:anim>
+                                  </p:childTnLst>
+                                </p:cTn>
+                              </p:par>
+                              <p:par>
+                                <p:cTn id="21" presetID="2" presetClass="entr" presetSubtype="4" fill="hold" grpId="0" nodeType="withEffect">
+                                  <p:stCondLst>
+                                    <p:cond delay="0"/>
+                                  </p:stCondLst>
+                                  <p:childTnLst>
+                                    <p:set>
+                                      <p:cBhvr>
+                                        <p:cTn id="22" dur="1" fill="hold">
+                                          <p:stCondLst>
+                                            <p:cond delay="0"/>
+                                          </p:stCondLst>
+                                        </p:cTn>
+                                        <p:tgtEl>
+                                          <p:spTgt spid="6146">
+                                            <p:txEl>
+                                              <p:pRg st="5" end="5"/>
+                                            </p:txEl>
+                                          </p:spTgt>
+                                        </p:tgtEl>
+                                        <p:attrNameLst>
+                                          <p:attrName>style.visibility</p:attrName>
+                                        </p:attrNameLst>
+                                      </p:cBhvr>
+                                      <p:to>
+                                        <p:strVal val="visible"/>
+                                      </p:to>
+                                    </p:set>
+                                    <p:anim calcmode="lin" valueType="num">
+                                      <p:cBhvr additive="base">
+                                        <p:cTn id="23" dur="500" fill="hold"/>
+                                        <p:tgtEl>
+                                          <p:spTgt spid="6146">
+                                            <p:txEl>
+                                              <p:pRg st="5" end="5"/>
+                                            </p:txEl>
+                                          </p:spTgt>
+                                        </p:tgtEl>
+                                        <p:attrNameLst>
+                                          <p:attrName>ppt_x</p:attrName>
+                                        </p:attrNameLst>
+                                      </p:cBhvr>
+                                      <p:tavLst>
+                                        <p:tav tm="0">
+                                          <p:val>
+                                            <p:strVal val="#ppt_x"/>
+                                          </p:val>
+                                        </p:tav>
+                                        <p:tav tm="100000">
+                                          <p:val>
+                                            <p:strVal val="#ppt_x"/>
+                                          </p:val>
+                                        </p:tav>
+                                      </p:tavLst>
+                                    </p:anim>
+                                    <p:anim calcmode="lin" valueType="num">
+                                      <p:cBhvr additive="base">
+                                        <p:cTn id="24" dur="500" fill="hold"/>
+                                        <p:tgtEl>
+                                          <p:spTgt spid="6146">
+                                            <p:txEl>
+                                              <p:pRg st="5" end="5"/>
+                                            </p:txEl>
+                                          </p:spTgt>
+                                        </p:tgtEl>
+                                        <p:attrNameLst>
+                                          <p:attrName>ppt_y</p:attrName>
+                                        </p:attrNameLst>
+                                      </p:cBhvr>
+                                      <p:tavLst>
+                                        <p:tav tm="0">
+                                          <p:val>
+                                            <p:strVal val="1+#ppt_h/2"/>
+                                          </p:val>
+                                        </p:tav>
+                                        <p:tav tm="100000">
+                                          <p:val>
+                                            <p:strVal val="#ppt_y"/>
+                                          </p:val>
+                                        </p:tav>
+                                      </p:tavLst>
+                                    </p:anim>
+                                  </p:childTnLst>
+                                </p:cTn>
+                              </p:par>
+                              <p:par>
+                                <p:cTn id="25" presetID="2" presetClass="entr" presetSubtype="4" fill="hold" grpId="0" nodeType="withEffect">
+                                  <p:stCondLst>
+                                    <p:cond delay="0"/>
+                                  </p:stCondLst>
+                                  <p:childTnLst>
+                                    <p:set>
+                                      <p:cBhvr>
+                                        <p:cTn id="26" dur="1" fill="hold">
+                                          <p:stCondLst>
+                                            <p:cond delay="0"/>
+                                          </p:stCondLst>
+                                        </p:cTn>
+                                        <p:tgtEl>
+                                          <p:spTgt spid="6146">
+                                            <p:txEl>
+                                              <p:pRg st="6" end="6"/>
+                                            </p:txEl>
+                                          </p:spTgt>
+                                        </p:tgtEl>
+                                        <p:attrNameLst>
+                                          <p:attrName>style.visibility</p:attrName>
+                                        </p:attrNameLst>
+                                      </p:cBhvr>
+                                      <p:to>
+                                        <p:strVal val="visible"/>
+                                      </p:to>
+                                    </p:set>
+                                    <p:anim calcmode="lin" valueType="num">
+                                      <p:cBhvr additive="base">
+                                        <p:cTn id="27" dur="500" fill="hold"/>
+                                        <p:tgtEl>
+                                          <p:spTgt spid="6146">
+                                            <p:txEl>
+                                              <p:pRg st="6" end="6"/>
+                                            </p:txEl>
+                                          </p:spTgt>
+                                        </p:tgtEl>
+                                        <p:attrNameLst>
+                                          <p:attrName>ppt_x</p:attrName>
+                                        </p:attrNameLst>
+                                      </p:cBhvr>
+                                      <p:tavLst>
+                                        <p:tav tm="0">
+                                          <p:val>
+                                            <p:strVal val="#ppt_x"/>
+                                          </p:val>
+                                        </p:tav>
+                                        <p:tav tm="100000">
+                                          <p:val>
+                                            <p:strVal val="#ppt_x"/>
+                                          </p:val>
+                                        </p:tav>
+                                      </p:tavLst>
+                                    </p:anim>
+                                    <p:anim calcmode="lin" valueType="num">
+                                      <p:cBhvr additive="base">
+                                        <p:cTn id="28" dur="500" fill="hold"/>
+                                        <p:tgtEl>
+                                          <p:spTgt spid="6146">
+                                            <p:txEl>
+                                              <p:pRg st="6" end="6"/>
+                                            </p:txEl>
+                                          </p:spTgt>
+                                        </p:tgtEl>
+                                        <p:attrNameLst>
+                                          <p:attrName>ppt_y</p:attrName>
+                                        </p:attrNameLst>
+                                      </p:cBhvr>
+                                      <p:tavLst>
+                                        <p:tav tm="0">
+                                          <p:val>
+                                            <p:strVal val="1+#ppt_h/2"/>
+                                          </p:val>
+                                        </p:tav>
+                                        <p:tav tm="100000">
+                                          <p:val>
+                                            <p:strVal val="#ppt_y"/>
+                                          </p:val>
+                                        </p:tav>
+                                      </p:tavLst>
+                                    </p:anim>
+                                  </p:childTnLst>
+                                </p:cTn>
+                              </p:par>
+                              <p:par>
+                                <p:cTn id="29" presetID="2" presetClass="entr" presetSubtype="4" fill="hold" grpId="0" nodeType="withEffect">
+                                  <p:stCondLst>
+                                    <p:cond delay="0"/>
+                                  </p:stCondLst>
+                                  <p:childTnLst>
+                                    <p:set>
+                                      <p:cBhvr>
+                                        <p:cTn id="30" dur="1" fill="hold">
+                                          <p:stCondLst>
+                                            <p:cond delay="0"/>
+                                          </p:stCondLst>
+                                        </p:cTn>
+                                        <p:tgtEl>
+                                          <p:spTgt spid="6146">
+                                            <p:txEl>
+                                              <p:pRg st="7" end="7"/>
+                                            </p:txEl>
+                                          </p:spTgt>
+                                        </p:tgtEl>
+                                        <p:attrNameLst>
+                                          <p:attrName>style.visibility</p:attrName>
+                                        </p:attrNameLst>
+                                      </p:cBhvr>
+                                      <p:to>
+                                        <p:strVal val="visible"/>
+                                      </p:to>
+                                    </p:set>
+                                    <p:anim calcmode="lin" valueType="num">
+                                      <p:cBhvr additive="base">
+                                        <p:cTn id="31" dur="500" fill="hold"/>
+                                        <p:tgtEl>
+                                          <p:spTgt spid="6146">
+                                            <p:txEl>
+                                              <p:pRg st="7" end="7"/>
+                                            </p:txEl>
+                                          </p:spTgt>
+                                        </p:tgtEl>
+                                        <p:attrNameLst>
+                                          <p:attrName>ppt_x</p:attrName>
+                                        </p:attrNameLst>
+                                      </p:cBhvr>
+                                      <p:tavLst>
+                                        <p:tav tm="0">
+                                          <p:val>
+                                            <p:strVal val="#ppt_x"/>
+                                          </p:val>
+                                        </p:tav>
+                                        <p:tav tm="100000">
+                                          <p:val>
+                                            <p:strVal val="#ppt_x"/>
+                                          </p:val>
+                                        </p:tav>
+                                      </p:tavLst>
+                                    </p:anim>
+                                    <p:anim calcmode="lin" valueType="num">
+                                      <p:cBhvr additive="base">
+                                        <p:cTn id="32" dur="500" fill="hold"/>
+                                        <p:tgtEl>
+                                          <p:spTgt spid="6146">
+                                            <p:txEl>
+                                              <p:pRg st="7" end="7"/>
+                                            </p:txEl>
+                                          </p:spTgt>
+                                        </p:tgtEl>
+                                        <p:attrNameLst>
+                                          <p:attrName>ppt_y</p:attrName>
+                                        </p:attrNameLst>
+                                      </p:cBhvr>
+                                      <p:tavLst>
+                                        <p:tav tm="0">
+                                          <p:val>
+                                            <p:strVal val="1+#ppt_h/2"/>
+                                          </p:val>
+                                        </p:tav>
+                                        <p:tav tm="100000">
+                                          <p:val>
+                                            <p:strVal val="#ppt_y"/>
+                                          </p:val>
+                                        </p:tav>
+                                      </p:tavLst>
+                                    </p:anim>
+                                  </p:childTnLst>
+                                </p:cTn>
+                              </p:par>
+                            </p:childTnLst>
+                          </p:cTn>
+                        </p:par>
+                      </p:childTnLst>
+                    </p:cTn>
+                  </p:par>
+                  <p:par>
+                    <p:cTn id="33" fill="hold">
+                      <p:stCondLst>
+                        <p:cond delay="indefinite"/>
+                      </p:stCondLst>
+                      <p:childTnLst>
+                        <p:par>
+                          <p:cTn id="34" fill="hold">
+                            <p:stCondLst>
+                              <p:cond delay="0"/>
+                            </p:stCondLst>
+                            <p:childTnLst>
+                              <p:par>
+                                <p:cTn id="35" presetID="2" presetClass="entr" presetSubtype="4" fill="hold" grpId="0" nodeType="clickEffect">
+                                  <p:stCondLst>
+                                    <p:cond delay="0"/>
+                                  </p:stCondLst>
+                                  <p:childTnLst>
+                                    <p:set>
+                                      <p:cBhvr>
+                                        <p:cTn id="36" dur="1" fill="hold">
+                                          <p:stCondLst>
+                                            <p:cond delay="0"/>
+                                          </p:stCondLst>
+                                        </p:cTn>
+                                        <p:tgtEl>
+                                          <p:spTgt spid="6146">
+                                            <p:txEl>
+                                              <p:pRg st="10" end="10"/>
+                                            </p:txEl>
+                                          </p:spTgt>
+                                        </p:tgtEl>
+                                        <p:attrNameLst>
+                                          <p:attrName>style.visibility</p:attrName>
+                                        </p:attrNameLst>
+                                      </p:cBhvr>
+                                      <p:to>
+                                        <p:strVal val="visible"/>
+                                      </p:to>
+                                    </p:set>
+                                    <p:anim calcmode="lin" valueType="num">
+                                      <p:cBhvr additive="base">
+                                        <p:cTn id="37" dur="500" fill="hold"/>
+                                        <p:tgtEl>
+                                          <p:spTgt spid="6146">
+                                            <p:txEl>
+                                              <p:pRg st="10" end="10"/>
+                                            </p:txEl>
+                                          </p:spTgt>
+                                        </p:tgtEl>
+                                        <p:attrNameLst>
+                                          <p:attrName>ppt_x</p:attrName>
+                                        </p:attrNameLst>
+                                      </p:cBhvr>
+                                      <p:tavLst>
+                                        <p:tav tm="0">
+                                          <p:val>
+                                            <p:strVal val="#ppt_x"/>
+                                          </p:val>
+                                        </p:tav>
+                                        <p:tav tm="100000">
+                                          <p:val>
+                                            <p:strVal val="#ppt_x"/>
+                                          </p:val>
+                                        </p:tav>
+                                      </p:tavLst>
+                                    </p:anim>
+                                    <p:anim calcmode="lin" valueType="num">
+                                      <p:cBhvr additive="base">
+                                        <p:cTn id="38" dur="500" fill="hold"/>
+                                        <p:tgtEl>
+                                          <p:spTgt spid="6146">
+                                            <p:txEl>
+                                              <p:pRg st="10" end="10"/>
+                                            </p:txEl>
+                                          </p:spTgt>
+                                        </p:tgtEl>
+                                        <p:attrNameLst>
+                                          <p:attrName>ppt_y</p:attrName>
+                                        </p:attrNameLst>
+                                      </p:cBhvr>
+                                      <p:tavLst>
+                                        <p:tav tm="0">
+                                          <p:val>
+                                            <p:strVal val="1+#ppt_h/2"/>
+                                          </p:val>
+                                        </p:tav>
+                                        <p:tav tm="100000">
+                                          <p:val>
+                                            <p:strVal val="#ppt_y"/>
+                                          </p:val>
+                                        </p:tav>
+                                      </p:tavLst>
+                                    </p:anim>
+                                  </p:childTnLst>
+                                </p:cTn>
+                              </p:par>
+                              <p:par>
+                                <p:cTn id="39" presetID="2" presetClass="entr" presetSubtype="4" fill="hold" grpId="0" nodeType="withEffect">
+                                  <p:stCondLst>
+                                    <p:cond delay="0"/>
+                                  </p:stCondLst>
+                                  <p:childTnLst>
+                                    <p:set>
+                                      <p:cBhvr>
+                                        <p:cTn id="40" dur="1" fill="hold">
+                                          <p:stCondLst>
+                                            <p:cond delay="0"/>
+                                          </p:stCondLst>
+                                        </p:cTn>
+                                        <p:tgtEl>
+                                          <p:spTgt spid="6146">
+                                            <p:txEl>
+                                              <p:pRg st="11" end="11"/>
+                                            </p:txEl>
+                                          </p:spTgt>
+                                        </p:tgtEl>
+                                        <p:attrNameLst>
+                                          <p:attrName>style.visibility</p:attrName>
+                                        </p:attrNameLst>
+                                      </p:cBhvr>
+                                      <p:to>
+                                        <p:strVal val="visible"/>
+                                      </p:to>
+                                    </p:set>
+                                    <p:anim calcmode="lin" valueType="num">
+                                      <p:cBhvr additive="base">
+                                        <p:cTn id="41" dur="500" fill="hold"/>
+                                        <p:tgtEl>
+                                          <p:spTgt spid="6146">
+                                            <p:txEl>
+                                              <p:pRg st="11" end="11"/>
+                                            </p:txEl>
+                                          </p:spTgt>
+                                        </p:tgtEl>
+                                        <p:attrNameLst>
+                                          <p:attrName>ppt_x</p:attrName>
+                                        </p:attrNameLst>
+                                      </p:cBhvr>
+                                      <p:tavLst>
+                                        <p:tav tm="0">
+                                          <p:val>
+                                            <p:strVal val="#ppt_x"/>
+                                          </p:val>
+                                        </p:tav>
+                                        <p:tav tm="100000">
+                                          <p:val>
+                                            <p:strVal val="#ppt_x"/>
+                                          </p:val>
+                                        </p:tav>
+                                      </p:tavLst>
+                                    </p:anim>
+                                    <p:anim calcmode="lin" valueType="num">
+                                      <p:cBhvr additive="base">
+                                        <p:cTn id="42" dur="500" fill="hold"/>
+                                        <p:tgtEl>
+                                          <p:spTgt spid="6146">
+                                            <p:txEl>
+                                              <p:pRg st="11" end="11"/>
+                                            </p:txEl>
+                                          </p:spTgt>
+                                        </p:tgtEl>
+                                        <p:attrNameLst>
+                                          <p:attrName>ppt_y</p:attrName>
+                                        </p:attrNameLst>
+                                      </p:cBhvr>
+                                      <p:tavLst>
+                                        <p:tav tm="0">
+                                          <p:val>
+                                            <p:strVal val="1+#ppt_h/2"/>
+                                          </p:val>
+                                        </p:tav>
+                                        <p:tav tm="100000">
+                                          <p:val>
+                                            <p:strVal val="#ppt_y"/>
+                                          </p:val>
+                                        </p:tav>
+                                      </p:tavLst>
+                                    </p:anim>
+                                  </p:childTnLst>
+                                </p:cTn>
+                              </p:par>
+                            </p:childTnLst>
+                          </p:cTn>
+                        </p:par>
+                      </p:childTnLst>
+                    </p:cTn>
+                  </p:par>
+                </p:childTnLst>
+              </p:cTn>
+              <p:prevCondLst>
+                <p:cond evt="onPrev" delay="0">
+                  <p:tgtEl>
+                    <p:sldTgt/>
+                  </p:tgtEl>
+                </p:cond>
+              </p:prevCondLst>
+              <p:nextCondLst>
+                <p:cond evt="onNext" delay="0">
+                  <p:tgtEl>
+                    <p:sldTgt/>
+                  </p:tgtEl>
+                </p:cond>
+              </p:nextCondLst>
+            </p:seq>
+          </p:childTnLst>
+        </p:cTn>
+      </p:par>
+    </p:tnLst>
+    <p:bldLst>
+      <p:bldP spid="6146" grpId="0" uiExpand="1" build="p"/>
+    </p:bldLst>
+  </p:timing>
 </p:sld>
 </file>
 
@@ -13833,9 +16032,15 @@
       </p:grpSpPr>
       <p:sp>
         <p:nvSpPr>
-          <p:cNvPr id="6145" name="Rectangle 2"/>
+          <p:cNvPr id="2" name="Title 1">
+            <a:extLst>
+              <a:ext uri="{FF2B5EF4-FFF2-40B4-BE49-F238E27FC236}">
+                <a16:creationId xmlns:a16="http://schemas.microsoft.com/office/drawing/2014/main" id="{0F1239EB-B5D0-9129-3CA4-1FC87D78C28A}"/>
+              </a:ext>
+            </a:extLst>
+          </p:cNvPr>
           <p:cNvSpPr>
-            <a:spLocks noGrp="1" noChangeArrowheads="1"/>
+            <a:spLocks noGrp="1"/>
           </p:cNvSpPr>
           <p:nvPr>
             <p:ph type="title"/>
@@ -13847,84 +16052,85 @@
           <a:lstStyle/>
           <a:p>
             <a:r>
-              <a:rPr lang="en-US" altLang="en-US" dirty="0"/>
-              <a:t>Form of loop</a:t>
+              <a:rPr lang="en-IE" dirty="0"/>
+              <a:t>Thinking in Loops</a:t>
             </a:r>
           </a:p>
         </p:txBody>
       </p:sp>
       <p:sp>
         <p:nvSpPr>
-          <p:cNvPr id="6146" name="Rectangle 5"/>
+          <p:cNvPr id="3" name="Content Placeholder 2">
+            <a:extLst>
+              <a:ext uri="{FF2B5EF4-FFF2-40B4-BE49-F238E27FC236}">
+                <a16:creationId xmlns:a16="http://schemas.microsoft.com/office/drawing/2014/main" id="{9401BA97-C38A-D23C-DAF0-586E685724BE}"/>
+              </a:ext>
+            </a:extLst>
+          </p:cNvPr>
           <p:cNvSpPr>
-            <a:spLocks noGrp="1" noChangeArrowheads="1"/>
+            <a:spLocks noGrp="1"/>
           </p:cNvSpPr>
           <p:nvPr>
-            <p:ph type="body" idx="1"/>
+            <p:ph idx="1"/>
           </p:nvPr>
         </p:nvSpPr>
-        <p:spPr>
-          <a:xfrm>
-            <a:off x="1981200" y="1524000"/>
-            <a:ext cx="8305800" cy="5105400"/>
-          </a:xfrm>
-        </p:spPr>
+        <p:spPr/>
         <p:txBody>
           <a:bodyPr>
-            <a:normAutofit/>
+            <a:normAutofit fontScale="77500" lnSpcReduction="20000"/>
           </a:bodyPr>
           <a:lstStyle/>
           <a:p>
-            <a:pPr>
-              <a:lnSpc>
-                <a:spcPct val="90000"/>
-              </a:lnSpc>
+            <a:pPr marL="0" indent="0">
+              <a:buNone/>
             </a:pPr>
             <a:r>
-              <a:rPr lang="en-US" altLang="en-US" sz="2800" dirty="0"/>
-              <a:t>Write the all the numbers between 1 and 5 inclusive</a:t>
-            </a:r>
-          </a:p>
-          <a:p>
-            <a:pPr>
-              <a:lnSpc>
-                <a:spcPct val="90000"/>
-              </a:lnSpc>
+              <a:rPr lang="en-US" dirty="0"/>
+              <a:t>Instead, we want to say:</a:t>
+            </a:r>
+          </a:p>
+          <a:p>
+            <a:pPr marL="0" indent="0">
+              <a:buNone/>
             </a:pPr>
-            <a:endParaRPr lang="en-US" altLang="en-US" sz="2800" dirty="0"/>
-          </a:p>
-          <a:p>
-            <a:pPr lvl="1">
-              <a:lnSpc>
-                <a:spcPct val="90000"/>
-              </a:lnSpc>
+            <a:r>
+              <a:rPr lang="en-US" dirty="0"/>
+              <a:t>	“Do this 5 times, changing a value each time.”</a:t>
+            </a:r>
+          </a:p>
+          <a:p>
+            <a:pPr marL="0" indent="0">
+              <a:buNone/>
             </a:pPr>
-            <a:r>
-              <a:rPr lang="en-US" altLang="en-US" dirty="0"/>
-              <a:t>With a loop:</a:t>
-            </a:r>
-          </a:p>
-          <a:p>
-            <a:pPr lvl="1">
-              <a:lnSpc>
-                <a:spcPct val="90000"/>
-              </a:lnSpc>
+            <a:endParaRPr lang="en-US" dirty="0"/>
+          </a:p>
+          <a:p>
+            <a:pPr marL="0" indent="0">
+              <a:buNone/>
             </a:pPr>
-            <a:endParaRPr lang="en-US" altLang="en-US" sz="1400" dirty="0"/>
-          </a:p>
-          <a:p>
-            <a:pPr lvl="2">
-              <a:lnSpc>
-                <a:spcPct val="90000"/>
-              </a:lnSpc>
+            <a:r>
+              <a:rPr lang="en-US" dirty="0"/>
+              <a:t>We will use:</a:t>
+            </a:r>
+          </a:p>
+          <a:p>
+            <a:pPr lvl="1"/>
+            <a:r>
+              <a:rPr lang="en-US" dirty="0"/>
+              <a:t>A variable that changes</a:t>
+            </a:r>
+          </a:p>
+          <a:p>
+            <a:pPr lvl="1"/>
+            <a:r>
+              <a:rPr lang="en-US" dirty="0"/>
+              <a:t>A condition that controls repetition</a:t>
+            </a:r>
+          </a:p>
+          <a:p>
+            <a:pPr marL="57150" indent="0">
+              <a:buNone/>
             </a:pPr>
-            <a:r>
-              <a:rPr lang="en-US" altLang="en-US" dirty="0"/>
-              <a:t>do this 5 times </a:t>
-            </a:r>
-            <a:br>
-              <a:rPr lang="en-US" altLang="en-US" dirty="0"/>
-            </a:br>
             <a:endParaRPr lang="en-US" altLang="en-US" dirty="0"/>
           </a:p>
           <a:p>
@@ -13942,10 +16148,6 @@
               </a:lnSpc>
               <a:buNone/>
             </a:pPr>
-            <a:r>
-              <a:rPr lang="en-IE" dirty="0"/>
-              <a:t>			</a:t>
-            </a:r>
             <a:r>
               <a:rPr lang="en-IE" dirty="0" err="1"/>
               <a:t>System.out.println</a:t>
@@ -14005,40 +16207,822 @@
             </a:r>
           </a:p>
           <a:p>
-            <a:pPr lvl="2">
-              <a:lnSpc>
-                <a:spcPct val="90000"/>
-              </a:lnSpc>
-              <a:buFontTx/>
+            <a:pPr marL="0" indent="0">
               <a:buNone/>
             </a:pPr>
-            <a:endParaRPr lang="en-US" altLang="en-US" dirty="0"/>
-          </a:p>
-          <a:p>
-            <a:pPr lvl="2">
-              <a:lnSpc>
-                <a:spcPct val="90000"/>
-              </a:lnSpc>
-              <a:buFontTx/>
+            <a:endParaRPr lang="en-US" dirty="0"/>
+          </a:p>
+          <a:p>
+            <a:pPr marL="0" indent="0">
               <a:buNone/>
             </a:pPr>
             <a:r>
-              <a:rPr lang="en-US" altLang="en-US" i="1" dirty="0"/>
-              <a:t>(We’ll revisit this at the end of the slides)</a:t>
-            </a:r>
+              <a:rPr lang="en-US" dirty="0"/>
+              <a:t>This leads us to </a:t>
+            </a:r>
+            <a:r>
+              <a:rPr lang="en-US" b="1" dirty="0"/>
+              <a:t>loops</a:t>
+            </a:r>
+            <a:r>
+              <a:rPr lang="en-US" dirty="0"/>
+              <a:t>.</a:t>
+            </a:r>
+          </a:p>
+          <a:p>
+            <a:pPr marL="0" indent="0">
+              <a:buNone/>
+            </a:pPr>
+            <a:endParaRPr lang="en-IE" dirty="0"/>
           </a:p>
         </p:txBody>
       </p:sp>
     </p:spTree>
     <p:extLst>
       <p:ext uri="{BB962C8B-B14F-4D97-AF65-F5344CB8AC3E}">
-        <p14:creationId xmlns:p14="http://schemas.microsoft.com/office/powerpoint/2010/main" val="25284322"/>
+        <p14:creationId xmlns:p14="http://schemas.microsoft.com/office/powerpoint/2010/main" val="3101913491"/>
       </p:ext>
     </p:extLst>
   </p:cSld>
   <p:clrMapOvr>
     <a:masterClrMapping/>
   </p:clrMapOvr>
+  <p:timing>
+    <p:tnLst>
+      <p:par>
+        <p:cTn id="1" dur="indefinite" restart="never" nodeType="tmRoot">
+          <p:childTnLst>
+            <p:seq concurrent="1" nextAc="seek">
+              <p:cTn id="2" dur="indefinite" nodeType="mainSeq">
+                <p:childTnLst>
+                  <p:par>
+                    <p:cTn id="3" fill="hold">
+                      <p:stCondLst>
+                        <p:cond delay="indefinite"/>
+                      </p:stCondLst>
+                      <p:childTnLst>
+                        <p:par>
+                          <p:cTn id="4" fill="hold">
+                            <p:stCondLst>
+                              <p:cond delay="0"/>
+                            </p:stCondLst>
+                            <p:childTnLst>
+                              <p:par>
+                                <p:cTn id="5" presetID="2" presetClass="entr" presetSubtype="4" fill="hold" grpId="0" nodeType="clickEffect">
+                                  <p:stCondLst>
+                                    <p:cond delay="0"/>
+                                  </p:stCondLst>
+                                  <p:childTnLst>
+                                    <p:set>
+                                      <p:cBhvr>
+                                        <p:cTn id="6" dur="1" fill="hold">
+                                          <p:stCondLst>
+                                            <p:cond delay="0"/>
+                                          </p:stCondLst>
+                                        </p:cTn>
+                                        <p:tgtEl>
+                                          <p:spTgt spid="3">
+                                            <p:txEl>
+                                              <p:pRg st="0" end="0"/>
+                                            </p:txEl>
+                                          </p:spTgt>
+                                        </p:tgtEl>
+                                        <p:attrNameLst>
+                                          <p:attrName>style.visibility</p:attrName>
+                                        </p:attrNameLst>
+                                      </p:cBhvr>
+                                      <p:to>
+                                        <p:strVal val="visible"/>
+                                      </p:to>
+                                    </p:set>
+                                    <p:anim calcmode="lin" valueType="num">
+                                      <p:cBhvr additive="base">
+                                        <p:cTn id="7" dur="500" fill="hold"/>
+                                        <p:tgtEl>
+                                          <p:spTgt spid="3">
+                                            <p:txEl>
+                                              <p:pRg st="0" end="0"/>
+                                            </p:txEl>
+                                          </p:spTgt>
+                                        </p:tgtEl>
+                                        <p:attrNameLst>
+                                          <p:attrName>ppt_x</p:attrName>
+                                        </p:attrNameLst>
+                                      </p:cBhvr>
+                                      <p:tavLst>
+                                        <p:tav tm="0">
+                                          <p:val>
+                                            <p:strVal val="#ppt_x"/>
+                                          </p:val>
+                                        </p:tav>
+                                        <p:tav tm="100000">
+                                          <p:val>
+                                            <p:strVal val="#ppt_x"/>
+                                          </p:val>
+                                        </p:tav>
+                                      </p:tavLst>
+                                    </p:anim>
+                                    <p:anim calcmode="lin" valueType="num">
+                                      <p:cBhvr additive="base">
+                                        <p:cTn id="8" dur="500" fill="hold"/>
+                                        <p:tgtEl>
+                                          <p:spTgt spid="3">
+                                            <p:txEl>
+                                              <p:pRg st="0" end="0"/>
+                                            </p:txEl>
+                                          </p:spTgt>
+                                        </p:tgtEl>
+                                        <p:attrNameLst>
+                                          <p:attrName>ppt_y</p:attrName>
+                                        </p:attrNameLst>
+                                      </p:cBhvr>
+                                      <p:tavLst>
+                                        <p:tav tm="0">
+                                          <p:val>
+                                            <p:strVal val="1+#ppt_h/2"/>
+                                          </p:val>
+                                        </p:tav>
+                                        <p:tav tm="100000">
+                                          <p:val>
+                                            <p:strVal val="#ppt_y"/>
+                                          </p:val>
+                                        </p:tav>
+                                      </p:tavLst>
+                                    </p:anim>
+                                  </p:childTnLst>
+                                </p:cTn>
+                              </p:par>
+                            </p:childTnLst>
+                          </p:cTn>
+                        </p:par>
+                        <p:par>
+                          <p:cTn id="9" fill="hold">
+                            <p:stCondLst>
+                              <p:cond delay="500"/>
+                            </p:stCondLst>
+                            <p:childTnLst>
+                              <p:par>
+                                <p:cTn id="10" presetID="2" presetClass="entr" presetSubtype="4" fill="hold" grpId="0" nodeType="afterEffect">
+                                  <p:stCondLst>
+                                    <p:cond delay="0"/>
+                                  </p:stCondLst>
+                                  <p:childTnLst>
+                                    <p:set>
+                                      <p:cBhvr>
+                                        <p:cTn id="11" dur="1" fill="hold">
+                                          <p:stCondLst>
+                                            <p:cond delay="0"/>
+                                          </p:stCondLst>
+                                        </p:cTn>
+                                        <p:tgtEl>
+                                          <p:spTgt spid="3">
+                                            <p:txEl>
+                                              <p:pRg st="1" end="1"/>
+                                            </p:txEl>
+                                          </p:spTgt>
+                                        </p:tgtEl>
+                                        <p:attrNameLst>
+                                          <p:attrName>style.visibility</p:attrName>
+                                        </p:attrNameLst>
+                                      </p:cBhvr>
+                                      <p:to>
+                                        <p:strVal val="visible"/>
+                                      </p:to>
+                                    </p:set>
+                                    <p:anim calcmode="lin" valueType="num">
+                                      <p:cBhvr additive="base">
+                                        <p:cTn id="12" dur="500" fill="hold"/>
+                                        <p:tgtEl>
+                                          <p:spTgt spid="3">
+                                            <p:txEl>
+                                              <p:pRg st="1" end="1"/>
+                                            </p:txEl>
+                                          </p:spTgt>
+                                        </p:tgtEl>
+                                        <p:attrNameLst>
+                                          <p:attrName>ppt_x</p:attrName>
+                                        </p:attrNameLst>
+                                      </p:cBhvr>
+                                      <p:tavLst>
+                                        <p:tav tm="0">
+                                          <p:val>
+                                            <p:strVal val="#ppt_x"/>
+                                          </p:val>
+                                        </p:tav>
+                                        <p:tav tm="100000">
+                                          <p:val>
+                                            <p:strVal val="#ppt_x"/>
+                                          </p:val>
+                                        </p:tav>
+                                      </p:tavLst>
+                                    </p:anim>
+                                    <p:anim calcmode="lin" valueType="num">
+                                      <p:cBhvr additive="base">
+                                        <p:cTn id="13" dur="500" fill="hold"/>
+                                        <p:tgtEl>
+                                          <p:spTgt spid="3">
+                                            <p:txEl>
+                                              <p:pRg st="1" end="1"/>
+                                            </p:txEl>
+                                          </p:spTgt>
+                                        </p:tgtEl>
+                                        <p:attrNameLst>
+                                          <p:attrName>ppt_y</p:attrName>
+                                        </p:attrNameLst>
+                                      </p:cBhvr>
+                                      <p:tavLst>
+                                        <p:tav tm="0">
+                                          <p:val>
+                                            <p:strVal val="1+#ppt_h/2"/>
+                                          </p:val>
+                                        </p:tav>
+                                        <p:tav tm="100000">
+                                          <p:val>
+                                            <p:strVal val="#ppt_y"/>
+                                          </p:val>
+                                        </p:tav>
+                                      </p:tavLst>
+                                    </p:anim>
+                                  </p:childTnLst>
+                                </p:cTn>
+                              </p:par>
+                            </p:childTnLst>
+                          </p:cTn>
+                        </p:par>
+                      </p:childTnLst>
+                    </p:cTn>
+                  </p:par>
+                  <p:par>
+                    <p:cTn id="14" fill="hold">
+                      <p:stCondLst>
+                        <p:cond delay="indefinite"/>
+                      </p:stCondLst>
+                      <p:childTnLst>
+                        <p:par>
+                          <p:cTn id="15" fill="hold">
+                            <p:stCondLst>
+                              <p:cond delay="0"/>
+                            </p:stCondLst>
+                            <p:childTnLst>
+                              <p:par>
+                                <p:cTn id="16" presetID="2" presetClass="entr" presetSubtype="4" fill="hold" grpId="0" nodeType="clickEffect">
+                                  <p:stCondLst>
+                                    <p:cond delay="0"/>
+                                  </p:stCondLst>
+                                  <p:childTnLst>
+                                    <p:set>
+                                      <p:cBhvr>
+                                        <p:cTn id="17" dur="1" fill="hold">
+                                          <p:stCondLst>
+                                            <p:cond delay="0"/>
+                                          </p:stCondLst>
+                                        </p:cTn>
+                                        <p:tgtEl>
+                                          <p:spTgt spid="3">
+                                            <p:txEl>
+                                              <p:pRg st="3" end="3"/>
+                                            </p:txEl>
+                                          </p:spTgt>
+                                        </p:tgtEl>
+                                        <p:attrNameLst>
+                                          <p:attrName>style.visibility</p:attrName>
+                                        </p:attrNameLst>
+                                      </p:cBhvr>
+                                      <p:to>
+                                        <p:strVal val="visible"/>
+                                      </p:to>
+                                    </p:set>
+                                    <p:anim calcmode="lin" valueType="num">
+                                      <p:cBhvr additive="base">
+                                        <p:cTn id="18" dur="500" fill="hold"/>
+                                        <p:tgtEl>
+                                          <p:spTgt spid="3">
+                                            <p:txEl>
+                                              <p:pRg st="3" end="3"/>
+                                            </p:txEl>
+                                          </p:spTgt>
+                                        </p:tgtEl>
+                                        <p:attrNameLst>
+                                          <p:attrName>ppt_x</p:attrName>
+                                        </p:attrNameLst>
+                                      </p:cBhvr>
+                                      <p:tavLst>
+                                        <p:tav tm="0">
+                                          <p:val>
+                                            <p:strVal val="#ppt_x"/>
+                                          </p:val>
+                                        </p:tav>
+                                        <p:tav tm="100000">
+                                          <p:val>
+                                            <p:strVal val="#ppt_x"/>
+                                          </p:val>
+                                        </p:tav>
+                                      </p:tavLst>
+                                    </p:anim>
+                                    <p:anim calcmode="lin" valueType="num">
+                                      <p:cBhvr additive="base">
+                                        <p:cTn id="19" dur="500" fill="hold"/>
+                                        <p:tgtEl>
+                                          <p:spTgt spid="3">
+                                            <p:txEl>
+                                              <p:pRg st="3" end="3"/>
+                                            </p:txEl>
+                                          </p:spTgt>
+                                        </p:tgtEl>
+                                        <p:attrNameLst>
+                                          <p:attrName>ppt_y</p:attrName>
+                                        </p:attrNameLst>
+                                      </p:cBhvr>
+                                      <p:tavLst>
+                                        <p:tav tm="0">
+                                          <p:val>
+                                            <p:strVal val="1+#ppt_h/2"/>
+                                          </p:val>
+                                        </p:tav>
+                                        <p:tav tm="100000">
+                                          <p:val>
+                                            <p:strVal val="#ppt_y"/>
+                                          </p:val>
+                                        </p:tav>
+                                      </p:tavLst>
+                                    </p:anim>
+                                  </p:childTnLst>
+                                </p:cTn>
+                              </p:par>
+                              <p:par>
+                                <p:cTn id="20" presetID="2" presetClass="entr" presetSubtype="4" fill="hold" grpId="0" nodeType="withEffect">
+                                  <p:stCondLst>
+                                    <p:cond delay="0"/>
+                                  </p:stCondLst>
+                                  <p:childTnLst>
+                                    <p:set>
+                                      <p:cBhvr>
+                                        <p:cTn id="21" dur="1" fill="hold">
+                                          <p:stCondLst>
+                                            <p:cond delay="0"/>
+                                          </p:stCondLst>
+                                        </p:cTn>
+                                        <p:tgtEl>
+                                          <p:spTgt spid="3">
+                                            <p:txEl>
+                                              <p:pRg st="4" end="4"/>
+                                            </p:txEl>
+                                          </p:spTgt>
+                                        </p:tgtEl>
+                                        <p:attrNameLst>
+                                          <p:attrName>style.visibility</p:attrName>
+                                        </p:attrNameLst>
+                                      </p:cBhvr>
+                                      <p:to>
+                                        <p:strVal val="visible"/>
+                                      </p:to>
+                                    </p:set>
+                                    <p:anim calcmode="lin" valueType="num">
+                                      <p:cBhvr additive="base">
+                                        <p:cTn id="22" dur="500" fill="hold"/>
+                                        <p:tgtEl>
+                                          <p:spTgt spid="3">
+                                            <p:txEl>
+                                              <p:pRg st="4" end="4"/>
+                                            </p:txEl>
+                                          </p:spTgt>
+                                        </p:tgtEl>
+                                        <p:attrNameLst>
+                                          <p:attrName>ppt_x</p:attrName>
+                                        </p:attrNameLst>
+                                      </p:cBhvr>
+                                      <p:tavLst>
+                                        <p:tav tm="0">
+                                          <p:val>
+                                            <p:strVal val="#ppt_x"/>
+                                          </p:val>
+                                        </p:tav>
+                                        <p:tav tm="100000">
+                                          <p:val>
+                                            <p:strVal val="#ppt_x"/>
+                                          </p:val>
+                                        </p:tav>
+                                      </p:tavLst>
+                                    </p:anim>
+                                    <p:anim calcmode="lin" valueType="num">
+                                      <p:cBhvr additive="base">
+                                        <p:cTn id="23" dur="500" fill="hold"/>
+                                        <p:tgtEl>
+                                          <p:spTgt spid="3">
+                                            <p:txEl>
+                                              <p:pRg st="4" end="4"/>
+                                            </p:txEl>
+                                          </p:spTgt>
+                                        </p:tgtEl>
+                                        <p:attrNameLst>
+                                          <p:attrName>ppt_y</p:attrName>
+                                        </p:attrNameLst>
+                                      </p:cBhvr>
+                                      <p:tavLst>
+                                        <p:tav tm="0">
+                                          <p:val>
+                                            <p:strVal val="1+#ppt_h/2"/>
+                                          </p:val>
+                                        </p:tav>
+                                        <p:tav tm="100000">
+                                          <p:val>
+                                            <p:strVal val="#ppt_y"/>
+                                          </p:val>
+                                        </p:tav>
+                                      </p:tavLst>
+                                    </p:anim>
+                                  </p:childTnLst>
+                                </p:cTn>
+                              </p:par>
+                              <p:par>
+                                <p:cTn id="24" presetID="2" presetClass="entr" presetSubtype="4" fill="hold" grpId="0" nodeType="withEffect">
+                                  <p:stCondLst>
+                                    <p:cond delay="0"/>
+                                  </p:stCondLst>
+                                  <p:childTnLst>
+                                    <p:set>
+                                      <p:cBhvr>
+                                        <p:cTn id="25" dur="1" fill="hold">
+                                          <p:stCondLst>
+                                            <p:cond delay="0"/>
+                                          </p:stCondLst>
+                                        </p:cTn>
+                                        <p:tgtEl>
+                                          <p:spTgt spid="3">
+                                            <p:txEl>
+                                              <p:pRg st="5" end="5"/>
+                                            </p:txEl>
+                                          </p:spTgt>
+                                        </p:tgtEl>
+                                        <p:attrNameLst>
+                                          <p:attrName>style.visibility</p:attrName>
+                                        </p:attrNameLst>
+                                      </p:cBhvr>
+                                      <p:to>
+                                        <p:strVal val="visible"/>
+                                      </p:to>
+                                    </p:set>
+                                    <p:anim calcmode="lin" valueType="num">
+                                      <p:cBhvr additive="base">
+                                        <p:cTn id="26" dur="500" fill="hold"/>
+                                        <p:tgtEl>
+                                          <p:spTgt spid="3">
+                                            <p:txEl>
+                                              <p:pRg st="5" end="5"/>
+                                            </p:txEl>
+                                          </p:spTgt>
+                                        </p:tgtEl>
+                                        <p:attrNameLst>
+                                          <p:attrName>ppt_x</p:attrName>
+                                        </p:attrNameLst>
+                                      </p:cBhvr>
+                                      <p:tavLst>
+                                        <p:tav tm="0">
+                                          <p:val>
+                                            <p:strVal val="#ppt_x"/>
+                                          </p:val>
+                                        </p:tav>
+                                        <p:tav tm="100000">
+                                          <p:val>
+                                            <p:strVal val="#ppt_x"/>
+                                          </p:val>
+                                        </p:tav>
+                                      </p:tavLst>
+                                    </p:anim>
+                                    <p:anim calcmode="lin" valueType="num">
+                                      <p:cBhvr additive="base">
+                                        <p:cTn id="27" dur="500" fill="hold"/>
+                                        <p:tgtEl>
+                                          <p:spTgt spid="3">
+                                            <p:txEl>
+                                              <p:pRg st="5" end="5"/>
+                                            </p:txEl>
+                                          </p:spTgt>
+                                        </p:tgtEl>
+                                        <p:attrNameLst>
+                                          <p:attrName>ppt_y</p:attrName>
+                                        </p:attrNameLst>
+                                      </p:cBhvr>
+                                      <p:tavLst>
+                                        <p:tav tm="0">
+                                          <p:val>
+                                            <p:strVal val="1+#ppt_h/2"/>
+                                          </p:val>
+                                        </p:tav>
+                                        <p:tav tm="100000">
+                                          <p:val>
+                                            <p:strVal val="#ppt_y"/>
+                                          </p:val>
+                                        </p:tav>
+                                      </p:tavLst>
+                                    </p:anim>
+                                  </p:childTnLst>
+                                </p:cTn>
+                              </p:par>
+                              <p:par>
+                                <p:cTn id="28" presetID="2" presetClass="entr" presetSubtype="4" fill="hold" grpId="0" nodeType="withEffect">
+                                  <p:stCondLst>
+                                    <p:cond delay="0"/>
+                                  </p:stCondLst>
+                                  <p:childTnLst>
+                                    <p:set>
+                                      <p:cBhvr>
+                                        <p:cTn id="29" dur="1" fill="hold">
+                                          <p:stCondLst>
+                                            <p:cond delay="0"/>
+                                          </p:stCondLst>
+                                        </p:cTn>
+                                        <p:tgtEl>
+                                          <p:spTgt spid="3">
+                                            <p:txEl>
+                                              <p:pRg st="8" end="8"/>
+                                            </p:txEl>
+                                          </p:spTgt>
+                                        </p:tgtEl>
+                                        <p:attrNameLst>
+                                          <p:attrName>style.visibility</p:attrName>
+                                        </p:attrNameLst>
+                                      </p:cBhvr>
+                                      <p:to>
+                                        <p:strVal val="visible"/>
+                                      </p:to>
+                                    </p:set>
+                                    <p:anim calcmode="lin" valueType="num">
+                                      <p:cBhvr additive="base">
+                                        <p:cTn id="30" dur="500" fill="hold"/>
+                                        <p:tgtEl>
+                                          <p:spTgt spid="3">
+                                            <p:txEl>
+                                              <p:pRg st="8" end="8"/>
+                                            </p:txEl>
+                                          </p:spTgt>
+                                        </p:tgtEl>
+                                        <p:attrNameLst>
+                                          <p:attrName>ppt_x</p:attrName>
+                                        </p:attrNameLst>
+                                      </p:cBhvr>
+                                      <p:tavLst>
+                                        <p:tav tm="0">
+                                          <p:val>
+                                            <p:strVal val="#ppt_x"/>
+                                          </p:val>
+                                        </p:tav>
+                                        <p:tav tm="100000">
+                                          <p:val>
+                                            <p:strVal val="#ppt_x"/>
+                                          </p:val>
+                                        </p:tav>
+                                      </p:tavLst>
+                                    </p:anim>
+                                    <p:anim calcmode="lin" valueType="num">
+                                      <p:cBhvr additive="base">
+                                        <p:cTn id="31" dur="500" fill="hold"/>
+                                        <p:tgtEl>
+                                          <p:spTgt spid="3">
+                                            <p:txEl>
+                                              <p:pRg st="8" end="8"/>
+                                            </p:txEl>
+                                          </p:spTgt>
+                                        </p:tgtEl>
+                                        <p:attrNameLst>
+                                          <p:attrName>ppt_y</p:attrName>
+                                        </p:attrNameLst>
+                                      </p:cBhvr>
+                                      <p:tavLst>
+                                        <p:tav tm="0">
+                                          <p:val>
+                                            <p:strVal val="1+#ppt_h/2"/>
+                                          </p:val>
+                                        </p:tav>
+                                        <p:tav tm="100000">
+                                          <p:val>
+                                            <p:strVal val="#ppt_y"/>
+                                          </p:val>
+                                        </p:tav>
+                                      </p:tavLst>
+                                    </p:anim>
+                                  </p:childTnLst>
+                                </p:cTn>
+                              </p:par>
+                              <p:par>
+                                <p:cTn id="32" presetID="2" presetClass="entr" presetSubtype="4" fill="hold" grpId="0" nodeType="withEffect">
+                                  <p:stCondLst>
+                                    <p:cond delay="0"/>
+                                  </p:stCondLst>
+                                  <p:childTnLst>
+                                    <p:set>
+                                      <p:cBhvr>
+                                        <p:cTn id="33" dur="1" fill="hold">
+                                          <p:stCondLst>
+                                            <p:cond delay="0"/>
+                                          </p:stCondLst>
+                                        </p:cTn>
+                                        <p:tgtEl>
+                                          <p:spTgt spid="3">
+                                            <p:txEl>
+                                              <p:pRg st="10" end="10"/>
+                                            </p:txEl>
+                                          </p:spTgt>
+                                        </p:tgtEl>
+                                        <p:attrNameLst>
+                                          <p:attrName>style.visibility</p:attrName>
+                                        </p:attrNameLst>
+                                      </p:cBhvr>
+                                      <p:to>
+                                        <p:strVal val="visible"/>
+                                      </p:to>
+                                    </p:set>
+                                    <p:anim calcmode="lin" valueType="num">
+                                      <p:cBhvr additive="base">
+                                        <p:cTn id="34" dur="500" fill="hold"/>
+                                        <p:tgtEl>
+                                          <p:spTgt spid="3">
+                                            <p:txEl>
+                                              <p:pRg st="10" end="10"/>
+                                            </p:txEl>
+                                          </p:spTgt>
+                                        </p:tgtEl>
+                                        <p:attrNameLst>
+                                          <p:attrName>ppt_x</p:attrName>
+                                        </p:attrNameLst>
+                                      </p:cBhvr>
+                                      <p:tavLst>
+                                        <p:tav tm="0">
+                                          <p:val>
+                                            <p:strVal val="#ppt_x"/>
+                                          </p:val>
+                                        </p:tav>
+                                        <p:tav tm="100000">
+                                          <p:val>
+                                            <p:strVal val="#ppt_x"/>
+                                          </p:val>
+                                        </p:tav>
+                                      </p:tavLst>
+                                    </p:anim>
+                                    <p:anim calcmode="lin" valueType="num">
+                                      <p:cBhvr additive="base">
+                                        <p:cTn id="35" dur="500" fill="hold"/>
+                                        <p:tgtEl>
+                                          <p:spTgt spid="3">
+                                            <p:txEl>
+                                              <p:pRg st="10" end="10"/>
+                                            </p:txEl>
+                                          </p:spTgt>
+                                        </p:tgtEl>
+                                        <p:attrNameLst>
+                                          <p:attrName>ppt_y</p:attrName>
+                                        </p:attrNameLst>
+                                      </p:cBhvr>
+                                      <p:tavLst>
+                                        <p:tav tm="0">
+                                          <p:val>
+                                            <p:strVal val="1+#ppt_h/2"/>
+                                          </p:val>
+                                        </p:tav>
+                                        <p:tav tm="100000">
+                                          <p:val>
+                                            <p:strVal val="#ppt_y"/>
+                                          </p:val>
+                                        </p:tav>
+                                      </p:tavLst>
+                                    </p:anim>
+                                  </p:childTnLst>
+                                </p:cTn>
+                              </p:par>
+                            </p:childTnLst>
+                          </p:cTn>
+                        </p:par>
+                      </p:childTnLst>
+                    </p:cTn>
+                  </p:par>
+                  <p:par>
+                    <p:cTn id="36" fill="hold">
+                      <p:stCondLst>
+                        <p:cond delay="indefinite"/>
+                      </p:stCondLst>
+                      <p:childTnLst>
+                        <p:par>
+                          <p:cTn id="37" fill="hold">
+                            <p:stCondLst>
+                              <p:cond delay="0"/>
+                            </p:stCondLst>
+                            <p:childTnLst>
+                              <p:par>
+                                <p:cTn id="38" presetID="2" presetClass="entr" presetSubtype="4" fill="hold" grpId="0" nodeType="clickEffect">
+                                  <p:stCondLst>
+                                    <p:cond delay="0"/>
+                                  </p:stCondLst>
+                                  <p:childTnLst>
+                                    <p:set>
+                                      <p:cBhvr>
+                                        <p:cTn id="39" dur="1" fill="hold">
+                                          <p:stCondLst>
+                                            <p:cond delay="0"/>
+                                          </p:stCondLst>
+                                        </p:cTn>
+                                        <p:tgtEl>
+                                          <p:spTgt spid="3">
+                                            <p:txEl>
+                                              <p:pRg st="12" end="12"/>
+                                            </p:txEl>
+                                          </p:spTgt>
+                                        </p:tgtEl>
+                                        <p:attrNameLst>
+                                          <p:attrName>style.visibility</p:attrName>
+                                        </p:attrNameLst>
+                                      </p:cBhvr>
+                                      <p:to>
+                                        <p:strVal val="visible"/>
+                                      </p:to>
+                                    </p:set>
+                                    <p:anim calcmode="lin" valueType="num">
+                                      <p:cBhvr additive="base">
+                                        <p:cTn id="40" dur="500" fill="hold"/>
+                                        <p:tgtEl>
+                                          <p:spTgt spid="3">
+                                            <p:txEl>
+                                              <p:pRg st="12" end="12"/>
+                                            </p:txEl>
+                                          </p:spTgt>
+                                        </p:tgtEl>
+                                        <p:attrNameLst>
+                                          <p:attrName>ppt_x</p:attrName>
+                                        </p:attrNameLst>
+                                      </p:cBhvr>
+                                      <p:tavLst>
+                                        <p:tav tm="0">
+                                          <p:val>
+                                            <p:strVal val="#ppt_x"/>
+                                          </p:val>
+                                        </p:tav>
+                                        <p:tav tm="100000">
+                                          <p:val>
+                                            <p:strVal val="#ppt_x"/>
+                                          </p:val>
+                                        </p:tav>
+                                      </p:tavLst>
+                                    </p:anim>
+                                    <p:anim calcmode="lin" valueType="num">
+                                      <p:cBhvr additive="base">
+                                        <p:cTn id="41" dur="500" fill="hold"/>
+                                        <p:tgtEl>
+                                          <p:spTgt spid="3">
+                                            <p:txEl>
+                                              <p:pRg st="12" end="12"/>
+                                            </p:txEl>
+                                          </p:spTgt>
+                                        </p:tgtEl>
+                                        <p:attrNameLst>
+                                          <p:attrName>ppt_y</p:attrName>
+                                        </p:attrNameLst>
+                                      </p:cBhvr>
+                                      <p:tavLst>
+                                        <p:tav tm="0">
+                                          <p:val>
+                                            <p:strVal val="1+#ppt_h/2"/>
+                                          </p:val>
+                                        </p:tav>
+                                        <p:tav tm="100000">
+                                          <p:val>
+                                            <p:strVal val="#ppt_y"/>
+                                          </p:val>
+                                        </p:tav>
+                                      </p:tavLst>
+                                    </p:anim>
+                                  </p:childTnLst>
+                                </p:cTn>
+                              </p:par>
+                            </p:childTnLst>
+                          </p:cTn>
+                        </p:par>
+                      </p:childTnLst>
+                    </p:cTn>
+                  </p:par>
+                </p:childTnLst>
+              </p:cTn>
+              <p:prevCondLst>
+                <p:cond evt="onPrev" delay="0">
+                  <p:tgtEl>
+                    <p:sldTgt/>
+                  </p:tgtEl>
+                </p:cond>
+              </p:prevCondLst>
+              <p:nextCondLst>
+                <p:cond evt="onNext" delay="0">
+                  <p:tgtEl>
+                    <p:sldTgt/>
+                  </p:tgtEl>
+                </p:cond>
+              </p:nextCondLst>
+            </p:seq>
+          </p:childTnLst>
+        </p:cTn>
+      </p:par>
+    </p:tnLst>
+    <p:bldLst>
+      <p:bldP spid="3" grpId="0" uiExpand="1" build="p"/>
+    </p:bldLst>
+  </p:timing>
 </p:sld>
 </file>
 
@@ -14416,9 +17400,15 @@
       </p:grpSpPr>
       <p:sp>
         <p:nvSpPr>
-          <p:cNvPr id="18434" name="Rectangle 2"/>
+          <p:cNvPr id="2" name="Title 1">
+            <a:extLst>
+              <a:ext uri="{FF2B5EF4-FFF2-40B4-BE49-F238E27FC236}">
+                <a16:creationId xmlns:a16="http://schemas.microsoft.com/office/drawing/2014/main" id="{41AA88B0-861C-43F7-C9BE-0E8F5CB5E33D}"/>
+              </a:ext>
+            </a:extLst>
+          </p:cNvPr>
           <p:cNvSpPr>
-            <a:spLocks noGrp="1" noChangeArrowheads="1"/>
+            <a:spLocks noGrp="1"/>
           </p:cNvSpPr>
           <p:nvPr>
             <p:ph type="title"/>
@@ -14430,1113 +17420,83 @@
           <a:lstStyle/>
           <a:p>
             <a:r>
-              <a:rPr lang="en-US" b="1" dirty="0"/>
-              <a:t>while loop </a:t>
-            </a:r>
-            <a:r>
-              <a:rPr lang="en-US" dirty="0"/>
-              <a:t>pseudo code</a:t>
+              <a:rPr lang="en-IE" dirty="0"/>
+              <a:t>The while Loop</a:t>
             </a:r>
           </a:p>
         </p:txBody>
       </p:sp>
       <p:sp>
         <p:nvSpPr>
-          <p:cNvPr id="18436" name="Text Box 4"/>
-          <p:cNvSpPr txBox="1">
-            <a:spLocks noChangeArrowheads="1"/>
+          <p:cNvPr id="3" name="Content Placeholder 2">
+            <a:extLst>
+              <a:ext uri="{FF2B5EF4-FFF2-40B4-BE49-F238E27FC236}">
+                <a16:creationId xmlns:a16="http://schemas.microsoft.com/office/drawing/2014/main" id="{08A62819-C091-829F-D31B-76E8E74B9507}"/>
+              </a:ext>
+            </a:extLst>
+          </p:cNvPr>
+          <p:cNvSpPr>
+            <a:spLocks noGrp="1"/>
           </p:cNvSpPr>
-          <p:nvPr/>
+          <p:nvPr>
+            <p:ph idx="1"/>
+          </p:nvPr>
         </p:nvSpPr>
-        <p:spPr bwMode="auto">
-          <a:xfrm>
-            <a:off x="4038600" y="3124200"/>
-            <a:ext cx="3200400" cy="825500"/>
-          </a:xfrm>
-          <a:prstGeom prst="rect">
-            <a:avLst/>
-          </a:prstGeom>
-          <a:noFill/>
-          <a:ln>
-            <a:noFill/>
-          </a:ln>
-          <a:effectLst/>
-          <a:extLst>
-            <a:ext uri="{909E8E84-426E-40DD-AFC4-6F175D3DCCD1}">
-              <a14:hiddenFill xmlns:a14="http://schemas.microsoft.com/office/drawing/2010/main">
-                <a:solidFill>
-                  <a:schemeClr val="accent1"/>
-                </a:solidFill>
-              </a14:hiddenFill>
-            </a:ext>
-            <a:ext uri="{91240B29-F687-4F45-9708-019B960494DF}">
-              <a14:hiddenLine xmlns:a14="http://schemas.microsoft.com/office/drawing/2010/main" w="9525">
-                <a:solidFill>
-                  <a:schemeClr val="tx1"/>
-                </a:solidFill>
-                <a:miter lim="800000"/>
-                <a:headEnd/>
-                <a:tailEnd/>
-              </a14:hiddenLine>
-            </a:ext>
-            <a:ext uri="{AF507438-7753-43E0-B8FC-AC1667EBCBE1}">
-              <a14:hiddenEffects xmlns:a14="http://schemas.microsoft.com/office/drawing/2010/main">
-                <a:effectLst>
-                  <a:outerShdw dist="35921" dir="2700000" algn="ctr" rotWithShape="0">
-                    <a:schemeClr val="bg2"/>
-                  </a:outerShdw>
-                </a:effectLst>
-              </a14:hiddenEffects>
-            </a:ext>
-          </a:extLst>
-        </p:spPr>
+        <p:spPr/>
         <p:txBody>
-          <a:bodyPr>
-            <a:spAutoFit/>
-          </a:bodyPr>
+          <a:bodyPr/>
           <a:lstStyle/>
           <a:p>
-            <a:pPr algn="just">
-              <a:spcBef>
-                <a:spcPct val="50000"/>
-              </a:spcBef>
+            <a:pPr marL="0" indent="0">
+              <a:buNone/>
             </a:pPr>
             <a:r>
-              <a:rPr lang="en-US" sz="1600" dirty="0"/>
-              <a:t>while(</a:t>
-            </a:r>
-            <a:r>
-              <a:rPr lang="en-US" sz="1600" i="1" dirty="0"/>
-              <a:t>loop condition</a:t>
-            </a:r>
-            <a:r>
-              <a:rPr lang="en-US" sz="1600" dirty="0"/>
-              <a:t>) {</a:t>
-            </a:r>
-          </a:p>
-          <a:p>
-            <a:r>
-              <a:rPr lang="en-US" sz="1600" dirty="0"/>
-              <a:t>    </a:t>
-            </a:r>
-            <a:r>
-              <a:rPr lang="en-US" sz="1600" i="1" dirty="0"/>
-              <a:t>loop body</a:t>
-            </a:r>
-            <a:endParaRPr lang="en-US" sz="1600" dirty="0"/>
-          </a:p>
-          <a:p>
-            <a:r>
-              <a:rPr lang="en-US" sz="1600" dirty="0"/>
-              <a:t>} </a:t>
-            </a:r>
-          </a:p>
-        </p:txBody>
-      </p:sp>
-      <p:sp>
-        <p:nvSpPr>
-          <p:cNvPr id="18437" name="Text Box 5"/>
-          <p:cNvSpPr txBox="1">
-            <a:spLocks noChangeArrowheads="1"/>
-          </p:cNvSpPr>
-          <p:nvPr/>
-        </p:nvSpPr>
-        <p:spPr bwMode="auto">
-          <a:xfrm>
-            <a:off x="3024189" y="5500688"/>
-            <a:ext cx="6359525" cy="366712"/>
-          </a:xfrm>
-          <a:prstGeom prst="rect">
-            <a:avLst/>
-          </a:prstGeom>
-          <a:noFill/>
-          <a:ln>
-            <a:noFill/>
-          </a:ln>
-          <a:effectLst/>
-          <a:extLst>
-            <a:ext uri="{909E8E84-426E-40DD-AFC4-6F175D3DCCD1}">
-              <a14:hiddenFill xmlns:a14="http://schemas.microsoft.com/office/drawing/2010/main">
-                <a:solidFill>
-                  <a:schemeClr val="accent1"/>
-                </a:solidFill>
-              </a14:hiddenFill>
-            </a:ext>
-            <a:ext uri="{91240B29-F687-4F45-9708-019B960494DF}">
-              <a14:hiddenLine xmlns:a14="http://schemas.microsoft.com/office/drawing/2010/main" w="9525">
-                <a:solidFill>
-                  <a:schemeClr val="tx1"/>
-                </a:solidFill>
-                <a:miter lim="800000"/>
-                <a:headEnd/>
-                <a:tailEnd/>
-              </a14:hiddenLine>
-            </a:ext>
-            <a:ext uri="{AF507438-7753-43E0-B8FC-AC1667EBCBE1}">
-              <a14:hiddenEffects xmlns:a14="http://schemas.microsoft.com/office/drawing/2010/main">
-                <a:effectLst>
-                  <a:outerShdw dist="35921" dir="2700000" algn="ctr" rotWithShape="0">
-                    <a:schemeClr val="bg2"/>
-                  </a:outerShdw>
-                </a:effectLst>
-              </a14:hiddenEffects>
-            </a:ext>
-          </a:extLst>
-        </p:spPr>
-        <p:txBody>
-          <a:bodyPr wrap="none">
-            <a:spAutoFit/>
-          </a:bodyPr>
-          <a:lstStyle/>
-          <a:p>
-            <a:r>
-              <a:rPr lang="en-US" dirty="0">
-                <a:latin typeface="Trebuchet MS" pitchFamily="-32" charset="0"/>
-              </a:rPr>
-              <a:t>while we wish to continue, do the things in the loop body</a:t>
-            </a:r>
-          </a:p>
-        </p:txBody>
-      </p:sp>
-      <p:sp>
-        <p:nvSpPr>
-          <p:cNvPr id="18439" name="AutoShape 7"/>
-          <p:cNvSpPr>
-            <a:spLocks noChangeArrowheads="1"/>
-          </p:cNvSpPr>
-          <p:nvPr/>
-        </p:nvSpPr>
-        <p:spPr bwMode="auto">
-          <a:xfrm>
-            <a:off x="6553200" y="2590800"/>
-            <a:ext cx="2133600" cy="457200"/>
-          </a:xfrm>
-          <a:prstGeom prst="roundRect">
-            <a:avLst>
-              <a:gd name="adj" fmla="val 16667"/>
-            </a:avLst>
-          </a:prstGeom>
-          <a:noFill/>
-          <a:ln w="9525">
-            <a:solidFill>
-              <a:schemeClr val="tx1"/>
-            </a:solidFill>
-            <a:round/>
-            <a:headEnd/>
-            <a:tailEnd/>
-          </a:ln>
-          <a:effectLst/>
-          <a:extLst>
-            <a:ext uri="{909E8E84-426E-40DD-AFC4-6F175D3DCCD1}">
-              <a14:hiddenFill xmlns:a14="http://schemas.microsoft.com/office/drawing/2010/main">
-                <a:solidFill>
-                  <a:schemeClr val="accent1"/>
-                </a:solidFill>
-              </a14:hiddenFill>
-            </a:ext>
-            <a:ext uri="{AF507438-7753-43E0-B8FC-AC1667EBCBE1}">
-              <a14:hiddenEffects xmlns:a14="http://schemas.microsoft.com/office/drawing/2010/main">
-                <a:effectLst>
-                  <a:outerShdw dist="35921" dir="2700000" algn="ctr" rotWithShape="0">
-                    <a:schemeClr val="bg2"/>
-                  </a:outerShdw>
-                </a:effectLst>
-              </a14:hiddenEffects>
-            </a:ext>
-          </a:extLst>
-        </p:spPr>
-        <p:txBody>
-          <a:bodyPr wrap="none" anchor="ctr"/>
-          <a:lstStyle/>
-          <a:p>
-            <a:pPr algn="ctr"/>
-            <a:r>
-              <a:rPr lang="en-US" dirty="0" err="1">
-                <a:solidFill>
-                  <a:srgbClr val="A57133"/>
-                </a:solidFill>
-                <a:latin typeface="Trebuchet MS" pitchFamily="-32" charset="0"/>
-              </a:rPr>
-              <a:t>boolean</a:t>
-            </a:r>
-            <a:r>
-              <a:rPr lang="en-US" dirty="0">
-                <a:solidFill>
-                  <a:srgbClr val="A57133"/>
-                </a:solidFill>
-                <a:latin typeface="Trebuchet MS" pitchFamily="-32" charset="0"/>
-              </a:rPr>
-              <a:t> condition</a:t>
-            </a:r>
-          </a:p>
-        </p:txBody>
-      </p:sp>
-      <p:sp>
-        <p:nvSpPr>
-          <p:cNvPr id="18440" name="Line 8"/>
-          <p:cNvSpPr>
-            <a:spLocks noChangeShapeType="1"/>
-          </p:cNvSpPr>
-          <p:nvPr/>
-        </p:nvSpPr>
-        <p:spPr bwMode="auto">
-          <a:xfrm flipH="1">
-            <a:off x="5638800" y="2819400"/>
-            <a:ext cx="914400" cy="381000"/>
-          </a:xfrm>
-          <a:prstGeom prst="line">
-            <a:avLst/>
-          </a:prstGeom>
-          <a:noFill/>
-          <a:ln w="9525">
-            <a:solidFill>
-              <a:schemeClr val="tx1"/>
-            </a:solidFill>
-            <a:round/>
-            <a:headEnd/>
-            <a:tailEnd type="triangle" w="med" len="med"/>
-          </a:ln>
-          <a:effectLst/>
-          <a:extLst>
-            <a:ext uri="{909E8E84-426E-40DD-AFC4-6F175D3DCCD1}">
-              <a14:hiddenFill xmlns:a14="http://schemas.microsoft.com/office/drawing/2010/main">
-                <a:noFill/>
-              </a14:hiddenFill>
-            </a:ext>
-            <a:ext uri="{AF507438-7753-43E0-B8FC-AC1667EBCBE1}">
-              <a14:hiddenEffects xmlns:a14="http://schemas.microsoft.com/office/drawing/2010/main">
-                <a:effectLst>
-                  <a:outerShdw dist="35921" dir="2700000" algn="ctr" rotWithShape="0">
-                    <a:schemeClr val="bg2"/>
-                  </a:outerShdw>
-                </a:effectLst>
-              </a14:hiddenEffects>
-            </a:ext>
-          </a:extLst>
-        </p:spPr>
-        <p:txBody>
-          <a:bodyPr wrap="none" anchor="ctr"/>
-          <a:lstStyle/>
-          <a:p>
-            <a:endParaRPr lang="en-IE"/>
-          </a:p>
-        </p:txBody>
-      </p:sp>
-      <p:sp>
-        <p:nvSpPr>
-          <p:cNvPr id="18442" name="AutoShape 10"/>
-          <p:cNvSpPr>
-            <a:spLocks noChangeArrowheads="1"/>
-          </p:cNvSpPr>
-          <p:nvPr/>
-        </p:nvSpPr>
-        <p:spPr bwMode="auto">
-          <a:xfrm>
-            <a:off x="2438400" y="2286000"/>
-            <a:ext cx="1905000" cy="457200"/>
-          </a:xfrm>
-          <a:prstGeom prst="roundRect">
-            <a:avLst>
-              <a:gd name="adj" fmla="val 16667"/>
-            </a:avLst>
-          </a:prstGeom>
-          <a:noFill/>
-          <a:ln w="9525">
-            <a:solidFill>
-              <a:schemeClr val="tx1"/>
-            </a:solidFill>
-            <a:round/>
-            <a:headEnd/>
-            <a:tailEnd/>
-          </a:ln>
-          <a:effectLst/>
-          <a:extLst>
-            <a:ext uri="{909E8E84-426E-40DD-AFC4-6F175D3DCCD1}">
-              <a14:hiddenFill xmlns:a14="http://schemas.microsoft.com/office/drawing/2010/main">
-                <a:solidFill>
-                  <a:schemeClr val="accent1"/>
-                </a:solidFill>
-              </a14:hiddenFill>
-            </a:ext>
-            <a:ext uri="{AF507438-7753-43E0-B8FC-AC1667EBCBE1}">
-              <a14:hiddenEffects xmlns:a14="http://schemas.microsoft.com/office/drawing/2010/main">
-                <a:effectLst>
-                  <a:outerShdw dist="35921" dir="2700000" algn="ctr" rotWithShape="0">
-                    <a:schemeClr val="bg2"/>
-                  </a:outerShdw>
-                </a:effectLst>
-              </a14:hiddenEffects>
-            </a:ext>
-          </a:extLst>
-        </p:spPr>
-        <p:txBody>
-          <a:bodyPr wrap="none" anchor="ctr"/>
-          <a:lstStyle/>
-          <a:p>
-            <a:pPr algn="ctr"/>
-            <a:r>
-              <a:rPr lang="en-US">
-                <a:solidFill>
-                  <a:srgbClr val="A57133"/>
-                </a:solidFill>
-              </a:rPr>
-              <a:t>while</a:t>
-            </a:r>
-            <a:r>
-              <a:rPr lang="en-US">
-                <a:solidFill>
-                  <a:srgbClr val="A57133"/>
-                </a:solidFill>
-                <a:latin typeface="Times New Roman" pitchFamily="-32" charset="0"/>
-              </a:rPr>
-              <a:t> </a:t>
-            </a:r>
-            <a:r>
-              <a:rPr lang="en-US">
-                <a:solidFill>
-                  <a:srgbClr val="A57133"/>
-                </a:solidFill>
-                <a:latin typeface="Trebuchet MS" pitchFamily="-32" charset="0"/>
-              </a:rPr>
-              <a:t>keyword</a:t>
-            </a:r>
-          </a:p>
-        </p:txBody>
-      </p:sp>
-      <p:sp>
-        <p:nvSpPr>
-          <p:cNvPr id="18443" name="Line 11"/>
-          <p:cNvSpPr>
-            <a:spLocks noChangeShapeType="1"/>
-          </p:cNvSpPr>
-          <p:nvPr/>
-        </p:nvSpPr>
-        <p:spPr bwMode="auto">
-          <a:xfrm>
-            <a:off x="3352800" y="2743200"/>
-            <a:ext cx="914400" cy="381000"/>
-          </a:xfrm>
-          <a:prstGeom prst="line">
-            <a:avLst/>
-          </a:prstGeom>
-          <a:noFill/>
-          <a:ln w="9525">
-            <a:solidFill>
-              <a:schemeClr val="tx1"/>
-            </a:solidFill>
-            <a:round/>
-            <a:headEnd/>
-            <a:tailEnd type="triangle" w="med" len="med"/>
-          </a:ln>
-          <a:effectLst/>
-          <a:extLst>
-            <a:ext uri="{909E8E84-426E-40DD-AFC4-6F175D3DCCD1}">
-              <a14:hiddenFill xmlns:a14="http://schemas.microsoft.com/office/drawing/2010/main">
-                <a:noFill/>
-              </a14:hiddenFill>
-            </a:ext>
-            <a:ext uri="{AF507438-7753-43E0-B8FC-AC1667EBCBE1}">
-              <a14:hiddenEffects xmlns:a14="http://schemas.microsoft.com/office/drawing/2010/main">
-                <a:effectLst>
-                  <a:outerShdw dist="35921" dir="2700000" algn="ctr" rotWithShape="0">
-                    <a:schemeClr val="bg2"/>
-                  </a:outerShdw>
-                </a:effectLst>
-              </a14:hiddenEffects>
-            </a:ext>
-          </a:extLst>
-        </p:spPr>
-        <p:txBody>
-          <a:bodyPr wrap="none" anchor="ctr"/>
-          <a:lstStyle/>
-          <a:p>
-            <a:endParaRPr lang="en-IE"/>
-          </a:p>
-        </p:txBody>
-      </p:sp>
-      <p:sp>
-        <p:nvSpPr>
-          <p:cNvPr id="18445" name="AutoShape 13"/>
-          <p:cNvSpPr>
-            <a:spLocks noChangeArrowheads="1"/>
-          </p:cNvSpPr>
-          <p:nvPr/>
-        </p:nvSpPr>
-        <p:spPr bwMode="auto">
-          <a:xfrm>
-            <a:off x="7010400" y="3276600"/>
-            <a:ext cx="2971800" cy="457200"/>
-          </a:xfrm>
-          <a:prstGeom prst="roundRect">
-            <a:avLst>
-              <a:gd name="adj" fmla="val 16667"/>
-            </a:avLst>
-          </a:prstGeom>
-          <a:noFill/>
-          <a:ln w="9525">
-            <a:solidFill>
-              <a:schemeClr val="tx1"/>
-            </a:solidFill>
-            <a:round/>
-            <a:headEnd/>
-            <a:tailEnd/>
-          </a:ln>
-          <a:effectLst/>
-          <a:extLst>
-            <a:ext uri="{909E8E84-426E-40DD-AFC4-6F175D3DCCD1}">
-              <a14:hiddenFill xmlns:a14="http://schemas.microsoft.com/office/drawing/2010/main">
-                <a:solidFill>
-                  <a:schemeClr val="accent1"/>
-                </a:solidFill>
-              </a14:hiddenFill>
-            </a:ext>
-            <a:ext uri="{AF507438-7753-43E0-B8FC-AC1667EBCBE1}">
-              <a14:hiddenEffects xmlns:a14="http://schemas.microsoft.com/office/drawing/2010/main">
-                <a:effectLst>
-                  <a:outerShdw dist="35921" dir="2700000" algn="ctr" rotWithShape="0">
-                    <a:schemeClr val="bg2"/>
-                  </a:outerShdw>
-                </a:effectLst>
-              </a14:hiddenEffects>
-            </a:ext>
-          </a:extLst>
-        </p:spPr>
-        <p:txBody>
-          <a:bodyPr wrap="none" anchor="ctr"/>
-          <a:lstStyle/>
-          <a:p>
-            <a:pPr algn="ctr"/>
-            <a:r>
-              <a:rPr lang="en-US" dirty="0">
-                <a:solidFill>
-                  <a:srgbClr val="A57133"/>
-                </a:solidFill>
-                <a:latin typeface="Trebuchet MS" pitchFamily="-32" charset="0"/>
-              </a:rPr>
-              <a:t>Statements to be repeated</a:t>
-            </a:r>
-          </a:p>
-        </p:txBody>
-      </p:sp>
-      <p:sp>
-        <p:nvSpPr>
-          <p:cNvPr id="18446" name="Line 14"/>
-          <p:cNvSpPr>
-            <a:spLocks noChangeShapeType="1"/>
-          </p:cNvSpPr>
-          <p:nvPr/>
-        </p:nvSpPr>
-        <p:spPr bwMode="auto">
-          <a:xfrm flipH="1">
-            <a:off x="6019800" y="3505200"/>
-            <a:ext cx="990600" cy="0"/>
-          </a:xfrm>
-          <a:prstGeom prst="line">
-            <a:avLst/>
-          </a:prstGeom>
-          <a:noFill/>
-          <a:ln w="9525">
-            <a:solidFill>
-              <a:schemeClr val="tx1"/>
-            </a:solidFill>
-            <a:round/>
-            <a:headEnd/>
-            <a:tailEnd type="triangle" w="med" len="med"/>
-          </a:ln>
-          <a:effectLst/>
-          <a:extLst>
-            <a:ext uri="{909E8E84-426E-40DD-AFC4-6F175D3DCCD1}">
-              <a14:hiddenFill xmlns:a14="http://schemas.microsoft.com/office/drawing/2010/main">
-                <a:noFill/>
-              </a14:hiddenFill>
-            </a:ext>
-            <a:ext uri="{AF507438-7753-43E0-B8FC-AC1667EBCBE1}">
-              <a14:hiddenEffects xmlns:a14="http://schemas.microsoft.com/office/drawing/2010/main">
-                <a:effectLst>
-                  <a:outerShdw dist="35921" dir="2700000" algn="ctr" rotWithShape="0">
-                    <a:schemeClr val="bg2"/>
-                  </a:outerShdw>
-                </a:effectLst>
-              </a14:hiddenEffects>
-            </a:ext>
-          </a:extLst>
-        </p:spPr>
-        <p:txBody>
-          <a:bodyPr wrap="none" anchor="ctr"/>
-          <a:lstStyle/>
-          <a:p>
-            <a:endParaRPr lang="en-IE"/>
-          </a:p>
-        </p:txBody>
-      </p:sp>
-      <p:sp>
-        <p:nvSpPr>
-          <p:cNvPr id="18448" name="AutoShape 16"/>
-          <p:cNvSpPr>
-            <a:spLocks noChangeArrowheads="1"/>
-          </p:cNvSpPr>
-          <p:nvPr/>
-        </p:nvSpPr>
-        <p:spPr bwMode="auto">
-          <a:xfrm>
-            <a:off x="3862389" y="4495800"/>
-            <a:ext cx="4467225" cy="711200"/>
-          </a:xfrm>
-          <a:prstGeom prst="roundRect">
-            <a:avLst>
-              <a:gd name="adj" fmla="val 16667"/>
-            </a:avLst>
-          </a:prstGeom>
-          <a:noFill/>
-          <a:ln w="9525">
-            <a:solidFill>
-              <a:schemeClr val="tx1"/>
-            </a:solidFill>
-            <a:round/>
-            <a:headEnd/>
-            <a:tailEnd/>
-          </a:ln>
-          <a:effectLst/>
-          <a:extLst>
-            <a:ext uri="{909E8E84-426E-40DD-AFC4-6F175D3DCCD1}">
-              <a14:hiddenFill xmlns:a14="http://schemas.microsoft.com/office/drawing/2010/main">
-                <a:solidFill>
-                  <a:schemeClr val="folHlink">
-                    <a:alpha val="50000"/>
-                  </a:schemeClr>
-                </a:solidFill>
-              </a14:hiddenFill>
-            </a:ext>
-            <a:ext uri="{AF507438-7753-43E0-B8FC-AC1667EBCBE1}">
-              <a14:hiddenEffects xmlns:a14="http://schemas.microsoft.com/office/drawing/2010/main">
-                <a:effectLst>
-                  <a:outerShdw dist="35921" dir="2700000" algn="ctr" rotWithShape="0">
-                    <a:schemeClr val="bg2"/>
-                  </a:outerShdw>
-                </a:effectLst>
-              </a14:hiddenEffects>
-            </a:ext>
-          </a:extLst>
-        </p:spPr>
-        <p:txBody>
-          <a:bodyPr anchor="ctr">
-            <a:spAutoFit/>
-          </a:bodyPr>
-          <a:lstStyle/>
-          <a:p>
-            <a:pPr algn="ctr"/>
-            <a:r>
-              <a:rPr lang="en-US" dirty="0">
-                <a:solidFill>
-                  <a:srgbClr val="A57133"/>
-                </a:solidFill>
-                <a:latin typeface="Trebuchet MS" pitchFamily="-32" charset="0"/>
-              </a:rPr>
-              <a:t>Pseudo-code expression of the actions of a while loop</a:t>
-            </a:r>
-          </a:p>
-        </p:txBody>
-      </p:sp>
-      <p:sp>
-        <p:nvSpPr>
-          <p:cNvPr id="18450" name="AutoShape 18"/>
-          <p:cNvSpPr>
-            <a:spLocks noChangeArrowheads="1"/>
-          </p:cNvSpPr>
-          <p:nvPr/>
-        </p:nvSpPr>
-        <p:spPr bwMode="auto">
-          <a:xfrm>
-            <a:off x="4419600" y="1828800"/>
-            <a:ext cx="3200400" cy="381000"/>
-          </a:xfrm>
-          <a:prstGeom prst="roundRect">
-            <a:avLst>
-              <a:gd name="adj" fmla="val 16667"/>
-            </a:avLst>
-          </a:prstGeom>
-          <a:noFill/>
-          <a:ln w="9525">
-            <a:solidFill>
-              <a:schemeClr val="tx1"/>
-            </a:solidFill>
-            <a:round/>
-            <a:headEnd/>
-            <a:tailEnd/>
-          </a:ln>
-          <a:effectLst/>
-          <a:extLst>
-            <a:ext uri="{909E8E84-426E-40DD-AFC4-6F175D3DCCD1}">
-              <a14:hiddenFill xmlns:a14="http://schemas.microsoft.com/office/drawing/2010/main">
-                <a:solidFill>
-                  <a:schemeClr val="folHlink">
-                    <a:alpha val="50000"/>
-                  </a:schemeClr>
-                </a:solidFill>
-              </a14:hiddenFill>
-            </a:ext>
-            <a:ext uri="{AF507438-7753-43E0-B8FC-AC1667EBCBE1}">
-              <a14:hiddenEffects xmlns:a14="http://schemas.microsoft.com/office/drawing/2010/main">
-                <a:effectLst>
-                  <a:outerShdw dist="45791" dir="2021404" algn="ctr" rotWithShape="0">
-                    <a:schemeClr val="bg2"/>
-                  </a:outerShdw>
-                </a:effectLst>
-              </a14:hiddenEffects>
-            </a:ext>
-          </a:extLst>
-        </p:spPr>
-        <p:txBody>
-          <a:bodyPr wrap="none" anchor="ctr"/>
-          <a:lstStyle/>
-          <a:p>
-            <a:pPr algn="ctr"/>
-            <a:r>
-              <a:rPr lang="en-US">
-                <a:solidFill>
-                  <a:srgbClr val="A57133"/>
-                </a:solidFill>
-                <a:latin typeface="Trebuchet MS" pitchFamily="-32" charset="0"/>
-              </a:rPr>
-              <a:t>General form of a while loop</a:t>
-            </a:r>
-          </a:p>
-        </p:txBody>
-      </p:sp>
-      <p:sp>
-        <p:nvSpPr>
-          <p:cNvPr id="18455" name="Rectangle 23"/>
-          <p:cNvSpPr>
-            <a:spLocks noChangeArrowheads="1"/>
-          </p:cNvSpPr>
-          <p:nvPr/>
-        </p:nvSpPr>
-        <p:spPr bwMode="auto">
-          <a:xfrm>
-            <a:off x="2286000" y="2787134"/>
-            <a:ext cx="7772400" cy="369332"/>
-          </a:xfrm>
-          <a:prstGeom prst="rect">
-            <a:avLst/>
-          </a:prstGeom>
-          <a:noFill/>
-          <a:ln w="9525">
-            <a:solidFill>
-              <a:schemeClr val="tx1"/>
-            </a:solidFill>
-            <a:miter lim="800000"/>
-            <a:headEnd/>
-            <a:tailEnd/>
-          </a:ln>
-          <a:effectLst/>
-          <a:extLst>
-            <a:ext uri="{909E8E84-426E-40DD-AFC4-6F175D3DCCD1}">
-              <a14:hiddenFill xmlns:a14="http://schemas.microsoft.com/office/drawing/2010/main">
-                <a:solidFill>
-                  <a:schemeClr val="accent1"/>
-                </a:solidFill>
-              </a14:hiddenFill>
-            </a:ext>
-            <a:ext uri="{AF507438-7753-43E0-B8FC-AC1667EBCBE1}">
-              <a14:hiddenEffects xmlns:a14="http://schemas.microsoft.com/office/drawing/2010/main">
-                <a:effectLst>
-                  <a:outerShdw dist="35921" dir="2700000" algn="ctr" rotWithShape="0">
-                    <a:schemeClr val="bg2"/>
-                  </a:outerShdw>
-                </a:effectLst>
-              </a14:hiddenEffects>
-            </a:ext>
-          </a:extLst>
-        </p:spPr>
-        <p:txBody>
-          <a:bodyPr anchor="ctr">
-            <a:spAutoFit/>
-          </a:bodyPr>
-          <a:lstStyle/>
-          <a:p>
-            <a:endParaRPr lang="en-IE"/>
-          </a:p>
-        </p:txBody>
-      </p:sp>
-      <p:sp>
-        <p:nvSpPr>
-          <p:cNvPr id="18457" name="AutoShape 25"/>
-          <p:cNvSpPr>
-            <a:spLocks noChangeArrowheads="1"/>
-          </p:cNvSpPr>
-          <p:nvPr/>
-        </p:nvSpPr>
-        <p:spPr bwMode="auto">
-          <a:xfrm flipH="1" flipV="1">
-            <a:off x="2819400" y="3320534"/>
-            <a:ext cx="990600" cy="369332"/>
-          </a:xfrm>
-          <a:prstGeom prst="curvedLeftArrow">
-            <a:avLst>
-              <a:gd name="adj1" fmla="val 20000"/>
-              <a:gd name="adj2" fmla="val 40000"/>
-              <a:gd name="adj3" fmla="val 43333"/>
-            </a:avLst>
-          </a:prstGeom>
-          <a:noFill/>
-          <a:ln w="9525">
-            <a:solidFill>
-              <a:schemeClr val="tx1"/>
-            </a:solidFill>
-            <a:miter lim="800000"/>
-            <a:headEnd/>
-            <a:tailEnd/>
-          </a:ln>
-          <a:effectLst/>
-          <a:extLst>
-            <a:ext uri="{909E8E84-426E-40DD-AFC4-6F175D3DCCD1}">
-              <a14:hiddenFill xmlns:a14="http://schemas.microsoft.com/office/drawing/2010/main">
-                <a:solidFill>
-                  <a:schemeClr val="accent1"/>
-                </a:solidFill>
-              </a14:hiddenFill>
-            </a:ext>
-            <a:ext uri="{AF507438-7753-43E0-B8FC-AC1667EBCBE1}">
-              <a14:hiddenEffects xmlns:a14="http://schemas.microsoft.com/office/drawing/2010/main">
-                <a:effectLst>
-                  <a:outerShdw dist="35921" dir="2700000" algn="ctr" rotWithShape="0">
-                    <a:schemeClr val="bg2"/>
-                  </a:outerShdw>
-                </a:effectLst>
-              </a14:hiddenEffects>
-            </a:ext>
-          </a:extLst>
-        </p:spPr>
-        <p:txBody>
-          <a:bodyPr anchor="ctr">
-            <a:spAutoFit/>
-          </a:bodyPr>
-          <a:lstStyle/>
-          <a:p>
-            <a:endParaRPr lang="en-IE"/>
+              <a:rPr lang="en-US" dirty="0"/>
+              <a:t>A while loop means:</a:t>
+            </a:r>
+          </a:p>
+          <a:p>
+            <a:pPr marL="0" indent="0">
+              <a:buNone/>
+            </a:pPr>
+            <a:endParaRPr lang="en-US" dirty="0"/>
+          </a:p>
+          <a:p>
+            <a:pPr marL="0" indent="0">
+              <a:buNone/>
+            </a:pPr>
+            <a:r>
+              <a:rPr lang="en-US" dirty="0"/>
+              <a:t>	“While this condition is true, keep repeating these 	statements.”</a:t>
+            </a:r>
+          </a:p>
+          <a:p>
+            <a:endParaRPr lang="en-US" dirty="0"/>
+          </a:p>
+          <a:p>
+            <a:pPr marL="0" indent="0">
+              <a:buNone/>
+            </a:pPr>
+            <a:r>
+              <a:rPr lang="en-US" dirty="0"/>
+              <a:t>If the condition becomes false, the loop stops.</a:t>
+            </a:r>
+          </a:p>
+          <a:p>
+            <a:endParaRPr lang="en-IE" dirty="0"/>
           </a:p>
         </p:txBody>
       </p:sp>
     </p:spTree>
     <p:extLst>
       <p:ext uri="{BB962C8B-B14F-4D97-AF65-F5344CB8AC3E}">
-        <p14:creationId xmlns:p14="http://schemas.microsoft.com/office/powerpoint/2010/main" val="604770814"/>
+        <p14:creationId xmlns:p14="http://schemas.microsoft.com/office/powerpoint/2010/main" val="189499543"/>
       </p:ext>
     </p:extLst>
   </p:cSld>
   <p:clrMapOvr>
     <a:masterClrMapping/>
   </p:clrMapOvr>
-  <p:timing>
-    <p:tnLst>
-      <p:par>
-        <p:cTn id="1" dur="indefinite" restart="never" nodeType="tmRoot">
-          <p:childTnLst>
-            <p:seq concurrent="1" nextAc="seek">
-              <p:cTn id="2" dur="indefinite" nodeType="mainSeq">
-                <p:childTnLst>
-                  <p:par>
-                    <p:cTn id="3" fill="hold">
-                      <p:stCondLst>
-                        <p:cond delay="indefinite"/>
-                      </p:stCondLst>
-                      <p:childTnLst>
-                        <p:par>
-                          <p:cTn id="4" fill="hold">
-                            <p:stCondLst>
-                              <p:cond delay="0"/>
-                            </p:stCondLst>
-                            <p:childTnLst>
-                              <p:par>
-                                <p:cTn id="5" presetID="1" presetClass="entr" presetSubtype="0" fill="hold" grpId="0" nodeType="clickEffect">
-                                  <p:stCondLst>
-                                    <p:cond delay="0"/>
-                                  </p:stCondLst>
-                                  <p:childTnLst>
-                                    <p:set>
-                                      <p:cBhvr>
-                                        <p:cTn id="6" dur="1" fill="hold">
-                                          <p:stCondLst>
-                                            <p:cond delay="0"/>
-                                          </p:stCondLst>
-                                        </p:cTn>
-                                        <p:tgtEl>
-                                          <p:spTgt spid="18442"/>
-                                        </p:tgtEl>
-                                        <p:attrNameLst>
-                                          <p:attrName>style.visibility</p:attrName>
-                                        </p:attrNameLst>
-                                      </p:cBhvr>
-                                      <p:to>
-                                        <p:strVal val="visible"/>
-                                      </p:to>
-                                    </p:set>
-                                  </p:childTnLst>
-                                </p:cTn>
-                              </p:par>
-                              <p:par>
-                                <p:cTn id="7" presetID="1" presetClass="entr" presetSubtype="0" fill="hold" grpId="0" nodeType="withEffect">
-                                  <p:stCondLst>
-                                    <p:cond delay="0"/>
-                                  </p:stCondLst>
-                                  <p:childTnLst>
-                                    <p:set>
-                                      <p:cBhvr>
-                                        <p:cTn id="8" dur="1" fill="hold">
-                                          <p:stCondLst>
-                                            <p:cond delay="0"/>
-                                          </p:stCondLst>
-                                        </p:cTn>
-                                        <p:tgtEl>
-                                          <p:spTgt spid="18443"/>
-                                        </p:tgtEl>
-                                        <p:attrNameLst>
-                                          <p:attrName>style.visibility</p:attrName>
-                                        </p:attrNameLst>
-                                      </p:cBhvr>
-                                      <p:to>
-                                        <p:strVal val="visible"/>
-                                      </p:to>
-                                    </p:set>
-                                  </p:childTnLst>
-                                </p:cTn>
-                              </p:par>
-                            </p:childTnLst>
-                          </p:cTn>
-                        </p:par>
-                      </p:childTnLst>
-                    </p:cTn>
-                  </p:par>
-                  <p:par>
-                    <p:cTn id="9" fill="hold">
-                      <p:stCondLst>
-                        <p:cond delay="indefinite"/>
-                      </p:stCondLst>
-                      <p:childTnLst>
-                        <p:par>
-                          <p:cTn id="10" fill="hold">
-                            <p:stCondLst>
-                              <p:cond delay="0"/>
-                            </p:stCondLst>
-                            <p:childTnLst>
-                              <p:par>
-                                <p:cTn id="11" presetID="1" presetClass="entr" presetSubtype="0" fill="hold" grpId="0" nodeType="clickEffect">
-                                  <p:stCondLst>
-                                    <p:cond delay="0"/>
-                                  </p:stCondLst>
-                                  <p:childTnLst>
-                                    <p:set>
-                                      <p:cBhvr>
-                                        <p:cTn id="12" dur="1" fill="hold">
-                                          <p:stCondLst>
-                                            <p:cond delay="0"/>
-                                          </p:stCondLst>
-                                        </p:cTn>
-                                        <p:tgtEl>
-                                          <p:spTgt spid="18440"/>
-                                        </p:tgtEl>
-                                        <p:attrNameLst>
-                                          <p:attrName>style.visibility</p:attrName>
-                                        </p:attrNameLst>
-                                      </p:cBhvr>
-                                      <p:to>
-                                        <p:strVal val="visible"/>
-                                      </p:to>
-                                    </p:set>
-                                  </p:childTnLst>
-                                </p:cTn>
-                              </p:par>
-                              <p:par>
-                                <p:cTn id="13" presetID="1" presetClass="entr" presetSubtype="0" fill="hold" grpId="0" nodeType="withEffect">
-                                  <p:stCondLst>
-                                    <p:cond delay="0"/>
-                                  </p:stCondLst>
-                                  <p:childTnLst>
-                                    <p:set>
-                                      <p:cBhvr>
-                                        <p:cTn id="14" dur="1" fill="hold">
-                                          <p:stCondLst>
-                                            <p:cond delay="0"/>
-                                          </p:stCondLst>
-                                        </p:cTn>
-                                        <p:tgtEl>
-                                          <p:spTgt spid="18439"/>
-                                        </p:tgtEl>
-                                        <p:attrNameLst>
-                                          <p:attrName>style.visibility</p:attrName>
-                                        </p:attrNameLst>
-                                      </p:cBhvr>
-                                      <p:to>
-                                        <p:strVal val="visible"/>
-                                      </p:to>
-                                    </p:set>
-                                  </p:childTnLst>
-                                </p:cTn>
-                              </p:par>
-                            </p:childTnLst>
-                          </p:cTn>
-                        </p:par>
-                      </p:childTnLst>
-                    </p:cTn>
-                  </p:par>
-                  <p:par>
-                    <p:cTn id="15" fill="hold">
-                      <p:stCondLst>
-                        <p:cond delay="indefinite"/>
-                      </p:stCondLst>
-                      <p:childTnLst>
-                        <p:par>
-                          <p:cTn id="16" fill="hold">
-                            <p:stCondLst>
-                              <p:cond delay="0"/>
-                            </p:stCondLst>
-                            <p:childTnLst>
-                              <p:par>
-                                <p:cTn id="17" presetID="1" presetClass="entr" presetSubtype="0" fill="hold" grpId="0" nodeType="clickEffect">
-                                  <p:stCondLst>
-                                    <p:cond delay="0"/>
-                                  </p:stCondLst>
-                                  <p:childTnLst>
-                                    <p:set>
-                                      <p:cBhvr>
-                                        <p:cTn id="18" dur="1" fill="hold">
-                                          <p:stCondLst>
-                                            <p:cond delay="0"/>
-                                          </p:stCondLst>
-                                        </p:cTn>
-                                        <p:tgtEl>
-                                          <p:spTgt spid="18446"/>
-                                        </p:tgtEl>
-                                        <p:attrNameLst>
-                                          <p:attrName>style.visibility</p:attrName>
-                                        </p:attrNameLst>
-                                      </p:cBhvr>
-                                      <p:to>
-                                        <p:strVal val="visible"/>
-                                      </p:to>
-                                    </p:set>
-                                  </p:childTnLst>
-                                </p:cTn>
-                              </p:par>
-                              <p:par>
-                                <p:cTn id="19" presetID="1" presetClass="entr" presetSubtype="0" fill="hold" grpId="0" nodeType="withEffect">
-                                  <p:stCondLst>
-                                    <p:cond delay="0"/>
-                                  </p:stCondLst>
-                                  <p:childTnLst>
-                                    <p:set>
-                                      <p:cBhvr>
-                                        <p:cTn id="20" dur="1" fill="hold">
-                                          <p:stCondLst>
-                                            <p:cond delay="0"/>
-                                          </p:stCondLst>
-                                        </p:cTn>
-                                        <p:tgtEl>
-                                          <p:spTgt spid="18445"/>
-                                        </p:tgtEl>
-                                        <p:attrNameLst>
-                                          <p:attrName>style.visibility</p:attrName>
-                                        </p:attrNameLst>
-                                      </p:cBhvr>
-                                      <p:to>
-                                        <p:strVal val="visible"/>
-                                      </p:to>
-                                    </p:set>
-                                  </p:childTnLst>
-                                </p:cTn>
-                              </p:par>
-                              <p:par>
-                                <p:cTn id="21" presetID="1" presetClass="entr" presetSubtype="0" fill="hold" grpId="0" nodeType="withEffect">
-                                  <p:stCondLst>
-                                    <p:cond delay="0"/>
-                                  </p:stCondLst>
-                                  <p:childTnLst>
-                                    <p:set>
-                                      <p:cBhvr>
-                                        <p:cTn id="22" dur="1" fill="hold">
-                                          <p:stCondLst>
-                                            <p:cond delay="0"/>
-                                          </p:stCondLst>
-                                        </p:cTn>
-                                        <p:tgtEl>
-                                          <p:spTgt spid="18448"/>
-                                        </p:tgtEl>
-                                        <p:attrNameLst>
-                                          <p:attrName>style.visibility</p:attrName>
-                                        </p:attrNameLst>
-                                      </p:cBhvr>
-                                      <p:to>
-                                        <p:strVal val="visible"/>
-                                      </p:to>
-                                    </p:set>
-                                  </p:childTnLst>
-                                </p:cTn>
-                              </p:par>
-                              <p:par>
-                                <p:cTn id="23" presetID="1" presetClass="entr" presetSubtype="0" fill="hold" grpId="0" nodeType="withEffect">
-                                  <p:stCondLst>
-                                    <p:cond delay="0"/>
-                                  </p:stCondLst>
-                                  <p:childTnLst>
-                                    <p:set>
-                                      <p:cBhvr>
-                                        <p:cTn id="24" dur="1" fill="hold">
-                                          <p:stCondLst>
-                                            <p:cond delay="0"/>
-                                          </p:stCondLst>
-                                        </p:cTn>
-                                        <p:tgtEl>
-                                          <p:spTgt spid="18437"/>
-                                        </p:tgtEl>
-                                        <p:attrNameLst>
-                                          <p:attrName>style.visibility</p:attrName>
-                                        </p:attrNameLst>
-                                      </p:cBhvr>
-                                      <p:to>
-                                        <p:strVal val="visible"/>
-                                      </p:to>
-                                    </p:set>
-                                  </p:childTnLst>
-                                </p:cTn>
-                              </p:par>
-                            </p:childTnLst>
-                          </p:cTn>
-                        </p:par>
-                      </p:childTnLst>
-                    </p:cTn>
-                  </p:par>
-                </p:childTnLst>
-              </p:cTn>
-              <p:prevCondLst>
-                <p:cond evt="onPrev" delay="0">
-                  <p:tgtEl>
-                    <p:sldTgt/>
-                  </p:tgtEl>
-                </p:cond>
-              </p:prevCondLst>
-              <p:nextCondLst>
-                <p:cond evt="onNext" delay="0">
-                  <p:tgtEl>
-                    <p:sldTgt/>
-                  </p:tgtEl>
-                </p:cond>
-              </p:nextCondLst>
-            </p:seq>
-          </p:childTnLst>
-        </p:cTn>
-      </p:par>
-    </p:tnLst>
-    <p:bldLst>
-      <p:bldP spid="18437" grpId="0"/>
-      <p:bldP spid="18439" grpId="0" animBg="1"/>
-      <p:bldP spid="18440" grpId="0" animBg="1"/>
-      <p:bldP spid="18442" grpId="0" animBg="1"/>
-      <p:bldP spid="18443" grpId="0" animBg="1"/>
-      <p:bldP spid="18445" grpId="0" animBg="1"/>
-      <p:bldP spid="18446" grpId="0" animBg="1"/>
-      <p:bldP spid="18448" grpId="0" animBg="1"/>
-    </p:bldLst>
-  </p:timing>
 </p:sld>
 </file>
 

--- a/topic02-primitive-arrays/unit-02a-lectures/talk-2-loop-recap/b-iteration-while.pptx
+++ b/topic02-primitive-arrays/unit-02a-lectures/talk-2-loop-recap/b-iteration-while.pptx
@@ -228,7 +228,7 @@
           <a:p>
             <a:fld id="{58C3D141-1E1C-433C-AD3A-CD56CBBB4F9F}" type="datetimeFigureOut">
               <a:rPr lang="en-IE" smtClean="0"/>
-              <a:t>21/01/2026</a:t>
+              <a:t>27/01/2026</a:t>
             </a:fld>
             <a:endParaRPr lang="en-IE"/>
           </a:p>
@@ -3237,7 +3237,7 @@
             <a:fld id="{1D8BD707-D9CF-40AE-B4C6-C98DA3205C09}" type="datetimeFigureOut">
               <a:rPr lang="en-US" smtClean="0"/>
               <a:pPr/>
-              <a:t>1/21/2026</a:t>
+              <a:t>1/27/26</a:t>
             </a:fld>
             <a:endParaRPr lang="en-US"/>
           </a:p>
@@ -3402,7 +3402,7 @@
             <a:fld id="{1D8BD707-D9CF-40AE-B4C6-C98DA3205C09}" type="datetimeFigureOut">
               <a:rPr lang="en-US" smtClean="0"/>
               <a:pPr/>
-              <a:t>1/21/2026</a:t>
+              <a:t>1/27/26</a:t>
             </a:fld>
             <a:endParaRPr lang="en-US"/>
           </a:p>
@@ -3577,7 +3577,7 @@
             <a:fld id="{1D8BD707-D9CF-40AE-B4C6-C98DA3205C09}" type="datetimeFigureOut">
               <a:rPr lang="en-US" smtClean="0"/>
               <a:pPr/>
-              <a:t>1/21/2026</a:t>
+              <a:t>1/27/26</a:t>
             </a:fld>
             <a:endParaRPr lang="en-US"/>
           </a:p>
@@ -3753,7 +3753,7 @@
             <a:fld id="{1D8BD707-D9CF-40AE-B4C6-C98DA3205C09}" type="datetimeFigureOut">
               <a:rPr lang="en-US" smtClean="0"/>
               <a:pPr/>
-              <a:t>1/21/2026</a:t>
+              <a:t>1/27/26</a:t>
             </a:fld>
             <a:endParaRPr lang="en-US"/>
           </a:p>
@@ -4033,7 +4033,7 @@
             <a:fld id="{1D8BD707-D9CF-40AE-B4C6-C98DA3205C09}" type="datetimeFigureOut">
               <a:rPr lang="en-US" smtClean="0"/>
               <a:pPr/>
-              <a:t>1/21/2026</a:t>
+              <a:t>1/27/26</a:t>
             </a:fld>
             <a:endParaRPr lang="en-US"/>
           </a:p>
@@ -4326,7 +4326,7 @@
             <a:fld id="{1D8BD707-D9CF-40AE-B4C6-C98DA3205C09}" type="datetimeFigureOut">
               <a:rPr lang="en-US" smtClean="0"/>
               <a:pPr/>
-              <a:t>1/21/2026</a:t>
+              <a:t>1/27/26</a:t>
             </a:fld>
             <a:endParaRPr lang="en-US"/>
           </a:p>
@@ -4784,7 +4784,7 @@
             <a:fld id="{1D8BD707-D9CF-40AE-B4C6-C98DA3205C09}" type="datetimeFigureOut">
               <a:rPr lang="en-US" smtClean="0"/>
               <a:pPr/>
-              <a:t>1/21/2026</a:t>
+              <a:t>1/27/26</a:t>
             </a:fld>
             <a:endParaRPr lang="en-US"/>
           </a:p>
@@ -4944,7 +4944,7 @@
             <a:fld id="{1D8BD707-D9CF-40AE-B4C6-C98DA3205C09}" type="datetimeFigureOut">
               <a:rPr lang="en-US" smtClean="0"/>
               <a:pPr/>
-              <a:t>1/21/2026</a:t>
+              <a:t>1/27/26</a:t>
             </a:fld>
             <a:endParaRPr lang="en-US"/>
           </a:p>
@@ -5071,7 +5071,7 @@
             <a:fld id="{1D8BD707-D9CF-40AE-B4C6-C98DA3205C09}" type="datetimeFigureOut">
               <a:rPr lang="en-US" smtClean="0"/>
               <a:pPr/>
-              <a:t>1/21/2026</a:t>
+              <a:t>1/27/26</a:t>
             </a:fld>
             <a:endParaRPr lang="en-US"/>
           </a:p>
@@ -5343,7 +5343,7 @@
             <a:fld id="{1D8BD707-D9CF-40AE-B4C6-C98DA3205C09}" type="datetimeFigureOut">
               <a:rPr lang="en-US" smtClean="0"/>
               <a:pPr/>
-              <a:t>1/21/2026</a:t>
+              <a:t>1/27/26</a:t>
             </a:fld>
             <a:endParaRPr lang="en-US"/>
           </a:p>
@@ -5592,7 +5592,7 @@
             <a:fld id="{1D8BD707-D9CF-40AE-B4C6-C98DA3205C09}" type="datetimeFigureOut">
               <a:rPr lang="en-US" smtClean="0"/>
               <a:pPr/>
-              <a:t>1/21/2026</a:t>
+              <a:t>1/27/26</a:t>
             </a:fld>
             <a:endParaRPr lang="en-US"/>
           </a:p>
@@ -5800,7 +5800,7 @@
             <a:fld id="{1D8BD707-D9CF-40AE-B4C6-C98DA3205C09}" type="datetimeFigureOut">
               <a:rPr lang="en-US" smtClean="0"/>
               <a:pPr/>
-              <a:t>1/21/2026</a:t>
+              <a:t>1/27/26</a:t>
             </a:fld>
             <a:endParaRPr lang="en-US"/>
           </a:p>
@@ -12637,15 +12637,7 @@
           <a:p>
             <a:r>
               <a:rPr lang="en-US" dirty="0"/>
-              <a:t>Solution – </a:t>
-            </a:r>
-            <a:r>
-              <a:rPr lang="en-US" dirty="0" err="1"/>
-              <a:t>Whats</a:t>
-            </a:r>
-            <a:r>
-              <a:rPr lang="en-US" dirty="0"/>
-              <a:t> the difference?</a:t>
+              <a:t>Solution – What’s the difference?</a:t>
             </a:r>
           </a:p>
         </p:txBody>
